--- a/dabian/毕设.pptx
+++ b/dabian/毕设.pptx
@@ -5,7 +5,7 @@
     <p:sldMasterId id="2147483648" r:id="rId1"/>
   </p:sldMasterIdLst>
   <p:notesMasterIdLst>
-    <p:notesMasterId r:id="rId20"/>
+    <p:notesMasterId r:id="rId23"/>
   </p:notesMasterIdLst>
   <p:sldIdLst>
     <p:sldId id="260" r:id="rId2"/>
@@ -14,18 +14,21 @@
     <p:sldId id="268" r:id="rId5"/>
     <p:sldId id="270" r:id="rId6"/>
     <p:sldId id="267" r:id="rId7"/>
-    <p:sldId id="274" r:id="rId8"/>
-    <p:sldId id="275" r:id="rId9"/>
-    <p:sldId id="276" r:id="rId10"/>
-    <p:sldId id="273" r:id="rId11"/>
-    <p:sldId id="277" r:id="rId12"/>
-    <p:sldId id="278" r:id="rId13"/>
-    <p:sldId id="279" r:id="rId14"/>
-    <p:sldId id="271" r:id="rId15"/>
-    <p:sldId id="280" r:id="rId16"/>
-    <p:sldId id="281" r:id="rId17"/>
-    <p:sldId id="272" r:id="rId18"/>
-    <p:sldId id="282" r:id="rId19"/>
+    <p:sldId id="283" r:id="rId8"/>
+    <p:sldId id="274" r:id="rId9"/>
+    <p:sldId id="275" r:id="rId10"/>
+    <p:sldId id="284" r:id="rId11"/>
+    <p:sldId id="276" r:id="rId12"/>
+    <p:sldId id="273" r:id="rId13"/>
+    <p:sldId id="277" r:id="rId14"/>
+    <p:sldId id="278" r:id="rId15"/>
+    <p:sldId id="279" r:id="rId16"/>
+    <p:sldId id="271" r:id="rId17"/>
+    <p:sldId id="280" r:id="rId18"/>
+    <p:sldId id="281" r:id="rId19"/>
+    <p:sldId id="272" r:id="rId20"/>
+    <p:sldId id="285" r:id="rId21"/>
+    <p:sldId id="282" r:id="rId22"/>
   </p:sldIdLst>
   <p:sldSz cx="12192000" cy="6858000"/>
   <p:notesSz cx="6858000" cy="9144000"/>
@@ -214,7 +217,7 @@
           <a:p>
             <a:fld id="{CD78ABD6-604E-EC40-8B6B-0175AEC79FBD}" type="datetimeFigureOut">
               <a:rPr lang="en-CN" smtClean="0"/>
-              <a:t>2020/3/4</a:t>
+              <a:t>2020/3/6</a:t>
             </a:fld>
             <a:endParaRPr lang="en-CN"/>
           </a:p>
@@ -631,7 +634,7 @@
           <a:p>
             <a:fld id="{B769FE19-4753-8E47-8892-9C6013E6AD7A}" type="slidenum">
               <a:rPr lang="en-CN" smtClean="0"/>
-              <a:t>11</a:t>
+              <a:t>13</a:t>
             </a:fld>
             <a:endParaRPr lang="en-CN"/>
           </a:p>
@@ -641,6 +644,90 @@
     <p:extLst>
       <p:ext uri="{BB962C8B-B14F-4D97-AF65-F5344CB8AC3E}">
         <p14:creationId xmlns:p14="http://schemas.microsoft.com/office/powerpoint/2010/main" val="1129578164"/>
+      </p:ext>
+    </p:extLst>
+  </p:cSld>
+  <p:clrMapOvr>
+    <a:masterClrMapping/>
+  </p:clrMapOvr>
+</p:notes>
+</file>
+
+<file path=ppt/notesSlides/notesSlide3.xml><?xml version="1.0" encoding="utf-8"?>
+<p:notes xmlns:a="http://schemas.openxmlformats.org/drawingml/2006/main" xmlns:r="http://schemas.openxmlformats.org/officeDocument/2006/relationships" xmlns:p="http://schemas.openxmlformats.org/presentationml/2006/main">
+  <p:cSld>
+    <p:spTree>
+      <p:nvGrpSpPr>
+        <p:cNvPr id="1" name=""/>
+        <p:cNvGrpSpPr/>
+        <p:nvPr/>
+      </p:nvGrpSpPr>
+      <p:grpSpPr>
+        <a:xfrm>
+          <a:off x="0" y="0"/>
+          <a:ext cx="0" cy="0"/>
+          <a:chOff x="0" y="0"/>
+          <a:chExt cx="0" cy="0"/>
+        </a:xfrm>
+      </p:grpSpPr>
+      <p:sp>
+        <p:nvSpPr>
+          <p:cNvPr id="2" name="Slide Image Placeholder 1"/>
+          <p:cNvSpPr>
+            <a:spLocks noGrp="1" noRot="1" noChangeAspect="1"/>
+          </p:cNvSpPr>
+          <p:nvPr>
+            <p:ph type="sldImg"/>
+          </p:nvPr>
+        </p:nvSpPr>
+        <p:spPr/>
+      </p:sp>
+      <p:sp>
+        <p:nvSpPr>
+          <p:cNvPr id="3" name="Notes Placeholder 2"/>
+          <p:cNvSpPr>
+            <a:spLocks noGrp="1"/>
+          </p:cNvSpPr>
+          <p:nvPr>
+            <p:ph type="body" idx="1"/>
+          </p:nvPr>
+        </p:nvSpPr>
+        <p:spPr/>
+        <p:txBody>
+          <a:bodyPr/>
+          <a:lstStyle/>
+          <a:p>
+            <a:endParaRPr lang="en-CN" dirty="0"/>
+          </a:p>
+        </p:txBody>
+      </p:sp>
+      <p:sp>
+        <p:nvSpPr>
+          <p:cNvPr id="4" name="Slide Number Placeholder 3"/>
+          <p:cNvSpPr>
+            <a:spLocks noGrp="1"/>
+          </p:cNvSpPr>
+          <p:nvPr>
+            <p:ph type="sldNum" sz="quarter" idx="5"/>
+          </p:nvPr>
+        </p:nvSpPr>
+        <p:spPr/>
+        <p:txBody>
+          <a:bodyPr/>
+          <a:lstStyle/>
+          <a:p>
+            <a:fld id="{B769FE19-4753-8E47-8892-9C6013E6AD7A}" type="slidenum">
+              <a:rPr lang="en-CN" smtClean="0"/>
+              <a:t>20</a:t>
+            </a:fld>
+            <a:endParaRPr lang="en-CN"/>
+          </a:p>
+        </p:txBody>
+      </p:sp>
+    </p:spTree>
+    <p:extLst>
+      <p:ext uri="{BB962C8B-B14F-4D97-AF65-F5344CB8AC3E}">
+        <p14:creationId xmlns:p14="http://schemas.microsoft.com/office/powerpoint/2010/main" val="2232358169"/>
       </p:ext>
     </p:extLst>
   </p:cSld>
@@ -779,7 +866,7 @@
           <a:p>
             <a:fld id="{A39F1C73-6920-4190-8F76-1A0FE52E9A1A}" type="datetimeFigureOut">
               <a:rPr lang="zh-CN" altLang="en-US" smtClean="0"/>
-              <a:t>2020/3/4</a:t>
+              <a:t>2020/3/6</a:t>
             </a:fld>
             <a:endParaRPr lang="zh-CN" altLang="en-US"/>
           </a:p>
@@ -947,7 +1034,7 @@
           <a:p>
             <a:fld id="{A39F1C73-6920-4190-8F76-1A0FE52E9A1A}" type="datetimeFigureOut">
               <a:rPr lang="zh-CN" altLang="en-US" smtClean="0"/>
-              <a:t>2020/3/4</a:t>
+              <a:t>2020/3/6</a:t>
             </a:fld>
             <a:endParaRPr lang="zh-CN" altLang="en-US"/>
           </a:p>
@@ -1125,7 +1212,7 @@
           <a:p>
             <a:fld id="{A39F1C73-6920-4190-8F76-1A0FE52E9A1A}" type="datetimeFigureOut">
               <a:rPr lang="zh-CN" altLang="en-US" smtClean="0"/>
-              <a:t>2020/3/4</a:t>
+              <a:t>2020/3/6</a:t>
             </a:fld>
             <a:endParaRPr lang="zh-CN" altLang="en-US"/>
           </a:p>
@@ -1293,7 +1380,7 @@
           <a:p>
             <a:fld id="{A39F1C73-6920-4190-8F76-1A0FE52E9A1A}" type="datetimeFigureOut">
               <a:rPr lang="zh-CN" altLang="en-US" smtClean="0"/>
-              <a:t>2020/3/4</a:t>
+              <a:t>2020/3/6</a:t>
             </a:fld>
             <a:endParaRPr lang="zh-CN" altLang="en-US"/>
           </a:p>
@@ -1538,7 +1625,7 @@
           <a:p>
             <a:fld id="{A39F1C73-6920-4190-8F76-1A0FE52E9A1A}" type="datetimeFigureOut">
               <a:rPr lang="zh-CN" altLang="en-US" smtClean="0"/>
-              <a:t>2020/3/4</a:t>
+              <a:t>2020/3/6</a:t>
             </a:fld>
             <a:endParaRPr lang="zh-CN" altLang="en-US"/>
           </a:p>
@@ -1767,7 +1854,7 @@
           <a:p>
             <a:fld id="{A39F1C73-6920-4190-8F76-1A0FE52E9A1A}" type="datetimeFigureOut">
               <a:rPr lang="zh-CN" altLang="en-US" smtClean="0"/>
-              <a:t>2020/3/4</a:t>
+              <a:t>2020/3/6</a:t>
             </a:fld>
             <a:endParaRPr lang="zh-CN" altLang="en-US"/>
           </a:p>
@@ -2131,7 +2218,7 @@
           <a:p>
             <a:fld id="{A39F1C73-6920-4190-8F76-1A0FE52E9A1A}" type="datetimeFigureOut">
               <a:rPr lang="zh-CN" altLang="en-US" smtClean="0"/>
-              <a:t>2020/3/4</a:t>
+              <a:t>2020/3/6</a:t>
             </a:fld>
             <a:endParaRPr lang="zh-CN" altLang="en-US"/>
           </a:p>
@@ -2248,7 +2335,7 @@
           <a:p>
             <a:fld id="{A39F1C73-6920-4190-8F76-1A0FE52E9A1A}" type="datetimeFigureOut">
               <a:rPr lang="zh-CN" altLang="en-US" smtClean="0"/>
-              <a:t>2020/3/4</a:t>
+              <a:t>2020/3/6</a:t>
             </a:fld>
             <a:endParaRPr lang="zh-CN" altLang="en-US"/>
           </a:p>
@@ -2343,7 +2430,7 @@
           <a:p>
             <a:fld id="{A39F1C73-6920-4190-8F76-1A0FE52E9A1A}" type="datetimeFigureOut">
               <a:rPr lang="zh-CN" altLang="en-US" smtClean="0"/>
-              <a:t>2020/3/4</a:t>
+              <a:t>2020/3/6</a:t>
             </a:fld>
             <a:endParaRPr lang="zh-CN" altLang="en-US"/>
           </a:p>
@@ -2618,7 +2705,7 @@
           <a:p>
             <a:fld id="{A39F1C73-6920-4190-8F76-1A0FE52E9A1A}" type="datetimeFigureOut">
               <a:rPr lang="zh-CN" altLang="en-US" smtClean="0"/>
-              <a:t>2020/3/4</a:t>
+              <a:t>2020/3/6</a:t>
             </a:fld>
             <a:endParaRPr lang="zh-CN" altLang="en-US"/>
           </a:p>
@@ -2870,7 +2957,7 @@
           <a:p>
             <a:fld id="{A39F1C73-6920-4190-8F76-1A0FE52E9A1A}" type="datetimeFigureOut">
               <a:rPr lang="zh-CN" altLang="en-US" smtClean="0"/>
-              <a:t>2020/3/4</a:t>
+              <a:t>2020/3/6</a:t>
             </a:fld>
             <a:endParaRPr lang="zh-CN" altLang="en-US"/>
           </a:p>
@@ -3081,7 +3168,7 @@
           <a:p>
             <a:fld id="{A39F1C73-6920-4190-8F76-1A0FE52E9A1A}" type="datetimeFigureOut">
               <a:rPr lang="zh-CN" altLang="en-US" smtClean="0"/>
-              <a:t>2020/3/4</a:t>
+              <a:t>2020/3/6</a:t>
             </a:fld>
             <a:endParaRPr lang="zh-CN" altLang="en-US"/>
           </a:p>
@@ -4540,6 +4627,588 @@
       </p:grpSpPr>
       <p:pic>
         <p:nvPicPr>
+          <p:cNvPr id="4" name="图片 3"/>
+          <p:cNvPicPr>
+            <a:picLocks noChangeAspect="1"/>
+          </p:cNvPicPr>
+          <p:nvPr/>
+        </p:nvPicPr>
+        <p:blipFill>
+          <a:blip r:embed="rId2" cstate="print">
+            <a:extLst>
+              <a:ext uri="{28A0092B-C50C-407E-A947-70E740481C1C}">
+                <a14:useLocalDpi xmlns:a14="http://schemas.microsoft.com/office/drawing/2010/main" val="0"/>
+              </a:ext>
+            </a:extLst>
+          </a:blip>
+          <a:stretch>
+            <a:fillRect/>
+          </a:stretch>
+        </p:blipFill>
+        <p:spPr>
+          <a:xfrm>
+            <a:off x="-44279" y="-12299"/>
+            <a:ext cx="12274379" cy="6848346"/>
+          </a:xfrm>
+          <a:prstGeom prst="rect">
+            <a:avLst/>
+          </a:prstGeom>
+          <a:solidFill>
+            <a:schemeClr val="bg1"/>
+          </a:solidFill>
+        </p:spPr>
+      </p:pic>
+      <p:sp>
+        <p:nvSpPr>
+          <p:cNvPr id="2" name="矩形 1"/>
+          <p:cNvSpPr/>
+          <p:nvPr/>
+        </p:nvSpPr>
+        <p:spPr>
+          <a:xfrm rot="16200000">
+            <a:off x="-2054998" y="2019370"/>
+            <a:ext cx="6880928" cy="2796331"/>
+          </a:xfrm>
+          <a:prstGeom prst="rect">
+            <a:avLst/>
+          </a:prstGeom>
+          <a:solidFill>
+            <a:srgbClr val="0553A7"/>
+          </a:solidFill>
+          <a:ln>
+            <a:noFill/>
+          </a:ln>
+        </p:spPr>
+        <p:style>
+          <a:lnRef idx="2">
+            <a:schemeClr val="accent1">
+              <a:shade val="50000"/>
+            </a:schemeClr>
+          </a:lnRef>
+          <a:fillRef idx="1">
+            <a:schemeClr val="accent1"/>
+          </a:fillRef>
+          <a:effectRef idx="0">
+            <a:schemeClr val="accent1"/>
+          </a:effectRef>
+          <a:fontRef idx="minor">
+            <a:schemeClr val="lt1"/>
+          </a:fontRef>
+        </p:style>
+        <p:txBody>
+          <a:bodyPr rtlCol="0" anchor="ctr"/>
+          <a:lstStyle/>
+          <a:p>
+            <a:pPr algn="ctr"/>
+            <a:endParaRPr lang="zh-CN" altLang="en-US"/>
+          </a:p>
+        </p:txBody>
+      </p:sp>
+      <p:sp>
+        <p:nvSpPr>
+          <p:cNvPr id="3" name="文本框 2"/>
+          <p:cNvSpPr txBox="1"/>
+          <p:nvPr/>
+        </p:nvSpPr>
+        <p:spPr>
+          <a:xfrm>
+            <a:off x="645850" y="657274"/>
+            <a:ext cx="739616" cy="5509200"/>
+          </a:xfrm>
+          <a:prstGeom prst="rect">
+            <a:avLst/>
+          </a:prstGeom>
+          <a:noFill/>
+        </p:spPr>
+        <p:txBody>
+          <a:bodyPr wrap="square" rtlCol="0">
+            <a:spAutoFit/>
+          </a:bodyPr>
+          <a:lstStyle/>
+          <a:p>
+            <a:r>
+              <a:rPr lang="zh-CN" altLang="en-US" sz="3200" b="1" dirty="0">
+                <a:solidFill>
+                  <a:schemeClr val="bg1"/>
+                </a:solidFill>
+                <a:latin typeface="微软雅黑" panose="020B0503020204020204" pitchFamily="34" charset="-122"/>
+                <a:ea typeface="微软雅黑" panose="020B0503020204020204" pitchFamily="34" charset="-122"/>
+              </a:rPr>
+              <a:t>基于日志数据的异常检测</a:t>
+            </a:r>
+            <a:endParaRPr lang="en-US" altLang="zh-CN" sz="3200" b="1" dirty="0">
+              <a:solidFill>
+                <a:schemeClr val="bg1"/>
+              </a:solidFill>
+              <a:latin typeface="微软雅黑" panose="020B0503020204020204" pitchFamily="34" charset="-122"/>
+              <a:ea typeface="微软雅黑" panose="020B0503020204020204" pitchFamily="34" charset="-122"/>
+            </a:endParaRPr>
+          </a:p>
+        </p:txBody>
+      </p:sp>
+      <p:sp>
+        <p:nvSpPr>
+          <p:cNvPr id="9" name="等腰三角形 8"/>
+          <p:cNvSpPr/>
+          <p:nvPr/>
+        </p:nvSpPr>
+        <p:spPr>
+          <a:xfrm rot="5400000">
+            <a:off x="2757585" y="1250655"/>
+            <a:ext cx="361184" cy="311367"/>
+          </a:xfrm>
+          <a:prstGeom prst="triangle">
+            <a:avLst/>
+          </a:prstGeom>
+          <a:solidFill>
+            <a:srgbClr val="0553A7"/>
+          </a:solidFill>
+          <a:ln>
+            <a:noFill/>
+          </a:ln>
+        </p:spPr>
+        <p:style>
+          <a:lnRef idx="2">
+            <a:schemeClr val="accent1">
+              <a:shade val="50000"/>
+            </a:schemeClr>
+          </a:lnRef>
+          <a:fillRef idx="1">
+            <a:schemeClr val="accent1"/>
+          </a:fillRef>
+          <a:effectRef idx="0">
+            <a:schemeClr val="accent1"/>
+          </a:effectRef>
+          <a:fontRef idx="minor">
+            <a:schemeClr val="lt1"/>
+          </a:fontRef>
+        </p:style>
+        <p:txBody>
+          <a:bodyPr rot="0" spcFirstLastPara="0" vertOverflow="overflow" horzOverflow="overflow" vert="horz" wrap="square" lIns="91440" tIns="45720" rIns="91440" bIns="45720" numCol="1" spcCol="0" rtlCol="0" fromWordArt="0" anchor="ctr" anchorCtr="0" forceAA="0" compatLnSpc="1">
+            <a:prstTxWarp prst="textNoShape">
+              <a:avLst/>
+            </a:prstTxWarp>
+            <a:noAutofit/>
+          </a:bodyPr>
+          <a:lstStyle/>
+          <a:p>
+            <a:pPr algn="ctr"/>
+            <a:endParaRPr lang="zh-CN" altLang="en-US"/>
+          </a:p>
+        </p:txBody>
+      </p:sp>
+      <p:sp>
+        <p:nvSpPr>
+          <p:cNvPr id="11" name="文本框 2">
+            <a:extLst>
+              <a:ext uri="{FF2B5EF4-FFF2-40B4-BE49-F238E27FC236}">
+                <a16:creationId xmlns:a16="http://schemas.microsoft.com/office/drawing/2014/main" id="{E93B89E1-2E7D-A14C-9C44-BC7BC8D65AE1}"/>
+              </a:ext>
+            </a:extLst>
+          </p:cNvPr>
+          <p:cNvSpPr txBox="1"/>
+          <p:nvPr/>
+        </p:nvSpPr>
+        <p:spPr>
+          <a:xfrm>
+            <a:off x="1586897" y="2521058"/>
+            <a:ext cx="739616" cy="1815882"/>
+          </a:xfrm>
+          <a:prstGeom prst="rect">
+            <a:avLst/>
+          </a:prstGeom>
+          <a:noFill/>
+        </p:spPr>
+        <p:txBody>
+          <a:bodyPr wrap="square" rtlCol="0">
+            <a:spAutoFit/>
+          </a:bodyPr>
+          <a:lstStyle/>
+          <a:p>
+            <a:r>
+              <a:rPr lang="zh-CN" altLang="en-US" sz="2800" b="1" dirty="0">
+                <a:solidFill>
+                  <a:schemeClr val="bg1"/>
+                </a:solidFill>
+                <a:latin typeface="微软雅黑" panose="020B0503020204020204" pitchFamily="34" charset="-122"/>
+                <a:ea typeface="微软雅黑" panose="020B0503020204020204" pitchFamily="34" charset="-122"/>
+              </a:rPr>
+              <a:t>异常检测</a:t>
+            </a:r>
+            <a:endParaRPr lang="en-US" altLang="zh-CN" sz="2800" b="1" dirty="0">
+              <a:solidFill>
+                <a:schemeClr val="bg1"/>
+              </a:solidFill>
+              <a:latin typeface="微软雅黑" panose="020B0503020204020204" pitchFamily="34" charset="-122"/>
+              <a:ea typeface="微软雅黑" panose="020B0503020204020204" pitchFamily="34" charset="-122"/>
+            </a:endParaRPr>
+          </a:p>
+        </p:txBody>
+      </p:sp>
+      <p:pic>
+        <p:nvPicPr>
+          <p:cNvPr id="10" name="图片 95">
+            <a:extLst>
+              <a:ext uri="{FF2B5EF4-FFF2-40B4-BE49-F238E27FC236}">
+                <a16:creationId xmlns:a16="http://schemas.microsoft.com/office/drawing/2014/main" id="{F200AB03-0693-1049-9DCE-8B5442B7BF0C}"/>
+              </a:ext>
+            </a:extLst>
+          </p:cNvPr>
+          <p:cNvPicPr/>
+          <p:nvPr/>
+        </p:nvPicPr>
+        <p:blipFill>
+          <a:blip r:embed="rId3">
+            <a:extLst>
+              <a:ext uri="{28A0092B-C50C-407E-A947-70E740481C1C}">
+                <a14:useLocalDpi xmlns:a14="http://schemas.microsoft.com/office/drawing/2010/main" val="0"/>
+              </a:ext>
+            </a:extLst>
+          </a:blip>
+          <a:srcRect/>
+          <a:stretch>
+            <a:fillRect/>
+          </a:stretch>
+        </p:blipFill>
+        <p:spPr bwMode="auto">
+          <a:xfrm>
+            <a:off x="4583832" y="2485603"/>
+            <a:ext cx="5910138" cy="3702674"/>
+          </a:xfrm>
+          <a:prstGeom prst="rect">
+            <a:avLst/>
+          </a:prstGeom>
+          <a:noFill/>
+          <a:ln>
+            <a:noFill/>
+          </a:ln>
+        </p:spPr>
+      </p:pic>
+      <p:sp>
+        <p:nvSpPr>
+          <p:cNvPr id="12" name="矩形 12">
+            <a:extLst>
+              <a:ext uri="{FF2B5EF4-FFF2-40B4-BE49-F238E27FC236}">
+                <a16:creationId xmlns:a16="http://schemas.microsoft.com/office/drawing/2014/main" id="{26DF605D-AF25-FD48-A18E-43CE03494D08}"/>
+              </a:ext>
+            </a:extLst>
+          </p:cNvPr>
+          <p:cNvSpPr/>
+          <p:nvPr/>
+        </p:nvSpPr>
+        <p:spPr>
+          <a:xfrm>
+            <a:off x="3281698" y="671058"/>
+            <a:ext cx="8496944" cy="1245774"/>
+          </a:xfrm>
+          <a:prstGeom prst="rect">
+            <a:avLst/>
+          </a:prstGeom>
+          <a:noFill/>
+          <a:ln w="38100">
+            <a:solidFill>
+              <a:srgbClr val="0553A7"/>
+            </a:solidFill>
+          </a:ln>
+        </p:spPr>
+        <p:style>
+          <a:lnRef idx="2">
+            <a:schemeClr val="accent1">
+              <a:shade val="50000"/>
+            </a:schemeClr>
+          </a:lnRef>
+          <a:fillRef idx="1">
+            <a:schemeClr val="accent1"/>
+          </a:fillRef>
+          <a:effectRef idx="0">
+            <a:schemeClr val="accent1"/>
+          </a:effectRef>
+          <a:fontRef idx="minor">
+            <a:schemeClr val="lt1"/>
+          </a:fontRef>
+        </p:style>
+        <p:txBody>
+          <a:bodyPr rtlCol="0" anchor="ctr"/>
+          <a:lstStyle/>
+          <a:p>
+            <a:pPr algn="ctr"/>
+            <a:endParaRPr lang="zh-CN" altLang="en-US"/>
+          </a:p>
+        </p:txBody>
+      </p:sp>
+      <p:sp>
+        <p:nvSpPr>
+          <p:cNvPr id="13" name="矩形 11">
+            <a:extLst>
+              <a:ext uri="{FF2B5EF4-FFF2-40B4-BE49-F238E27FC236}">
+                <a16:creationId xmlns:a16="http://schemas.microsoft.com/office/drawing/2014/main" id="{C9124516-47E1-D646-8823-E1B605D43F80}"/>
+              </a:ext>
+            </a:extLst>
+          </p:cNvPr>
+          <p:cNvSpPr/>
+          <p:nvPr/>
+        </p:nvSpPr>
+        <p:spPr>
+          <a:xfrm>
+            <a:off x="3281698" y="476671"/>
+            <a:ext cx="1662174" cy="504057"/>
+          </a:xfrm>
+          <a:prstGeom prst="rect">
+            <a:avLst/>
+          </a:prstGeom>
+          <a:solidFill>
+            <a:srgbClr val="0553A7"/>
+          </a:solidFill>
+          <a:ln>
+            <a:noFill/>
+          </a:ln>
+        </p:spPr>
+        <p:style>
+          <a:lnRef idx="2">
+            <a:schemeClr val="accent1">
+              <a:shade val="50000"/>
+            </a:schemeClr>
+          </a:lnRef>
+          <a:fillRef idx="1">
+            <a:schemeClr val="accent1"/>
+          </a:fillRef>
+          <a:effectRef idx="0">
+            <a:schemeClr val="accent1"/>
+          </a:effectRef>
+          <a:fontRef idx="minor">
+            <a:schemeClr val="lt1"/>
+          </a:fontRef>
+        </p:style>
+        <p:txBody>
+          <a:bodyPr rtlCol="0" anchor="ctr"/>
+          <a:lstStyle/>
+          <a:p>
+            <a:pPr algn="ctr"/>
+            <a:endParaRPr lang="zh-CN" altLang="en-US" dirty="0"/>
+          </a:p>
+        </p:txBody>
+      </p:sp>
+    </p:spTree>
+    <p:extLst>
+      <p:ext uri="{BB962C8B-B14F-4D97-AF65-F5344CB8AC3E}">
+        <p14:creationId xmlns:p14="http://schemas.microsoft.com/office/powerpoint/2010/main" val="3529303347"/>
+      </p:ext>
+    </p:extLst>
+  </p:cSld>
+  <p:clrMapOvr>
+    <a:masterClrMapping/>
+  </p:clrMapOvr>
+</p:sld>
+</file>
+
+<file path=ppt/slides/slide11.xml><?xml version="1.0" encoding="utf-8"?>
+<p:sld xmlns:a="http://schemas.openxmlformats.org/drawingml/2006/main" xmlns:r="http://schemas.openxmlformats.org/officeDocument/2006/relationships" xmlns:p="http://schemas.openxmlformats.org/presentationml/2006/main">
+  <p:cSld>
+    <p:spTree>
+      <p:nvGrpSpPr>
+        <p:cNvPr id="1" name=""/>
+        <p:cNvGrpSpPr/>
+        <p:nvPr/>
+      </p:nvGrpSpPr>
+      <p:grpSpPr>
+        <a:xfrm>
+          <a:off x="0" y="0"/>
+          <a:ext cx="0" cy="0"/>
+          <a:chOff x="0" y="0"/>
+          <a:chExt cx="0" cy="0"/>
+        </a:xfrm>
+      </p:grpSpPr>
+      <p:grpSp>
+        <p:nvGrpSpPr>
+          <p:cNvPr id="17" name="组合 16"/>
+          <p:cNvGrpSpPr/>
+          <p:nvPr/>
+        </p:nvGrpSpPr>
+        <p:grpSpPr>
+          <a:xfrm>
+            <a:off x="2590672" y="1738514"/>
+            <a:ext cx="8545888" cy="2824268"/>
+            <a:chOff x="4366118" y="1988840"/>
+            <a:chExt cx="3926206" cy="2824268"/>
+          </a:xfrm>
+        </p:grpSpPr>
+        <p:sp>
+          <p:nvSpPr>
+            <p:cNvPr id="3" name="文本框 2"/>
+            <p:cNvSpPr txBox="1"/>
+            <p:nvPr/>
+          </p:nvSpPr>
+          <p:spPr>
+            <a:xfrm>
+              <a:off x="4667856" y="2987220"/>
+              <a:ext cx="3624468" cy="769441"/>
+            </a:xfrm>
+            <a:prstGeom prst="rect">
+              <a:avLst/>
+            </a:prstGeom>
+            <a:noFill/>
+          </p:spPr>
+          <p:txBody>
+            <a:bodyPr wrap="square" rtlCol="0">
+              <a:spAutoFit/>
+            </a:bodyPr>
+            <a:lstStyle/>
+            <a:p>
+              <a:r>
+                <a:rPr lang="en-US" altLang="zh-CN" sz="4400" b="1" dirty="0">
+                  <a:solidFill>
+                    <a:schemeClr val="accent1">
+                      <a:lumMod val="75000"/>
+                    </a:schemeClr>
+                  </a:solidFill>
+                  <a:latin typeface="微软雅黑" panose="020B0503020204020204" pitchFamily="34" charset="-122"/>
+                  <a:ea typeface="微软雅黑" panose="020B0503020204020204" pitchFamily="34" charset="-122"/>
+                </a:rPr>
+                <a:t>03.</a:t>
+              </a:r>
+              <a:r>
+                <a:rPr lang="zh-CN" altLang="en-US" sz="4400" b="1" dirty="0">
+                  <a:solidFill>
+                    <a:schemeClr val="accent1">
+                      <a:lumMod val="75000"/>
+                    </a:schemeClr>
+                  </a:solidFill>
+                  <a:latin typeface="微软雅黑" panose="020B0503020204020204" pitchFamily="34" charset="-122"/>
+                  <a:ea typeface="微软雅黑" panose="020B0503020204020204" pitchFamily="34" charset="-122"/>
+                </a:rPr>
+                <a:t>基于聚类的日志解析算法</a:t>
+              </a:r>
+            </a:p>
+          </p:txBody>
+        </p:sp>
+        <p:cxnSp>
+          <p:nvCxnSpPr>
+            <p:cNvPr id="5" name="直接连接符 4"/>
+            <p:cNvCxnSpPr>
+              <a:cxnSpLocks/>
+            </p:cNvCxnSpPr>
+            <p:nvPr/>
+          </p:nvCxnSpPr>
+          <p:spPr>
+            <a:xfrm>
+              <a:off x="4366118" y="1988840"/>
+              <a:ext cx="0" cy="2824268"/>
+            </a:xfrm>
+            <a:prstGeom prst="line">
+              <a:avLst/>
+            </a:prstGeom>
+            <a:ln w="12700">
+              <a:gradFill>
+                <a:gsLst>
+                  <a:gs pos="0">
+                    <a:schemeClr val="bg1">
+                      <a:alpha val="0"/>
+                    </a:schemeClr>
+                  </a:gs>
+                  <a:gs pos="50000">
+                    <a:schemeClr val="tx1"/>
+                  </a:gs>
+                  <a:gs pos="100000">
+                    <a:schemeClr val="bg1">
+                      <a:alpha val="0"/>
+                    </a:schemeClr>
+                  </a:gs>
+                </a:gsLst>
+                <a:lin ang="5400000" scaled="1"/>
+              </a:gradFill>
+            </a:ln>
+            <a:effectLst>
+              <a:outerShdw blurRad="50800" dist="25400" dir="5400000" algn="t" rotWithShape="0">
+                <a:prstClr val="black">
+                  <a:alpha val="40000"/>
+                </a:prstClr>
+              </a:outerShdw>
+            </a:effectLst>
+          </p:spPr>
+          <p:style>
+            <a:lnRef idx="1">
+              <a:schemeClr val="accent1"/>
+            </a:lnRef>
+            <a:fillRef idx="0">
+              <a:schemeClr val="accent1"/>
+            </a:fillRef>
+            <a:effectRef idx="0">
+              <a:schemeClr val="accent1"/>
+            </a:effectRef>
+            <a:fontRef idx="minor">
+              <a:schemeClr val="tx1"/>
+            </a:fontRef>
+          </p:style>
+        </p:cxnSp>
+      </p:grpSp>
+      <p:pic>
+        <p:nvPicPr>
+          <p:cNvPr id="4" name="Picture 3">
+            <a:extLst>
+              <a:ext uri="{FF2B5EF4-FFF2-40B4-BE49-F238E27FC236}">
+                <a16:creationId xmlns:a16="http://schemas.microsoft.com/office/drawing/2014/main" id="{94D0FC3C-05ED-2944-B644-D39ED66C5C64}"/>
+              </a:ext>
+            </a:extLst>
+          </p:cNvPr>
+          <p:cNvPicPr>
+            <a:picLocks noChangeAspect="1"/>
+          </p:cNvPicPr>
+          <p:nvPr/>
+        </p:nvPicPr>
+        <p:blipFill>
+          <a:blip r:embed="rId2">
+            <a:extLst>
+              <a:ext uri="{28A0092B-C50C-407E-A947-70E740481C1C}">
+                <a14:useLocalDpi xmlns:a14="http://schemas.microsoft.com/office/drawing/2010/main" val="0"/>
+              </a:ext>
+            </a:extLst>
+          </a:blip>
+          <a:stretch>
+            <a:fillRect/>
+          </a:stretch>
+        </p:blipFill>
+        <p:spPr>
+          <a:xfrm>
+            <a:off x="1055440" y="2348880"/>
+            <a:ext cx="1535232" cy="1545467"/>
+          </a:xfrm>
+          <a:prstGeom prst="rect">
+            <a:avLst/>
+          </a:prstGeom>
+        </p:spPr>
+      </p:pic>
+    </p:spTree>
+    <p:extLst>
+      <p:ext uri="{BB962C8B-B14F-4D97-AF65-F5344CB8AC3E}">
+        <p14:creationId xmlns:p14="http://schemas.microsoft.com/office/powerpoint/2010/main" val="945380019"/>
+      </p:ext>
+    </p:extLst>
+  </p:cSld>
+  <p:clrMapOvr>
+    <a:masterClrMapping/>
+  </p:clrMapOvr>
+</p:sld>
+</file>
+
+<file path=ppt/slides/slide12.xml><?xml version="1.0" encoding="utf-8"?>
+<p:sld xmlns:a="http://schemas.openxmlformats.org/drawingml/2006/main" xmlns:r="http://schemas.openxmlformats.org/officeDocument/2006/relationships" xmlns:p="http://schemas.openxmlformats.org/presentationml/2006/main">
+  <p:cSld>
+    <p:spTree>
+      <p:nvGrpSpPr>
+        <p:cNvPr id="1" name=""/>
+        <p:cNvGrpSpPr/>
+        <p:nvPr/>
+      </p:nvGrpSpPr>
+      <p:grpSpPr>
+        <a:xfrm>
+          <a:off x="0" y="0"/>
+          <a:ext cx="0" cy="0"/>
+          <a:chOff x="0" y="0"/>
+          <a:chExt cx="0" cy="0"/>
+        </a:xfrm>
+      </p:grpSpPr>
+      <p:pic>
+        <p:nvPicPr>
           <p:cNvPr id="3" name="图片 2"/>
           <p:cNvPicPr>
             <a:picLocks noChangeAspect="1"/>
@@ -5021,7 +5690,7 @@
 </p:sld>
 </file>
 
-<file path=ppt/slides/slide11.xml><?xml version="1.0" encoding="utf-8"?>
+<file path=ppt/slides/slide13.xml><?xml version="1.0" encoding="utf-8"?>
 <p:sld xmlns:a="http://schemas.openxmlformats.org/drawingml/2006/main" xmlns:r="http://schemas.openxmlformats.org/officeDocument/2006/relationships" xmlns:p="http://schemas.openxmlformats.org/presentationml/2006/main">
   <p:cSld>
     <p:spTree>
@@ -5339,17 +6008,23 @@
           <p:cNvGraphicFramePr>
             <a:graphicFrameLocks noChangeAspect="1"/>
           </p:cNvGraphicFramePr>
-          <p:nvPr/>
+          <p:nvPr>
+            <p:extLst>
+              <p:ext uri="{D42A27DB-BD31-4B8C-83A1-F6EECF244321}">
+                <p14:modId xmlns:p14="http://schemas.microsoft.com/office/powerpoint/2010/main" val="4062204321"/>
+              </p:ext>
+            </p:extLst>
+          </p:nvPr>
         </p:nvGraphicFramePr>
         <p:xfrm>
-          <a:off x="2302933" y="3885202"/>
-          <a:ext cx="4454525" cy="241300"/>
+          <a:off x="2066609" y="3605555"/>
+          <a:ext cx="8922877" cy="483349"/>
         </p:xfrm>
         <a:graphic>
           <a:graphicData uri="http://schemas.openxmlformats.org/presentationml/2006/ole">
             <mc:AlternateContent xmlns:mc="http://schemas.openxmlformats.org/markup-compatibility/2006">
               <mc:Choice xmlns:v="urn:schemas-microsoft-com:vml" Requires="v">
-                <p:oleObj spid="_x0000_s2068" r:id="rId6" imgW="107670600" imgH="5854700" progId="Equation.DSMT4">
+                <p:oleObj spid="_x0000_s2083" r:id="rId6" imgW="107670600" imgH="5854700" progId="Equation.DSMT4">
                   <p:embed/>
                 </p:oleObj>
               </mc:Choice>
@@ -5385,22 +6060,13 @@
                     </p:blipFill>
                     <p:spPr bwMode="auto">
                       <a:xfrm>
-                        <a:off x="2302933" y="3885202"/>
-                        <a:ext cx="4454525" cy="241300"/>
+                        <a:off x="2066609" y="3605555"/>
+                        <a:ext cx="8922877" cy="483349"/>
                       </a:xfrm>
                       <a:prstGeom prst="rect">
                         <a:avLst/>
                       </a:prstGeom>
                       <a:noFill/>
-                      <a:extLst>
-                        <a:ext uri="{909E8E84-426E-40DD-AFC4-6F175D3DCCD1}">
-                          <a14:hiddenFill xmlns:a14="http://schemas.microsoft.com/office/drawing/2010/main">
-                            <a:solidFill>
-                              <a:srgbClr val="FFFFFF"/>
-                            </a:solidFill>
-                          </a14:hiddenFill>
-                        </a:ext>
-                      </a:extLst>
                     </p:spPr>
                   </p:pic>
                 </p:oleObj>
@@ -5530,20 +6196,20 @@
           <p:nvPr>
             <p:extLst>
               <p:ext uri="{D42A27DB-BD31-4B8C-83A1-F6EECF244321}">
-                <p14:modId xmlns:p14="http://schemas.microsoft.com/office/powerpoint/2010/main" val="124288467"/>
+                <p14:modId xmlns:p14="http://schemas.microsoft.com/office/powerpoint/2010/main" val="1414460556"/>
               </p:ext>
             </p:extLst>
           </p:nvPr>
         </p:nvGraphicFramePr>
         <p:xfrm>
-          <a:off x="2423592" y="4633549"/>
-          <a:ext cx="2347913" cy="847725"/>
+          <a:off x="1320800" y="4354877"/>
+          <a:ext cx="4177192" cy="1508195"/>
         </p:xfrm>
         <a:graphic>
           <a:graphicData uri="http://schemas.openxmlformats.org/presentationml/2006/ole">
             <mc:AlternateContent xmlns:mc="http://schemas.openxmlformats.org/markup-compatibility/2006">
               <mc:Choice xmlns:v="urn:schemas-microsoft-com:vml" Requires="v">
-                <p:oleObj spid="_x0000_s2069" r:id="rId8" imgW="56756300" imgH="20485100" progId="Equation.DSMT4">
+                <p:oleObj spid="_x0000_s2084" r:id="rId8" imgW="56756300" imgH="20485100" progId="Equation.DSMT4">
                   <p:embed/>
                 </p:oleObj>
               </mc:Choice>
@@ -5573,22 +6239,13 @@
                     </p:blipFill>
                     <p:spPr bwMode="auto">
                       <a:xfrm>
-                        <a:off x="2423592" y="4633549"/>
-                        <a:ext cx="2347913" cy="847725"/>
+                        <a:off x="1320800" y="4354877"/>
+                        <a:ext cx="4177192" cy="1508195"/>
                       </a:xfrm>
                       <a:prstGeom prst="rect">
                         <a:avLst/>
                       </a:prstGeom>
                       <a:noFill/>
-                      <a:extLst>
-                        <a:ext uri="{909E8E84-426E-40DD-AFC4-6F175D3DCCD1}">
-                          <a14:hiddenFill xmlns:a14="http://schemas.microsoft.com/office/drawing/2010/main">
-                            <a:solidFill>
-                              <a:srgbClr val="FFFFFF"/>
-                            </a:solidFill>
-                          </a14:hiddenFill>
-                        </a:ext>
-                      </a:extLst>
                     </p:spPr>
                   </p:pic>
                 </p:oleObj>
@@ -5718,20 +6375,20 @@
           <p:nvPr>
             <p:extLst>
               <p:ext uri="{D42A27DB-BD31-4B8C-83A1-F6EECF244321}">
-                <p14:modId xmlns:p14="http://schemas.microsoft.com/office/powerpoint/2010/main" val="2665982955"/>
+                <p14:modId xmlns:p14="http://schemas.microsoft.com/office/powerpoint/2010/main" val="283420620"/>
               </p:ext>
             </p:extLst>
           </p:nvPr>
         </p:nvGraphicFramePr>
         <p:xfrm>
-          <a:off x="2423592" y="5988321"/>
-          <a:ext cx="1646238" cy="193675"/>
+          <a:off x="6689235" y="4842390"/>
+          <a:ext cx="4531921" cy="533167"/>
         </p:xfrm>
         <a:graphic>
           <a:graphicData uri="http://schemas.openxmlformats.org/presentationml/2006/ole">
             <mc:AlternateContent xmlns:mc="http://schemas.openxmlformats.org/markup-compatibility/2006">
               <mc:Choice xmlns:v="urn:schemas-microsoft-com:vml" Requires="v">
-                <p:oleObj spid="_x0000_s2070" r:id="rId10" imgW="39789100" imgH="4686300" progId="Equation.DSMT4">
+                <p:oleObj spid="_x0000_s2085" r:id="rId10" imgW="39789100" imgH="4686300" progId="Equation.DSMT4">
                   <p:embed/>
                 </p:oleObj>
               </mc:Choice>
@@ -5761,22 +6418,13 @@
                     </p:blipFill>
                     <p:spPr bwMode="auto">
                       <a:xfrm>
-                        <a:off x="2423592" y="5988321"/>
-                        <a:ext cx="1646238" cy="193675"/>
+                        <a:off x="6689235" y="4842390"/>
+                        <a:ext cx="4531921" cy="533167"/>
                       </a:xfrm>
                       <a:prstGeom prst="rect">
                         <a:avLst/>
                       </a:prstGeom>
                       <a:noFill/>
-                      <a:extLst>
-                        <a:ext uri="{909E8E84-426E-40DD-AFC4-6F175D3DCCD1}">
-                          <a14:hiddenFill xmlns:a14="http://schemas.microsoft.com/office/drawing/2010/main">
-                            <a:solidFill>
-                              <a:srgbClr val="FFFFFF"/>
-                            </a:solidFill>
-                          </a14:hiddenFill>
-                        </a:ext>
-                      </a:extLst>
                     </p:spPr>
                   </p:pic>
                 </p:oleObj>
@@ -5891,6 +6539,66 @@
           </a:p>
         </p:txBody>
       </p:sp>
+      <p:pic>
+        <p:nvPicPr>
+          <p:cNvPr id="2050" name="Picture 2">
+            <a:extLst>
+              <a:ext uri="{FF2B5EF4-FFF2-40B4-BE49-F238E27FC236}">
+                <a16:creationId xmlns:a16="http://schemas.microsoft.com/office/drawing/2014/main" id="{895449C0-F7EF-0847-8286-3EF30B798258}"/>
+              </a:ext>
+            </a:extLst>
+          </p:cNvPr>
+          <p:cNvPicPr>
+            <a:picLocks noChangeAspect="1" noChangeArrowheads="1"/>
+          </p:cNvPicPr>
+          <p:nvPr/>
+        </p:nvPicPr>
+        <p:blipFill>
+          <a:blip r:embed="rId7">
+            <a:extLst>
+              <a:ext uri="{28A0092B-C50C-407E-A947-70E740481C1C}">
+                <a14:useLocalDpi xmlns:a14="http://schemas.microsoft.com/office/drawing/2010/main" val="0"/>
+              </a:ext>
+            </a:extLst>
+          </a:blip>
+          <a:srcRect/>
+          <a:stretch>
+            <a:fillRect/>
+          </a:stretch>
+        </p:blipFill>
+        <p:spPr bwMode="auto">
+          <a:xfrm>
+            <a:off x="1485900" y="7489825"/>
+            <a:ext cx="2347913" cy="847725"/>
+          </a:xfrm>
+          <a:prstGeom prst="rect">
+            <a:avLst/>
+          </a:prstGeom>
+          <a:noFill/>
+          <a:ln>
+            <a:noFill/>
+          </a:ln>
+          <a:extLst>
+            <a:ext uri="{909E8E84-426E-40DD-AFC4-6F175D3DCCD1}">
+              <a14:hiddenFill xmlns:a14="http://schemas.microsoft.com/office/drawing/2010/main">
+                <a:solidFill>
+                  <a:srgbClr val="FFFFFF"/>
+                </a:solidFill>
+              </a14:hiddenFill>
+            </a:ext>
+            <a:ext uri="{91240B29-F687-4F45-9708-019B960494DF}">
+              <a14:hiddenLine xmlns:a14="http://schemas.microsoft.com/office/drawing/2010/main" w="9525">
+                <a:solidFill>
+                  <a:srgbClr val="000000"/>
+                </a:solidFill>
+                <a:miter lim="800000"/>
+                <a:headEnd/>
+                <a:tailEnd/>
+              </a14:hiddenLine>
+            </a:ext>
+          </a:extLst>
+        </p:spPr>
+      </p:pic>
     </p:spTree>
     <p:extLst>
       <p:ext uri="{BB962C8B-B14F-4D97-AF65-F5344CB8AC3E}">
@@ -5904,7 +6612,7 @@
 </p:sld>
 </file>
 
-<file path=ppt/slides/slide12.xml><?xml version="1.0" encoding="utf-8"?>
+<file path=ppt/slides/slide14.xml><?xml version="1.0" encoding="utf-8"?>
 <p:sld xmlns:a="http://schemas.openxmlformats.org/drawingml/2006/main" xmlns:r="http://schemas.openxmlformats.org/officeDocument/2006/relationships" xmlns:p="http://schemas.openxmlformats.org/presentationml/2006/main">
   <p:cSld>
     <p:spTree>
@@ -6232,7 +6940,7 @@
 </p:sld>
 </file>
 
-<file path=ppt/slides/slide13.xml><?xml version="1.0" encoding="utf-8"?>
+<file path=ppt/slides/slide15.xml><?xml version="1.0" encoding="utf-8"?>
 <p:sld xmlns:a="http://schemas.openxmlformats.org/drawingml/2006/main" xmlns:r="http://schemas.openxmlformats.org/officeDocument/2006/relationships" xmlns:p="http://schemas.openxmlformats.org/presentationml/2006/main">
   <p:cSld>
     <p:spTree>
@@ -6435,8 +7143,8 @@
         </p:nvSpPr>
         <p:spPr>
           <a:xfrm>
-            <a:off x="1602538" y="2126176"/>
-            <a:ext cx="473714" cy="2677656"/>
+            <a:off x="1610265" y="1012954"/>
+            <a:ext cx="473714" cy="4832092"/>
           </a:xfrm>
           <a:prstGeom prst="rect">
             <a:avLst/>
@@ -6457,7 +7165,7 @@
                 <a:latin typeface="微软雅黑" panose="020B0503020204020204" pitchFamily="34" charset="-122"/>
                 <a:ea typeface="微软雅黑" panose="020B0503020204020204" pitchFamily="34" charset="-122"/>
               </a:rPr>
-              <a:t>在线实训平台</a:t>
+              <a:t>数据来源为在线实训平台</a:t>
             </a:r>
             <a:endParaRPr lang="en-US" altLang="zh-CN" sz="2800" b="1" dirty="0">
               <a:solidFill>
@@ -6521,7 +7229,7 @@
 </p:sld>
 </file>
 
-<file path=ppt/slides/slide14.xml><?xml version="1.0" encoding="utf-8"?>
+<file path=ppt/slides/slide16.xml><?xml version="1.0" encoding="utf-8"?>
 <p:sld xmlns:a="http://schemas.openxmlformats.org/drawingml/2006/main" xmlns:r="http://schemas.openxmlformats.org/officeDocument/2006/relationships" xmlns:p="http://schemas.openxmlformats.org/presentationml/2006/main">
   <p:cSld>
     <p:spTree>
@@ -6710,7 +7418,7 @@
 </p:sld>
 </file>
 
-<file path=ppt/slides/slide15.xml><?xml version="1.0" encoding="utf-8"?>
+<file path=ppt/slides/slide17.xml><?xml version="1.0" encoding="utf-8"?>
 <p:sld xmlns:a="http://schemas.openxmlformats.org/drawingml/2006/main" xmlns:r="http://schemas.openxmlformats.org/officeDocument/2006/relationships" xmlns:p="http://schemas.openxmlformats.org/presentationml/2006/main">
   <p:cSld>
     <p:spTree>
@@ -6999,7 +7707,7 @@
 </p:sld>
 </file>
 
-<file path=ppt/slides/slide16.xml><?xml version="1.0" encoding="utf-8"?>
+<file path=ppt/slides/slide18.xml><?xml version="1.0" encoding="utf-8"?>
 <p:sld xmlns:a="http://schemas.openxmlformats.org/drawingml/2006/main" xmlns:r="http://schemas.openxmlformats.org/officeDocument/2006/relationships" xmlns:p="http://schemas.openxmlformats.org/presentationml/2006/main">
   <p:cSld>
     <p:spTree>
@@ -7288,7 +7996,7 @@
 </p:sld>
 </file>
 
-<file path=ppt/slides/slide17.xml><?xml version="1.0" encoding="utf-8"?>
+<file path=ppt/slides/slide19.xml><?xml version="1.0" encoding="utf-8"?>
 <p:sld xmlns:a="http://schemas.openxmlformats.org/drawingml/2006/main" xmlns:r="http://schemas.openxmlformats.org/officeDocument/2006/relationships" xmlns:p="http://schemas.openxmlformats.org/presentationml/2006/main">
   <p:cSld>
     <p:spTree>
@@ -7468,195 +8176,6 @@
     <p:extLst>
       <p:ext uri="{BB962C8B-B14F-4D97-AF65-F5344CB8AC3E}">
         <p14:creationId xmlns:p14="http://schemas.microsoft.com/office/powerpoint/2010/main" val="3063426038"/>
-      </p:ext>
-    </p:extLst>
-  </p:cSld>
-  <p:clrMapOvr>
-    <a:masterClrMapping/>
-  </p:clrMapOvr>
-</p:sld>
-</file>
-
-<file path=ppt/slides/slide18.xml><?xml version="1.0" encoding="utf-8"?>
-<p:sld xmlns:a="http://schemas.openxmlformats.org/drawingml/2006/main" xmlns:r="http://schemas.openxmlformats.org/officeDocument/2006/relationships" xmlns:p="http://schemas.openxmlformats.org/presentationml/2006/main">
-  <p:cSld>
-    <p:spTree>
-      <p:nvGrpSpPr>
-        <p:cNvPr id="1" name=""/>
-        <p:cNvGrpSpPr/>
-        <p:nvPr/>
-      </p:nvGrpSpPr>
-      <p:grpSpPr>
-        <a:xfrm>
-          <a:off x="0" y="0"/>
-          <a:ext cx="0" cy="0"/>
-          <a:chOff x="0" y="0"/>
-          <a:chExt cx="0" cy="0"/>
-        </a:xfrm>
-      </p:grpSpPr>
-      <p:grpSp>
-        <p:nvGrpSpPr>
-          <p:cNvPr id="17" name="组合 16"/>
-          <p:cNvGrpSpPr/>
-          <p:nvPr/>
-        </p:nvGrpSpPr>
-        <p:grpSpPr>
-          <a:xfrm>
-            <a:off x="4727848" y="1700808"/>
-            <a:ext cx="4801472" cy="2824268"/>
-            <a:chOff x="4366118" y="1988840"/>
-            <a:chExt cx="3926206" cy="2824268"/>
-          </a:xfrm>
-        </p:grpSpPr>
-        <p:sp>
-          <p:nvSpPr>
-            <p:cNvPr id="3" name="文本框 2"/>
-            <p:cNvSpPr txBox="1"/>
-            <p:nvPr/>
-          </p:nvSpPr>
-          <p:spPr>
-            <a:xfrm>
-              <a:off x="4667856" y="2987220"/>
-              <a:ext cx="3624468" cy="769441"/>
-            </a:xfrm>
-            <a:prstGeom prst="rect">
-              <a:avLst/>
-            </a:prstGeom>
-            <a:noFill/>
-          </p:spPr>
-          <p:txBody>
-            <a:bodyPr wrap="square" rtlCol="0">
-              <a:spAutoFit/>
-            </a:bodyPr>
-            <a:lstStyle/>
-            <a:p>
-              <a:r>
-                <a:rPr lang="en-US" altLang="zh-CN" sz="4400" b="1" dirty="0">
-                  <a:solidFill>
-                    <a:schemeClr val="accent1">
-                      <a:lumMod val="75000"/>
-                    </a:schemeClr>
-                  </a:solidFill>
-                  <a:latin typeface="微软雅黑" panose="020B0503020204020204" pitchFamily="34" charset="-122"/>
-                  <a:ea typeface="微软雅黑" panose="020B0503020204020204" pitchFamily="34" charset="-122"/>
-                </a:rPr>
-                <a:t>06. </a:t>
-              </a:r>
-              <a:r>
-                <a:rPr lang="zh-CN" altLang="en-US" sz="4400" b="1" dirty="0">
-                  <a:solidFill>
-                    <a:schemeClr val="accent1">
-                      <a:lumMod val="75000"/>
-                    </a:schemeClr>
-                  </a:solidFill>
-                  <a:latin typeface="微软雅黑" panose="020B0503020204020204" pitchFamily="34" charset="-122"/>
-                  <a:ea typeface="微软雅黑" panose="020B0503020204020204" pitchFamily="34" charset="-122"/>
-                </a:rPr>
-                <a:t>总结与展望</a:t>
-              </a:r>
-            </a:p>
-          </p:txBody>
-        </p:sp>
-        <p:cxnSp>
-          <p:nvCxnSpPr>
-            <p:cNvPr id="5" name="直接连接符 4"/>
-            <p:cNvCxnSpPr>
-              <a:cxnSpLocks/>
-            </p:cNvCxnSpPr>
-            <p:nvPr/>
-          </p:nvCxnSpPr>
-          <p:spPr>
-            <a:xfrm>
-              <a:off x="4366118" y="1988840"/>
-              <a:ext cx="0" cy="2824268"/>
-            </a:xfrm>
-            <a:prstGeom prst="line">
-              <a:avLst/>
-            </a:prstGeom>
-            <a:ln w="12700">
-              <a:gradFill>
-                <a:gsLst>
-                  <a:gs pos="0">
-                    <a:schemeClr val="bg1">
-                      <a:alpha val="0"/>
-                    </a:schemeClr>
-                  </a:gs>
-                  <a:gs pos="50000">
-                    <a:schemeClr val="tx1"/>
-                  </a:gs>
-                  <a:gs pos="100000">
-                    <a:schemeClr val="bg1">
-                      <a:alpha val="0"/>
-                    </a:schemeClr>
-                  </a:gs>
-                </a:gsLst>
-                <a:lin ang="5400000" scaled="1"/>
-              </a:gradFill>
-            </a:ln>
-            <a:effectLst>
-              <a:outerShdw blurRad="50800" dist="25400" dir="5400000" algn="t" rotWithShape="0">
-                <a:prstClr val="black">
-                  <a:alpha val="40000"/>
-                </a:prstClr>
-              </a:outerShdw>
-            </a:effectLst>
-          </p:spPr>
-          <p:style>
-            <a:lnRef idx="1">
-              <a:schemeClr val="accent1"/>
-            </a:lnRef>
-            <a:fillRef idx="0">
-              <a:schemeClr val="accent1"/>
-            </a:fillRef>
-            <a:effectRef idx="0">
-              <a:schemeClr val="accent1"/>
-            </a:effectRef>
-            <a:fontRef idx="minor">
-              <a:schemeClr val="tx1"/>
-            </a:fontRef>
-          </p:style>
-        </p:cxnSp>
-      </p:grpSp>
-      <p:pic>
-        <p:nvPicPr>
-          <p:cNvPr id="4" name="Picture 3">
-            <a:extLst>
-              <a:ext uri="{FF2B5EF4-FFF2-40B4-BE49-F238E27FC236}">
-                <a16:creationId xmlns:a16="http://schemas.microsoft.com/office/drawing/2014/main" id="{94D0FC3C-05ED-2944-B644-D39ED66C5C64}"/>
-              </a:ext>
-            </a:extLst>
-          </p:cNvPr>
-          <p:cNvPicPr>
-            <a:picLocks noChangeAspect="1"/>
-          </p:cNvPicPr>
-          <p:nvPr/>
-        </p:nvPicPr>
-        <p:blipFill>
-          <a:blip r:embed="rId2">
-            <a:extLst>
-              <a:ext uri="{28A0092B-C50C-407E-A947-70E740481C1C}">
-                <a14:useLocalDpi xmlns:a14="http://schemas.microsoft.com/office/drawing/2010/main" val="0"/>
-              </a:ext>
-            </a:extLst>
-          </a:blip>
-          <a:stretch>
-            <a:fillRect/>
-          </a:stretch>
-        </p:blipFill>
-        <p:spPr>
-          <a:xfrm>
-            <a:off x="3192616" y="2311174"/>
-            <a:ext cx="1535232" cy="1545467"/>
-          </a:xfrm>
-          <a:prstGeom prst="rect">
-            <a:avLst/>
-          </a:prstGeom>
-        </p:spPr>
-      </p:pic>
-    </p:spTree>
-    <p:extLst>
-      <p:ext uri="{BB962C8B-B14F-4D97-AF65-F5344CB8AC3E}">
-        <p14:creationId xmlns:p14="http://schemas.microsoft.com/office/powerpoint/2010/main" val="4232777577"/>
       </p:ext>
     </p:extLst>
   </p:cSld>
@@ -9281,6 +9800,800 @@
 </p:sld>
 </file>
 
+<file path=ppt/slides/slide20.xml><?xml version="1.0" encoding="utf-8"?>
+<p:sld xmlns:a="http://schemas.openxmlformats.org/drawingml/2006/main" xmlns:r="http://schemas.openxmlformats.org/officeDocument/2006/relationships" xmlns:p="http://schemas.openxmlformats.org/presentationml/2006/main">
+  <p:cSld>
+    <p:spTree>
+      <p:nvGrpSpPr>
+        <p:cNvPr id="1" name=""/>
+        <p:cNvGrpSpPr/>
+        <p:nvPr/>
+      </p:nvGrpSpPr>
+      <p:grpSpPr>
+        <a:xfrm>
+          <a:off x="0" y="0"/>
+          <a:ext cx="0" cy="0"/>
+          <a:chOff x="0" y="0"/>
+          <a:chExt cx="0" cy="0"/>
+        </a:xfrm>
+      </p:grpSpPr>
+      <p:pic>
+        <p:nvPicPr>
+          <p:cNvPr id="3" name="图片 2"/>
+          <p:cNvPicPr>
+            <a:picLocks noChangeAspect="1"/>
+          </p:cNvPicPr>
+          <p:nvPr/>
+        </p:nvPicPr>
+        <p:blipFill>
+          <a:blip r:embed="rId3" cstate="print">
+            <a:extLst>
+              <a:ext uri="{28A0092B-C50C-407E-A947-70E740481C1C}">
+                <a14:useLocalDpi xmlns:a14="http://schemas.microsoft.com/office/drawing/2010/main" val="0"/>
+              </a:ext>
+            </a:extLst>
+          </a:blip>
+          <a:stretch>
+            <a:fillRect/>
+          </a:stretch>
+        </p:blipFill>
+        <p:spPr>
+          <a:xfrm>
+            <a:off x="-44279" y="-12299"/>
+            <a:ext cx="12274379" cy="6848346"/>
+          </a:xfrm>
+          <a:prstGeom prst="rect">
+            <a:avLst/>
+          </a:prstGeom>
+          <a:solidFill>
+            <a:schemeClr val="bg1"/>
+          </a:solidFill>
+        </p:spPr>
+      </p:pic>
+      <p:sp>
+        <p:nvSpPr>
+          <p:cNvPr id="2" name="矩形 1"/>
+          <p:cNvSpPr/>
+          <p:nvPr/>
+        </p:nvSpPr>
+        <p:spPr>
+          <a:xfrm>
+            <a:off x="-58058" y="1"/>
+            <a:ext cx="12308115" cy="1175656"/>
+          </a:xfrm>
+          <a:prstGeom prst="rect">
+            <a:avLst/>
+          </a:prstGeom>
+          <a:solidFill>
+            <a:srgbClr val="0553A7"/>
+          </a:solidFill>
+          <a:ln>
+            <a:noFill/>
+          </a:ln>
+        </p:spPr>
+        <p:style>
+          <a:lnRef idx="2">
+            <a:schemeClr val="accent1">
+              <a:shade val="50000"/>
+            </a:schemeClr>
+          </a:lnRef>
+          <a:fillRef idx="1">
+            <a:schemeClr val="accent1"/>
+          </a:fillRef>
+          <a:effectRef idx="0">
+            <a:schemeClr val="accent1"/>
+          </a:effectRef>
+          <a:fontRef idx="minor">
+            <a:schemeClr val="lt1"/>
+          </a:fontRef>
+        </p:style>
+        <p:txBody>
+          <a:bodyPr rtlCol="0" anchor="ctr"/>
+          <a:lstStyle/>
+          <a:p>
+            <a:pPr algn="ctr"/>
+            <a:endParaRPr lang="zh-CN" altLang="en-US" sz="1400"/>
+          </a:p>
+        </p:txBody>
+      </p:sp>
+      <p:sp>
+        <p:nvSpPr>
+          <p:cNvPr id="4" name="文本框 3"/>
+          <p:cNvSpPr txBox="1"/>
+          <p:nvPr/>
+        </p:nvSpPr>
+        <p:spPr>
+          <a:xfrm>
+            <a:off x="612103" y="256254"/>
+            <a:ext cx="6780041" cy="584775"/>
+          </a:xfrm>
+          <a:prstGeom prst="rect">
+            <a:avLst/>
+          </a:prstGeom>
+          <a:noFill/>
+        </p:spPr>
+        <p:txBody>
+          <a:bodyPr wrap="square" rtlCol="0">
+            <a:spAutoFit/>
+          </a:bodyPr>
+          <a:lstStyle/>
+          <a:p>
+            <a:r>
+              <a:rPr lang="zh-CN" altLang="en-US" sz="3200" b="1" dirty="0">
+                <a:solidFill>
+                  <a:schemeClr val="bg1"/>
+                </a:solidFill>
+                <a:latin typeface="微软雅黑" panose="020B0503020204020204" pitchFamily="34" charset="-122"/>
+                <a:ea typeface="微软雅黑" panose="020B0503020204020204" pitchFamily="34" charset="-122"/>
+              </a:rPr>
+              <a:t>基于日志数据的异常检测</a:t>
+            </a:r>
+          </a:p>
+        </p:txBody>
+      </p:sp>
+      <p:sp>
+        <p:nvSpPr>
+          <p:cNvPr id="9" name="等腰三角形 8"/>
+          <p:cNvSpPr/>
+          <p:nvPr/>
+        </p:nvSpPr>
+        <p:spPr>
+          <a:xfrm rot="10800000">
+            <a:off x="1030384" y="1118820"/>
+            <a:ext cx="290416" cy="178103"/>
+          </a:xfrm>
+          <a:prstGeom prst="triangle">
+            <a:avLst/>
+          </a:prstGeom>
+          <a:solidFill>
+            <a:srgbClr val="0553A7"/>
+          </a:solidFill>
+          <a:ln>
+            <a:noFill/>
+          </a:ln>
+        </p:spPr>
+        <p:style>
+          <a:lnRef idx="2">
+            <a:schemeClr val="accent1">
+              <a:shade val="50000"/>
+            </a:schemeClr>
+          </a:lnRef>
+          <a:fillRef idx="1">
+            <a:schemeClr val="accent1"/>
+          </a:fillRef>
+          <a:effectRef idx="0">
+            <a:schemeClr val="accent1"/>
+          </a:effectRef>
+          <a:fontRef idx="minor">
+            <a:schemeClr val="lt1"/>
+          </a:fontRef>
+        </p:style>
+        <p:txBody>
+          <a:bodyPr rot="0" spcFirstLastPara="0" vertOverflow="overflow" horzOverflow="overflow" vert="horz" wrap="square" lIns="91440" tIns="45720" rIns="91440" bIns="45720" numCol="1" spcCol="0" rtlCol="0" fromWordArt="0" anchor="ctr" anchorCtr="0" forceAA="0" compatLnSpc="1">
+            <a:prstTxWarp prst="textNoShape">
+              <a:avLst/>
+            </a:prstTxWarp>
+            <a:noAutofit/>
+          </a:bodyPr>
+          <a:lstStyle/>
+          <a:p>
+            <a:pPr algn="ctr"/>
+            <a:endParaRPr lang="zh-CN" altLang="en-US" sz="1400"/>
+          </a:p>
+        </p:txBody>
+      </p:sp>
+      <p:pic>
+        <p:nvPicPr>
+          <p:cNvPr id="18" name="图片 17"/>
+          <p:cNvPicPr>
+            <a:picLocks noChangeAspect="1"/>
+          </p:cNvPicPr>
+          <p:nvPr/>
+        </p:nvPicPr>
+        <p:blipFill>
+          <a:blip r:embed="rId4"/>
+          <a:stretch>
+            <a:fillRect/>
+          </a:stretch>
+        </p:blipFill>
+        <p:spPr>
+          <a:xfrm>
+            <a:off x="-11100312" y="636177"/>
+            <a:ext cx="10382250" cy="5762625"/>
+          </a:xfrm>
+          <a:prstGeom prst="rect">
+            <a:avLst/>
+          </a:prstGeom>
+          <a:ln>
+            <a:solidFill>
+              <a:schemeClr val="tx1">
+                <a:lumMod val="85000"/>
+                <a:lumOff val="15000"/>
+              </a:schemeClr>
+            </a:solidFill>
+          </a:ln>
+        </p:spPr>
+      </p:pic>
+      <p:sp>
+        <p:nvSpPr>
+          <p:cNvPr id="11" name="Rectangle 6">
+            <a:extLst>
+              <a:ext uri="{FF2B5EF4-FFF2-40B4-BE49-F238E27FC236}">
+                <a16:creationId xmlns:a16="http://schemas.microsoft.com/office/drawing/2014/main" id="{0EDEE9BA-C535-3843-9F3C-77328D4A10C5}"/>
+              </a:ext>
+            </a:extLst>
+          </p:cNvPr>
+          <p:cNvSpPr>
+            <a:spLocks noChangeArrowheads="1"/>
+          </p:cNvSpPr>
+          <p:nvPr/>
+        </p:nvSpPr>
+        <p:spPr bwMode="auto">
+          <a:xfrm>
+            <a:off x="807508" y="-2683873"/>
+            <a:ext cx="12192000" cy="0"/>
+          </a:xfrm>
+          <a:prstGeom prst="rect">
+            <a:avLst/>
+          </a:prstGeom>
+          <a:noFill/>
+          <a:ln>
+            <a:noFill/>
+          </a:ln>
+          <a:effectLst/>
+          <a:extLst>
+            <a:ext uri="{909E8E84-426E-40DD-AFC4-6F175D3DCCD1}">
+              <a14:hiddenFill xmlns:a14="http://schemas.microsoft.com/office/drawing/2010/main">
+                <a:solidFill>
+                  <a:schemeClr val="accent1"/>
+                </a:solidFill>
+              </a14:hiddenFill>
+            </a:ext>
+            <a:ext uri="{91240B29-F687-4F45-9708-019B960494DF}">
+              <a14:hiddenLine xmlns:a14="http://schemas.microsoft.com/office/drawing/2010/main" w="9525">
+                <a:solidFill>
+                  <a:schemeClr val="tx1"/>
+                </a:solidFill>
+                <a:miter lim="800000"/>
+                <a:headEnd/>
+                <a:tailEnd/>
+              </a14:hiddenLine>
+            </a:ext>
+            <a:ext uri="{AF507438-7753-43E0-B8FC-AC1667EBCBE1}">
+              <a14:hiddenEffects xmlns:a14="http://schemas.microsoft.com/office/drawing/2010/main">
+                <a:effectLst>
+                  <a:outerShdw dist="35921" dir="2700000" algn="ctr" rotWithShape="0">
+                    <a:schemeClr val="bg2"/>
+                  </a:outerShdw>
+                </a:effectLst>
+              </a14:hiddenEffects>
+            </a:ext>
+          </a:extLst>
+        </p:spPr>
+        <p:txBody>
+          <a:bodyPr vert="horz" wrap="none" lIns="91440" tIns="45720" rIns="91440" bIns="45720" numCol="1" anchor="ctr" anchorCtr="0" compatLnSpc="1">
+            <a:prstTxWarp prst="textNoShape">
+              <a:avLst/>
+            </a:prstTxWarp>
+            <a:spAutoFit/>
+          </a:bodyPr>
+          <a:lstStyle/>
+          <a:p>
+            <a:pPr marL="0" marR="0" lvl="0" indent="0" algn="l" defTabSz="914400" rtl="0" eaLnBrk="0" fontAlgn="base" latinLnBrk="0" hangingPunct="0">
+              <a:lnSpc>
+                <a:spcPct val="100000"/>
+              </a:lnSpc>
+              <a:spcBef>
+                <a:spcPct val="0"/>
+              </a:spcBef>
+              <a:spcAft>
+                <a:spcPct val="0"/>
+              </a:spcAft>
+              <a:buClrTx/>
+              <a:buSzTx/>
+              <a:buFontTx/>
+              <a:buNone/>
+              <a:tabLst/>
+            </a:pPr>
+            <a:br>
+              <a:rPr kumimoji="0" lang="en-CN" altLang="en-CN" sz="1800" b="0" i="0" u="none" strike="noStrike" cap="none" normalizeH="0" baseline="0">
+                <a:ln>
+                  <a:noFill/>
+                </a:ln>
+                <a:solidFill>
+                  <a:schemeClr val="tx1"/>
+                </a:solidFill>
+                <a:effectLst/>
+                <a:latin typeface="Arial" panose="020B0604020202020204" pitchFamily="34" charset="0"/>
+              </a:rPr>
+            </a:br>
+            <a:endParaRPr kumimoji="0" lang="en-CN" altLang="en-CN" sz="1800" b="0" i="0" u="none" strike="noStrike" cap="none" normalizeH="0" baseline="0">
+              <a:ln>
+                <a:noFill/>
+              </a:ln>
+              <a:solidFill>
+                <a:schemeClr val="tx1"/>
+              </a:solidFill>
+              <a:effectLst/>
+              <a:latin typeface="Arial" panose="020B0604020202020204" pitchFamily="34" charset="0"/>
+            </a:endParaRPr>
+          </a:p>
+        </p:txBody>
+      </p:sp>
+      <p:sp>
+        <p:nvSpPr>
+          <p:cNvPr id="8" name="Rectangle 5">
+            <a:extLst>
+              <a:ext uri="{FF2B5EF4-FFF2-40B4-BE49-F238E27FC236}">
+                <a16:creationId xmlns:a16="http://schemas.microsoft.com/office/drawing/2014/main" id="{195B864E-34AA-0E4E-86D8-B703411C18AB}"/>
+              </a:ext>
+            </a:extLst>
+          </p:cNvPr>
+          <p:cNvSpPr>
+            <a:spLocks noChangeArrowheads="1"/>
+          </p:cNvSpPr>
+          <p:nvPr/>
+        </p:nvSpPr>
+        <p:spPr bwMode="auto">
+          <a:xfrm>
+            <a:off x="937692" y="-2856276"/>
+            <a:ext cx="12192000" cy="0"/>
+          </a:xfrm>
+          <a:prstGeom prst="rect">
+            <a:avLst/>
+          </a:prstGeom>
+          <a:noFill/>
+          <a:ln>
+            <a:noFill/>
+          </a:ln>
+          <a:effectLst/>
+          <a:extLst>
+            <a:ext uri="{909E8E84-426E-40DD-AFC4-6F175D3DCCD1}">
+              <a14:hiddenFill xmlns:a14="http://schemas.microsoft.com/office/drawing/2010/main">
+                <a:solidFill>
+                  <a:schemeClr val="accent1"/>
+                </a:solidFill>
+              </a14:hiddenFill>
+            </a:ext>
+            <a:ext uri="{91240B29-F687-4F45-9708-019B960494DF}">
+              <a14:hiddenLine xmlns:a14="http://schemas.microsoft.com/office/drawing/2010/main" w="9525">
+                <a:solidFill>
+                  <a:schemeClr val="tx1"/>
+                </a:solidFill>
+                <a:miter lim="800000"/>
+                <a:headEnd/>
+                <a:tailEnd/>
+              </a14:hiddenLine>
+            </a:ext>
+            <a:ext uri="{AF507438-7753-43E0-B8FC-AC1667EBCBE1}">
+              <a14:hiddenEffects xmlns:a14="http://schemas.microsoft.com/office/drawing/2010/main">
+                <a:effectLst>
+                  <a:outerShdw dist="35921" dir="2700000" algn="ctr" rotWithShape="0">
+                    <a:schemeClr val="bg2"/>
+                  </a:outerShdw>
+                </a:effectLst>
+              </a14:hiddenEffects>
+            </a:ext>
+          </a:extLst>
+        </p:spPr>
+        <p:txBody>
+          <a:bodyPr vert="horz" wrap="none" lIns="91440" tIns="45720" rIns="91440" bIns="45720" numCol="1" anchor="ctr" anchorCtr="0" compatLnSpc="1">
+            <a:prstTxWarp prst="textNoShape">
+              <a:avLst/>
+            </a:prstTxWarp>
+            <a:spAutoFit/>
+          </a:bodyPr>
+          <a:lstStyle/>
+          <a:p>
+            <a:pPr marL="0" marR="0" lvl="0" indent="0" algn="l" defTabSz="914400" rtl="0" eaLnBrk="0" fontAlgn="base" latinLnBrk="0" hangingPunct="0">
+              <a:lnSpc>
+                <a:spcPct val="100000"/>
+              </a:lnSpc>
+              <a:spcBef>
+                <a:spcPct val="0"/>
+              </a:spcBef>
+              <a:spcAft>
+                <a:spcPct val="0"/>
+              </a:spcAft>
+              <a:buClrTx/>
+              <a:buSzTx/>
+              <a:buFontTx/>
+              <a:buNone/>
+              <a:tabLst/>
+            </a:pPr>
+            <a:br>
+              <a:rPr kumimoji="0" lang="en-CN" altLang="en-CN" sz="1800" b="0" i="0" u="none" strike="noStrike" cap="none" normalizeH="0" baseline="0">
+                <a:ln>
+                  <a:noFill/>
+                </a:ln>
+                <a:solidFill>
+                  <a:schemeClr val="tx1"/>
+                </a:solidFill>
+                <a:effectLst/>
+                <a:latin typeface="Arial" panose="020B0604020202020204" pitchFamily="34" charset="0"/>
+              </a:rPr>
+            </a:br>
+            <a:endParaRPr kumimoji="0" lang="en-CN" altLang="en-CN" sz="1800" b="0" i="0" u="none" strike="noStrike" cap="none" normalizeH="0" baseline="0">
+              <a:ln>
+                <a:noFill/>
+              </a:ln>
+              <a:solidFill>
+                <a:schemeClr val="tx1"/>
+              </a:solidFill>
+              <a:effectLst/>
+              <a:latin typeface="Arial" panose="020B0604020202020204" pitchFamily="34" charset="0"/>
+            </a:endParaRPr>
+          </a:p>
+        </p:txBody>
+      </p:sp>
+      <p:sp>
+        <p:nvSpPr>
+          <p:cNvPr id="15" name="Rectangle 7">
+            <a:extLst>
+              <a:ext uri="{FF2B5EF4-FFF2-40B4-BE49-F238E27FC236}">
+                <a16:creationId xmlns:a16="http://schemas.microsoft.com/office/drawing/2014/main" id="{7CE3A375-7F40-9C40-87B3-CD05E6551791}"/>
+              </a:ext>
+            </a:extLst>
+          </p:cNvPr>
+          <p:cNvSpPr>
+            <a:spLocks noChangeArrowheads="1"/>
+          </p:cNvSpPr>
+          <p:nvPr/>
+        </p:nvSpPr>
+        <p:spPr bwMode="auto">
+          <a:xfrm>
+            <a:off x="0" y="0"/>
+            <a:ext cx="12192000" cy="0"/>
+          </a:xfrm>
+          <a:prstGeom prst="rect">
+            <a:avLst/>
+          </a:prstGeom>
+          <a:noFill/>
+          <a:ln>
+            <a:noFill/>
+          </a:ln>
+          <a:effectLst/>
+          <a:extLst>
+            <a:ext uri="{909E8E84-426E-40DD-AFC4-6F175D3DCCD1}">
+              <a14:hiddenFill xmlns:a14="http://schemas.microsoft.com/office/drawing/2010/main">
+                <a:solidFill>
+                  <a:schemeClr val="accent1"/>
+                </a:solidFill>
+              </a14:hiddenFill>
+            </a:ext>
+            <a:ext uri="{91240B29-F687-4F45-9708-019B960494DF}">
+              <a14:hiddenLine xmlns:a14="http://schemas.microsoft.com/office/drawing/2010/main" w="9525">
+                <a:solidFill>
+                  <a:schemeClr val="tx1"/>
+                </a:solidFill>
+                <a:miter lim="800000"/>
+                <a:headEnd/>
+                <a:tailEnd/>
+              </a14:hiddenLine>
+            </a:ext>
+            <a:ext uri="{AF507438-7753-43E0-B8FC-AC1667EBCBE1}">
+              <a14:hiddenEffects xmlns:a14="http://schemas.microsoft.com/office/drawing/2010/main">
+                <a:effectLst>
+                  <a:outerShdw dist="35921" dir="2700000" algn="ctr" rotWithShape="0">
+                    <a:schemeClr val="bg2"/>
+                  </a:outerShdw>
+                </a:effectLst>
+              </a14:hiddenEffects>
+            </a:ext>
+          </a:extLst>
+        </p:spPr>
+        <p:txBody>
+          <a:bodyPr vert="horz" wrap="none" lIns="91440" tIns="45720" rIns="91440" bIns="45720" numCol="1" anchor="ctr" anchorCtr="0" compatLnSpc="1">
+            <a:prstTxWarp prst="textNoShape">
+              <a:avLst/>
+            </a:prstTxWarp>
+            <a:spAutoFit/>
+          </a:bodyPr>
+          <a:lstStyle/>
+          <a:p>
+            <a:pPr marL="0" marR="0" lvl="0" indent="0" algn="l" defTabSz="914400" rtl="0" eaLnBrk="0" fontAlgn="base" latinLnBrk="0" hangingPunct="0">
+              <a:lnSpc>
+                <a:spcPct val="100000"/>
+              </a:lnSpc>
+              <a:spcBef>
+                <a:spcPct val="0"/>
+              </a:spcBef>
+              <a:spcAft>
+                <a:spcPct val="0"/>
+              </a:spcAft>
+              <a:buClrTx/>
+              <a:buSzTx/>
+              <a:buFontTx/>
+              <a:buNone/>
+              <a:tabLst/>
+            </a:pPr>
+            <a:br>
+              <a:rPr kumimoji="0" lang="en-CN" altLang="en-CN" sz="1800" b="0" i="0" u="none" strike="noStrike" cap="none" normalizeH="0" baseline="0">
+                <a:ln>
+                  <a:noFill/>
+                </a:ln>
+                <a:solidFill>
+                  <a:schemeClr val="tx1"/>
+                </a:solidFill>
+                <a:effectLst/>
+                <a:latin typeface="Arial" panose="020B0604020202020204" pitchFamily="34" charset="0"/>
+              </a:rPr>
+            </a:br>
+            <a:endParaRPr kumimoji="0" lang="en-CN" altLang="en-CN" sz="1800" b="0" i="0" u="none" strike="noStrike" cap="none" normalizeH="0" baseline="0">
+              <a:ln>
+                <a:noFill/>
+              </a:ln>
+              <a:solidFill>
+                <a:schemeClr val="tx1"/>
+              </a:solidFill>
+              <a:effectLst/>
+              <a:latin typeface="Arial" panose="020B0604020202020204" pitchFamily="34" charset="0"/>
+            </a:endParaRPr>
+          </a:p>
+        </p:txBody>
+      </p:sp>
+      <p:pic>
+        <p:nvPicPr>
+          <p:cNvPr id="2050" name="Picture 2">
+            <a:extLst>
+              <a:ext uri="{FF2B5EF4-FFF2-40B4-BE49-F238E27FC236}">
+                <a16:creationId xmlns:a16="http://schemas.microsoft.com/office/drawing/2014/main" id="{895449C0-F7EF-0847-8286-3EF30B798258}"/>
+              </a:ext>
+            </a:extLst>
+          </p:cNvPr>
+          <p:cNvPicPr>
+            <a:picLocks noChangeAspect="1" noChangeArrowheads="1"/>
+          </p:cNvPicPr>
+          <p:nvPr/>
+        </p:nvPicPr>
+        <p:blipFill>
+          <a:blip r:embed="rId5">
+            <a:extLst>
+              <a:ext uri="{28A0092B-C50C-407E-A947-70E740481C1C}">
+                <a14:useLocalDpi xmlns:a14="http://schemas.microsoft.com/office/drawing/2010/main" val="0"/>
+              </a:ext>
+            </a:extLst>
+          </a:blip>
+          <a:srcRect/>
+          <a:stretch>
+            <a:fillRect/>
+          </a:stretch>
+        </p:blipFill>
+        <p:spPr bwMode="auto">
+          <a:xfrm>
+            <a:off x="1485900" y="7489825"/>
+            <a:ext cx="2347913" cy="847725"/>
+          </a:xfrm>
+          <a:prstGeom prst="rect">
+            <a:avLst/>
+          </a:prstGeom>
+          <a:noFill/>
+          <a:ln>
+            <a:noFill/>
+          </a:ln>
+          <a:extLst>
+            <a:ext uri="{909E8E84-426E-40DD-AFC4-6F175D3DCCD1}">
+              <a14:hiddenFill xmlns:a14="http://schemas.microsoft.com/office/drawing/2010/main">
+                <a:solidFill>
+                  <a:srgbClr val="FFFFFF"/>
+                </a:solidFill>
+              </a14:hiddenFill>
+            </a:ext>
+            <a:ext uri="{91240B29-F687-4F45-9708-019B960494DF}">
+              <a14:hiddenLine xmlns:a14="http://schemas.microsoft.com/office/drawing/2010/main" w="9525">
+                <a:solidFill>
+                  <a:srgbClr val="000000"/>
+                </a:solidFill>
+                <a:miter lim="800000"/>
+                <a:headEnd/>
+                <a:tailEnd/>
+              </a14:hiddenLine>
+            </a:ext>
+          </a:extLst>
+        </p:spPr>
+      </p:pic>
+    </p:spTree>
+    <p:extLst>
+      <p:ext uri="{BB962C8B-B14F-4D97-AF65-F5344CB8AC3E}">
+        <p14:creationId xmlns:p14="http://schemas.microsoft.com/office/powerpoint/2010/main" val="678498820"/>
+      </p:ext>
+    </p:extLst>
+  </p:cSld>
+  <p:clrMapOvr>
+    <a:masterClrMapping/>
+  </p:clrMapOvr>
+</p:sld>
+</file>
+
+<file path=ppt/slides/slide21.xml><?xml version="1.0" encoding="utf-8"?>
+<p:sld xmlns:a="http://schemas.openxmlformats.org/drawingml/2006/main" xmlns:r="http://schemas.openxmlformats.org/officeDocument/2006/relationships" xmlns:p="http://schemas.openxmlformats.org/presentationml/2006/main">
+  <p:cSld>
+    <p:spTree>
+      <p:nvGrpSpPr>
+        <p:cNvPr id="1" name=""/>
+        <p:cNvGrpSpPr/>
+        <p:nvPr/>
+      </p:nvGrpSpPr>
+      <p:grpSpPr>
+        <a:xfrm>
+          <a:off x="0" y="0"/>
+          <a:ext cx="0" cy="0"/>
+          <a:chOff x="0" y="0"/>
+          <a:chExt cx="0" cy="0"/>
+        </a:xfrm>
+      </p:grpSpPr>
+      <p:grpSp>
+        <p:nvGrpSpPr>
+          <p:cNvPr id="17" name="组合 16"/>
+          <p:cNvGrpSpPr/>
+          <p:nvPr/>
+        </p:nvGrpSpPr>
+        <p:grpSpPr>
+          <a:xfrm>
+            <a:off x="4727848" y="1700808"/>
+            <a:ext cx="4801472" cy="2824268"/>
+            <a:chOff x="4366118" y="1988840"/>
+            <a:chExt cx="3926206" cy="2824268"/>
+          </a:xfrm>
+        </p:grpSpPr>
+        <p:sp>
+          <p:nvSpPr>
+            <p:cNvPr id="3" name="文本框 2"/>
+            <p:cNvSpPr txBox="1"/>
+            <p:nvPr/>
+          </p:nvSpPr>
+          <p:spPr>
+            <a:xfrm>
+              <a:off x="4667856" y="2987220"/>
+              <a:ext cx="3624468" cy="769441"/>
+            </a:xfrm>
+            <a:prstGeom prst="rect">
+              <a:avLst/>
+            </a:prstGeom>
+            <a:noFill/>
+          </p:spPr>
+          <p:txBody>
+            <a:bodyPr wrap="square" rtlCol="0">
+              <a:spAutoFit/>
+            </a:bodyPr>
+            <a:lstStyle/>
+            <a:p>
+              <a:r>
+                <a:rPr lang="en-US" altLang="zh-CN" sz="4400" b="1" dirty="0">
+                  <a:solidFill>
+                    <a:schemeClr val="accent1">
+                      <a:lumMod val="75000"/>
+                    </a:schemeClr>
+                  </a:solidFill>
+                  <a:latin typeface="微软雅黑" panose="020B0503020204020204" pitchFamily="34" charset="-122"/>
+                  <a:ea typeface="微软雅黑" panose="020B0503020204020204" pitchFamily="34" charset="-122"/>
+                </a:rPr>
+                <a:t>06. </a:t>
+              </a:r>
+              <a:r>
+                <a:rPr lang="zh-CN" altLang="en-US" sz="4400" b="1" dirty="0">
+                  <a:solidFill>
+                    <a:schemeClr val="accent1">
+                      <a:lumMod val="75000"/>
+                    </a:schemeClr>
+                  </a:solidFill>
+                  <a:latin typeface="微软雅黑" panose="020B0503020204020204" pitchFamily="34" charset="-122"/>
+                  <a:ea typeface="微软雅黑" panose="020B0503020204020204" pitchFamily="34" charset="-122"/>
+                </a:rPr>
+                <a:t>总结与展望</a:t>
+              </a:r>
+            </a:p>
+          </p:txBody>
+        </p:sp>
+        <p:cxnSp>
+          <p:nvCxnSpPr>
+            <p:cNvPr id="5" name="直接连接符 4"/>
+            <p:cNvCxnSpPr>
+              <a:cxnSpLocks/>
+            </p:cNvCxnSpPr>
+            <p:nvPr/>
+          </p:nvCxnSpPr>
+          <p:spPr>
+            <a:xfrm>
+              <a:off x="4366118" y="1988840"/>
+              <a:ext cx="0" cy="2824268"/>
+            </a:xfrm>
+            <a:prstGeom prst="line">
+              <a:avLst/>
+            </a:prstGeom>
+            <a:ln w="12700">
+              <a:gradFill>
+                <a:gsLst>
+                  <a:gs pos="0">
+                    <a:schemeClr val="bg1">
+                      <a:alpha val="0"/>
+                    </a:schemeClr>
+                  </a:gs>
+                  <a:gs pos="50000">
+                    <a:schemeClr val="tx1"/>
+                  </a:gs>
+                  <a:gs pos="100000">
+                    <a:schemeClr val="bg1">
+                      <a:alpha val="0"/>
+                    </a:schemeClr>
+                  </a:gs>
+                </a:gsLst>
+                <a:lin ang="5400000" scaled="1"/>
+              </a:gradFill>
+            </a:ln>
+            <a:effectLst>
+              <a:outerShdw blurRad="50800" dist="25400" dir="5400000" algn="t" rotWithShape="0">
+                <a:prstClr val="black">
+                  <a:alpha val="40000"/>
+                </a:prstClr>
+              </a:outerShdw>
+            </a:effectLst>
+          </p:spPr>
+          <p:style>
+            <a:lnRef idx="1">
+              <a:schemeClr val="accent1"/>
+            </a:lnRef>
+            <a:fillRef idx="0">
+              <a:schemeClr val="accent1"/>
+            </a:fillRef>
+            <a:effectRef idx="0">
+              <a:schemeClr val="accent1"/>
+            </a:effectRef>
+            <a:fontRef idx="minor">
+              <a:schemeClr val="tx1"/>
+            </a:fontRef>
+          </p:style>
+        </p:cxnSp>
+      </p:grpSp>
+      <p:pic>
+        <p:nvPicPr>
+          <p:cNvPr id="4" name="Picture 3">
+            <a:extLst>
+              <a:ext uri="{FF2B5EF4-FFF2-40B4-BE49-F238E27FC236}">
+                <a16:creationId xmlns:a16="http://schemas.microsoft.com/office/drawing/2014/main" id="{94D0FC3C-05ED-2944-B644-D39ED66C5C64}"/>
+              </a:ext>
+            </a:extLst>
+          </p:cNvPr>
+          <p:cNvPicPr>
+            <a:picLocks noChangeAspect="1"/>
+          </p:cNvPicPr>
+          <p:nvPr/>
+        </p:nvPicPr>
+        <p:blipFill>
+          <a:blip r:embed="rId2">
+            <a:extLst>
+              <a:ext uri="{28A0092B-C50C-407E-A947-70E740481C1C}">
+                <a14:useLocalDpi xmlns:a14="http://schemas.microsoft.com/office/drawing/2010/main" val="0"/>
+              </a:ext>
+            </a:extLst>
+          </a:blip>
+          <a:stretch>
+            <a:fillRect/>
+          </a:stretch>
+        </p:blipFill>
+        <p:spPr>
+          <a:xfrm>
+            <a:off x="3192616" y="2311174"/>
+            <a:ext cx="1535232" cy="1545467"/>
+          </a:xfrm>
+          <a:prstGeom prst="rect">
+            <a:avLst/>
+          </a:prstGeom>
+        </p:spPr>
+      </p:pic>
+    </p:spTree>
+    <p:extLst>
+      <p:ext uri="{BB962C8B-B14F-4D97-AF65-F5344CB8AC3E}">
+        <p14:creationId xmlns:p14="http://schemas.microsoft.com/office/powerpoint/2010/main" val="4232777577"/>
+      </p:ext>
+    </p:extLst>
+  </p:cSld>
+  <p:clrMapOvr>
+    <a:masterClrMapping/>
+  </p:clrMapOvr>
+</p:sld>
+</file>
+
 <file path=ppt/slides/slide3.xml><?xml version="1.0" encoding="utf-8"?>
 <p:sld xmlns:a="http://schemas.openxmlformats.org/drawingml/2006/main" xmlns:r="http://schemas.openxmlformats.org/officeDocument/2006/relationships" xmlns:p="http://schemas.openxmlformats.org/presentationml/2006/main">
   <p:cSld>
@@ -10220,16 +11533,66 @@
           </a:p>
         </p:txBody>
       </p:sp>
-      <p:pic>
-        <p:nvPicPr>
-          <p:cNvPr id="10" name="Picture 9">
+      <p:sp>
+        <p:nvSpPr>
+          <p:cNvPr id="11" name="文本框 2">
             <a:extLst>
               <a:ext uri="{FF2B5EF4-FFF2-40B4-BE49-F238E27FC236}">
-                <a16:creationId xmlns:a16="http://schemas.microsoft.com/office/drawing/2014/main" id="{4128539E-3644-254B-97A5-6DA7E65F76F3}"/>
+                <a16:creationId xmlns:a16="http://schemas.microsoft.com/office/drawing/2014/main" id="{E93B89E1-2E7D-A14C-9C44-BC7BC8D65AE1}"/>
               </a:ext>
             </a:extLst>
           </p:cNvPr>
-          <p:cNvPicPr/>
+          <p:cNvSpPr txBox="1"/>
+          <p:nvPr/>
+        </p:nvSpPr>
+        <p:spPr>
+          <a:xfrm>
+            <a:off x="1586897" y="2521058"/>
+            <a:ext cx="739616" cy="1384995"/>
+          </a:xfrm>
+          <a:prstGeom prst="rect">
+            <a:avLst/>
+          </a:prstGeom>
+          <a:noFill/>
+        </p:spPr>
+        <p:txBody>
+          <a:bodyPr wrap="square" rtlCol="0">
+            <a:spAutoFit/>
+          </a:bodyPr>
+          <a:lstStyle/>
+          <a:p>
+            <a:r>
+              <a:rPr lang="zh-CN" altLang="en-US" sz="2800" b="1" dirty="0">
+                <a:solidFill>
+                  <a:schemeClr val="bg1"/>
+                </a:solidFill>
+                <a:latin typeface="微软雅黑" panose="020B0503020204020204" pitchFamily="34" charset="-122"/>
+                <a:ea typeface="微软雅黑" panose="020B0503020204020204" pitchFamily="34" charset="-122"/>
+              </a:rPr>
+              <a:t>工作流</a:t>
+            </a:r>
+            <a:endParaRPr lang="en-US" altLang="zh-CN" sz="2800" b="1" dirty="0">
+              <a:solidFill>
+                <a:schemeClr val="bg1"/>
+              </a:solidFill>
+              <a:latin typeface="微软雅黑" panose="020B0503020204020204" pitchFamily="34" charset="-122"/>
+              <a:ea typeface="微软雅黑" panose="020B0503020204020204" pitchFamily="34" charset="-122"/>
+            </a:endParaRPr>
+          </a:p>
+        </p:txBody>
+      </p:sp>
+      <p:pic>
+        <p:nvPicPr>
+          <p:cNvPr id="6" name="Picture 5">
+            <a:extLst>
+              <a:ext uri="{FF2B5EF4-FFF2-40B4-BE49-F238E27FC236}">
+                <a16:creationId xmlns:a16="http://schemas.microsoft.com/office/drawing/2014/main" id="{9BA870F4-92C6-0047-8168-DADFCBE2BF80}"/>
+              </a:ext>
+            </a:extLst>
+          </p:cNvPr>
+          <p:cNvPicPr>
+            <a:picLocks noChangeAspect="1"/>
+          </p:cNvPicPr>
           <p:nvPr/>
         </p:nvPicPr>
         <p:blipFill>
@@ -10240,73 +11603,20 @@
               </a:ext>
             </a:extLst>
           </a:blip>
-          <a:srcRect/>
           <a:stretch>
             <a:fillRect/>
           </a:stretch>
         </p:blipFill>
-        <p:spPr bwMode="auto">
-          <a:xfrm>
-            <a:off x="4489479" y="524723"/>
-            <a:ext cx="5336609" cy="5808553"/>
+        <p:spPr>
+          <a:xfrm>
+            <a:off x="4202976" y="284345"/>
+            <a:ext cx="5383312" cy="6289310"/>
           </a:xfrm>
           <a:prstGeom prst="rect">
             <a:avLst/>
           </a:prstGeom>
-          <a:noFill/>
-          <a:ln>
-            <a:noFill/>
-          </a:ln>
         </p:spPr>
       </p:pic>
-      <p:sp>
-        <p:nvSpPr>
-          <p:cNvPr id="11" name="文本框 2">
-            <a:extLst>
-              <a:ext uri="{FF2B5EF4-FFF2-40B4-BE49-F238E27FC236}">
-                <a16:creationId xmlns:a16="http://schemas.microsoft.com/office/drawing/2014/main" id="{E93B89E1-2E7D-A14C-9C44-BC7BC8D65AE1}"/>
-              </a:ext>
-            </a:extLst>
-          </p:cNvPr>
-          <p:cNvSpPr txBox="1"/>
-          <p:nvPr/>
-        </p:nvSpPr>
-        <p:spPr>
-          <a:xfrm>
-            <a:off x="1586897" y="2521058"/>
-            <a:ext cx="739616" cy="1815882"/>
-          </a:xfrm>
-          <a:prstGeom prst="rect">
-            <a:avLst/>
-          </a:prstGeom>
-          <a:noFill/>
-        </p:spPr>
-        <p:txBody>
-          <a:bodyPr wrap="square" rtlCol="0">
-            <a:spAutoFit/>
-          </a:bodyPr>
-          <a:lstStyle/>
-          <a:p>
-            <a:r>
-              <a:rPr lang="zh-CN" altLang="en-US" sz="2800" b="1" dirty="0">
-                <a:solidFill>
-                  <a:schemeClr val="bg1"/>
-                </a:solidFill>
-                <a:latin typeface="微软雅黑" panose="020B0503020204020204" pitchFamily="34" charset="-122"/>
-                <a:ea typeface="微软雅黑" panose="020B0503020204020204" pitchFamily="34" charset="-122"/>
-              </a:rPr>
-              <a:t>一般流程</a:t>
-            </a:r>
-            <a:endParaRPr lang="en-US" altLang="zh-CN" sz="2800" b="1" dirty="0">
-              <a:solidFill>
-                <a:schemeClr val="bg1"/>
-              </a:solidFill>
-              <a:latin typeface="微软雅黑" panose="020B0503020204020204" pitchFamily="34" charset="-122"/>
-              <a:ea typeface="微软雅黑" panose="020B0503020204020204" pitchFamily="34" charset="-122"/>
-            </a:endParaRPr>
-          </a:p>
-        </p:txBody>
-      </p:sp>
     </p:spTree>
     <p:extLst>
       <p:ext uri="{BB962C8B-B14F-4D97-AF65-F5344CB8AC3E}">
@@ -10545,7 +11855,7 @@
                 <a:latin typeface="微软雅黑" panose="020B0503020204020204" pitchFamily="34" charset="-122"/>
                 <a:ea typeface="微软雅黑" panose="020B0503020204020204" pitchFamily="34" charset="-122"/>
               </a:rPr>
-              <a:t>日志解析</a:t>
+              <a:t>日志搜集</a:t>
             </a:r>
             <a:endParaRPr lang="en-US" altLang="zh-CN" sz="2800" b="1" dirty="0">
               <a:solidFill>
@@ -10557,16 +11867,122 @@
           </a:p>
         </p:txBody>
       </p:sp>
-      <p:pic>
-        <p:nvPicPr>
-          <p:cNvPr id="8" name="Picture 7">
+      <p:sp>
+        <p:nvSpPr>
+          <p:cNvPr id="13" name="矩形 12">
             <a:extLst>
               <a:ext uri="{FF2B5EF4-FFF2-40B4-BE49-F238E27FC236}">
-                <a16:creationId xmlns:a16="http://schemas.microsoft.com/office/drawing/2014/main" id="{C989796C-BB8C-644E-9821-30F093EF9FDF}"/>
+                <a16:creationId xmlns:a16="http://schemas.microsoft.com/office/drawing/2014/main" id="{BFD0C087-6AEC-1049-B92D-E03BE8C90C66}"/>
               </a:ext>
             </a:extLst>
           </p:cNvPr>
-          <p:cNvPicPr/>
+          <p:cNvSpPr/>
+          <p:nvPr/>
+        </p:nvSpPr>
+        <p:spPr>
+          <a:xfrm>
+            <a:off x="3281698" y="671058"/>
+            <a:ext cx="8496944" cy="741718"/>
+          </a:xfrm>
+          <a:prstGeom prst="rect">
+            <a:avLst/>
+          </a:prstGeom>
+          <a:noFill/>
+          <a:ln w="38100">
+            <a:solidFill>
+              <a:srgbClr val="0553A7"/>
+            </a:solidFill>
+          </a:ln>
+        </p:spPr>
+        <p:style>
+          <a:lnRef idx="2">
+            <a:schemeClr val="accent1">
+              <a:shade val="50000"/>
+            </a:schemeClr>
+          </a:lnRef>
+          <a:fillRef idx="1">
+            <a:schemeClr val="accent1"/>
+          </a:fillRef>
+          <a:effectRef idx="0">
+            <a:schemeClr val="accent1"/>
+          </a:effectRef>
+          <a:fontRef idx="minor">
+            <a:schemeClr val="lt1"/>
+          </a:fontRef>
+        </p:style>
+        <p:txBody>
+          <a:bodyPr rtlCol="0" anchor="ctr"/>
+          <a:lstStyle/>
+          <a:p>
+            <a:pPr algn="ctr"/>
+            <a:endParaRPr lang="zh-CN" altLang="en-US"/>
+          </a:p>
+        </p:txBody>
+      </p:sp>
+      <p:sp>
+        <p:nvSpPr>
+          <p:cNvPr id="14" name="矩形 11">
+            <a:extLst>
+              <a:ext uri="{FF2B5EF4-FFF2-40B4-BE49-F238E27FC236}">
+                <a16:creationId xmlns:a16="http://schemas.microsoft.com/office/drawing/2014/main" id="{DABEB3C2-7552-9A46-9F9E-B3382D78CF0A}"/>
+              </a:ext>
+            </a:extLst>
+          </p:cNvPr>
+          <p:cNvSpPr/>
+          <p:nvPr/>
+        </p:nvSpPr>
+        <p:spPr>
+          <a:xfrm>
+            <a:off x="3281698" y="476671"/>
+            <a:ext cx="1662174" cy="353577"/>
+          </a:xfrm>
+          <a:prstGeom prst="rect">
+            <a:avLst/>
+          </a:prstGeom>
+          <a:solidFill>
+            <a:srgbClr val="0553A7"/>
+          </a:solidFill>
+          <a:ln>
+            <a:noFill/>
+          </a:ln>
+        </p:spPr>
+        <p:style>
+          <a:lnRef idx="2">
+            <a:schemeClr val="accent1">
+              <a:shade val="50000"/>
+            </a:schemeClr>
+          </a:lnRef>
+          <a:fillRef idx="1">
+            <a:schemeClr val="accent1"/>
+          </a:fillRef>
+          <a:effectRef idx="0">
+            <a:schemeClr val="accent1"/>
+          </a:effectRef>
+          <a:fontRef idx="minor">
+            <a:schemeClr val="lt1"/>
+          </a:fontRef>
+        </p:style>
+        <p:txBody>
+          <a:bodyPr rtlCol="0" anchor="ctr"/>
+          <a:lstStyle/>
+          <a:p>
+            <a:pPr algn="ctr"/>
+            <a:endParaRPr lang="zh-CN" altLang="en-US" dirty="0"/>
+          </a:p>
+        </p:txBody>
+      </p:sp>
+      <p:pic>
+        <p:nvPicPr>
+          <p:cNvPr id="15" name="Picture 14">
+            <a:extLst>
+              <a:ext uri="{FF2B5EF4-FFF2-40B4-BE49-F238E27FC236}">
+                <a16:creationId xmlns:a16="http://schemas.microsoft.com/office/drawing/2014/main" id="{78600E6A-9FF0-9047-870A-0CBDB30E7468}"/>
+              </a:ext>
+            </a:extLst>
+          </p:cNvPr>
+          <p:cNvPicPr>
+            <a:picLocks noChangeAspect="1"/>
+          </p:cNvPicPr>
           <p:nvPr/>
         </p:nvPicPr>
         <p:blipFill>
@@ -10577,29 +11993,72 @@
               </a:ext>
             </a:extLst>
           </a:blip>
-          <a:srcRect/>
           <a:stretch>
             <a:fillRect/>
           </a:stretch>
         </p:blipFill>
-        <p:spPr bwMode="auto">
-          <a:xfrm>
-            <a:off x="3997600" y="872715"/>
-            <a:ext cx="6984776" cy="5112568"/>
+        <p:spPr>
+          <a:xfrm>
+            <a:off x="3283854" y="1607163"/>
+            <a:ext cx="8413706" cy="4931270"/>
+          </a:xfrm>
+          <a:prstGeom prst="rect">
+            <a:avLst/>
+          </a:prstGeom>
+        </p:spPr>
+      </p:pic>
+      <p:sp>
+        <p:nvSpPr>
+          <p:cNvPr id="16" name="TextBox 15">
+            <a:extLst>
+              <a:ext uri="{FF2B5EF4-FFF2-40B4-BE49-F238E27FC236}">
+                <a16:creationId xmlns:a16="http://schemas.microsoft.com/office/drawing/2014/main" id="{2BE7BEB6-33AE-1B44-A42A-D4BBEB920FFD}"/>
+              </a:ext>
+            </a:extLst>
+          </p:cNvPr>
+          <p:cNvSpPr txBox="1"/>
+          <p:nvPr/>
+        </p:nvSpPr>
+        <p:spPr>
+          <a:xfrm>
+            <a:off x="5469213" y="917263"/>
+            <a:ext cx="3767378" cy="369332"/>
           </a:xfrm>
           <a:prstGeom prst="rect">
             <a:avLst/>
           </a:prstGeom>
           <a:noFill/>
-          <a:ln>
-            <a:noFill/>
-          </a:ln>
-        </p:spPr>
-      </p:pic>
+        </p:spPr>
+        <p:txBody>
+          <a:bodyPr wrap="none" rtlCol="0">
+            <a:spAutoFit/>
+          </a:bodyPr>
+          <a:lstStyle/>
+          <a:p>
+            <a:r>
+              <a:rPr lang="zh-CN" altLang="en-CN" dirty="0"/>
+              <a:t>日志</a:t>
+            </a:r>
+            <a:r>
+              <a:rPr lang="zh-CN" altLang="en-US" dirty="0"/>
+              <a:t>搜集系统采用</a:t>
+            </a:r>
+            <a:r>
+              <a:rPr lang="en-US" altLang="zh-CN" dirty="0"/>
+              <a:t>ELK</a:t>
+            </a:r>
+            <a:r>
+              <a:rPr lang="zh-CN" altLang="en-US" dirty="0"/>
+              <a:t>日志管理系统</a:t>
+            </a:r>
+            <a:endParaRPr lang="en-CN" dirty="0"/>
+          </a:p>
+        </p:txBody>
+      </p:sp>
     </p:spTree>
     <p:extLst>
       <p:ext uri="{BB962C8B-B14F-4D97-AF65-F5344CB8AC3E}">
-        <p14:creationId xmlns:p14="http://schemas.microsoft.com/office/powerpoint/2010/main" val="3253218560"/>
+        <p14:creationId xmlns:p14="http://schemas.microsoft.com/office/powerpoint/2010/main" val="586794198"/>
       </p:ext>
     </p:extLst>
   </p:cSld>
@@ -10834,7 +12293,7 @@
                 <a:latin typeface="微软雅黑" panose="020B0503020204020204" pitchFamily="34" charset="-122"/>
                 <a:ea typeface="微软雅黑" panose="020B0503020204020204" pitchFamily="34" charset="-122"/>
               </a:rPr>
-              <a:t>特征提取</a:t>
+              <a:t>日志解析</a:t>
             </a:r>
             <a:endParaRPr lang="en-US" altLang="zh-CN" sz="2800" b="1" dirty="0">
               <a:solidFill>
@@ -10873,8 +12332,8 @@
         </p:blipFill>
         <p:spPr bwMode="auto">
           <a:xfrm>
-            <a:off x="3997600" y="872715"/>
-            <a:ext cx="6984776" cy="5112568"/>
+            <a:off x="4405438" y="1916832"/>
+            <a:ext cx="6202856" cy="4398352"/>
           </a:xfrm>
           <a:prstGeom prst="rect">
             <a:avLst/>
@@ -10885,10 +12344,114 @@
           </a:ln>
         </p:spPr>
       </p:pic>
+      <p:sp>
+        <p:nvSpPr>
+          <p:cNvPr id="10" name="矩形 12">
+            <a:extLst>
+              <a:ext uri="{FF2B5EF4-FFF2-40B4-BE49-F238E27FC236}">
+                <a16:creationId xmlns:a16="http://schemas.microsoft.com/office/drawing/2014/main" id="{0BF90B80-18B5-F141-99A5-1893C445D5AB}"/>
+              </a:ext>
+            </a:extLst>
+          </p:cNvPr>
+          <p:cNvSpPr/>
+          <p:nvPr/>
+        </p:nvSpPr>
+        <p:spPr>
+          <a:xfrm>
+            <a:off x="3281698" y="671058"/>
+            <a:ext cx="8496944" cy="741718"/>
+          </a:xfrm>
+          <a:prstGeom prst="rect">
+            <a:avLst/>
+          </a:prstGeom>
+          <a:noFill/>
+          <a:ln w="38100">
+            <a:solidFill>
+              <a:srgbClr val="0553A7"/>
+            </a:solidFill>
+          </a:ln>
+        </p:spPr>
+        <p:style>
+          <a:lnRef idx="2">
+            <a:schemeClr val="accent1">
+              <a:shade val="50000"/>
+            </a:schemeClr>
+          </a:lnRef>
+          <a:fillRef idx="1">
+            <a:schemeClr val="accent1"/>
+          </a:fillRef>
+          <a:effectRef idx="0">
+            <a:schemeClr val="accent1"/>
+          </a:effectRef>
+          <a:fontRef idx="minor">
+            <a:schemeClr val="lt1"/>
+          </a:fontRef>
+        </p:style>
+        <p:txBody>
+          <a:bodyPr rtlCol="0" anchor="ctr"/>
+          <a:lstStyle/>
+          <a:p>
+            <a:pPr algn="ctr"/>
+            <a:endParaRPr lang="zh-CN" altLang="en-US"/>
+          </a:p>
+        </p:txBody>
+      </p:sp>
+      <p:sp>
+        <p:nvSpPr>
+          <p:cNvPr id="12" name="矩形 11">
+            <a:extLst>
+              <a:ext uri="{FF2B5EF4-FFF2-40B4-BE49-F238E27FC236}">
+                <a16:creationId xmlns:a16="http://schemas.microsoft.com/office/drawing/2014/main" id="{B481F587-63F8-7043-BC80-017BE3E069EC}"/>
+              </a:ext>
+            </a:extLst>
+          </p:cNvPr>
+          <p:cNvSpPr/>
+          <p:nvPr/>
+        </p:nvSpPr>
+        <p:spPr>
+          <a:xfrm>
+            <a:off x="3281698" y="476671"/>
+            <a:ext cx="1662174" cy="353577"/>
+          </a:xfrm>
+          <a:prstGeom prst="rect">
+            <a:avLst/>
+          </a:prstGeom>
+          <a:solidFill>
+            <a:srgbClr val="0553A7"/>
+          </a:solidFill>
+          <a:ln>
+            <a:noFill/>
+          </a:ln>
+        </p:spPr>
+        <p:style>
+          <a:lnRef idx="2">
+            <a:schemeClr val="accent1">
+              <a:shade val="50000"/>
+            </a:schemeClr>
+          </a:lnRef>
+          <a:fillRef idx="1">
+            <a:schemeClr val="accent1"/>
+          </a:fillRef>
+          <a:effectRef idx="0">
+            <a:schemeClr val="accent1"/>
+          </a:effectRef>
+          <a:fontRef idx="minor">
+            <a:schemeClr val="lt1"/>
+          </a:fontRef>
+        </p:style>
+        <p:txBody>
+          <a:bodyPr rtlCol="0" anchor="ctr"/>
+          <a:lstStyle/>
+          <a:p>
+            <a:pPr algn="ctr"/>
+            <a:endParaRPr lang="zh-CN" altLang="en-US" dirty="0"/>
+          </a:p>
+        </p:txBody>
+      </p:sp>
     </p:spTree>
     <p:extLst>
       <p:ext uri="{BB962C8B-B14F-4D97-AF65-F5344CB8AC3E}">
-        <p14:creationId xmlns:p14="http://schemas.microsoft.com/office/powerpoint/2010/main" val="1773249688"/>
+        <p14:creationId xmlns:p14="http://schemas.microsoft.com/office/powerpoint/2010/main" val="3253218560"/>
       </p:ext>
     </p:extLst>
   </p:cSld>
@@ -10915,145 +12478,16 @@
           <a:chExt cx="0" cy="0"/>
         </a:xfrm>
       </p:grpSpPr>
-      <p:grpSp>
-        <p:nvGrpSpPr>
-          <p:cNvPr id="17" name="组合 16"/>
-          <p:cNvGrpSpPr/>
-          <p:nvPr/>
-        </p:nvGrpSpPr>
-        <p:grpSpPr>
-          <a:xfrm>
-            <a:off x="2590672" y="1738514"/>
-            <a:ext cx="8545888" cy="2824268"/>
-            <a:chOff x="4366118" y="1988840"/>
-            <a:chExt cx="3926206" cy="2824268"/>
-          </a:xfrm>
-        </p:grpSpPr>
-        <p:sp>
-          <p:nvSpPr>
-            <p:cNvPr id="3" name="文本框 2"/>
-            <p:cNvSpPr txBox="1"/>
-            <p:nvPr/>
-          </p:nvSpPr>
-          <p:spPr>
-            <a:xfrm>
-              <a:off x="4667856" y="2987220"/>
-              <a:ext cx="3624468" cy="769441"/>
-            </a:xfrm>
-            <a:prstGeom prst="rect">
-              <a:avLst/>
-            </a:prstGeom>
-            <a:noFill/>
-          </p:spPr>
-          <p:txBody>
-            <a:bodyPr wrap="square" rtlCol="0">
-              <a:spAutoFit/>
-            </a:bodyPr>
-            <a:lstStyle/>
-            <a:p>
-              <a:r>
-                <a:rPr lang="en-US" altLang="zh-CN" sz="4400" b="1" dirty="0">
-                  <a:solidFill>
-                    <a:schemeClr val="accent1">
-                      <a:lumMod val="75000"/>
-                    </a:schemeClr>
-                  </a:solidFill>
-                  <a:latin typeface="微软雅黑" panose="020B0503020204020204" pitchFamily="34" charset="-122"/>
-                  <a:ea typeface="微软雅黑" panose="020B0503020204020204" pitchFamily="34" charset="-122"/>
-                </a:rPr>
-                <a:t>03.</a:t>
-              </a:r>
-              <a:r>
-                <a:rPr lang="zh-CN" altLang="en-US" sz="4400" b="1" dirty="0">
-                  <a:solidFill>
-                    <a:schemeClr val="accent1">
-                      <a:lumMod val="75000"/>
-                    </a:schemeClr>
-                  </a:solidFill>
-                  <a:latin typeface="微软雅黑" panose="020B0503020204020204" pitchFamily="34" charset="-122"/>
-                  <a:ea typeface="微软雅黑" panose="020B0503020204020204" pitchFamily="34" charset="-122"/>
-                </a:rPr>
-                <a:t>基于聚类的日志解析算法</a:t>
-              </a:r>
-            </a:p>
-          </p:txBody>
-        </p:sp>
-        <p:cxnSp>
-          <p:nvCxnSpPr>
-            <p:cNvPr id="5" name="直接连接符 4"/>
-            <p:cNvCxnSpPr>
-              <a:cxnSpLocks/>
-            </p:cNvCxnSpPr>
-            <p:nvPr/>
-          </p:nvCxnSpPr>
-          <p:spPr>
-            <a:xfrm>
-              <a:off x="4366118" y="1988840"/>
-              <a:ext cx="0" cy="2824268"/>
-            </a:xfrm>
-            <a:prstGeom prst="line">
-              <a:avLst/>
-            </a:prstGeom>
-            <a:ln w="12700">
-              <a:gradFill>
-                <a:gsLst>
-                  <a:gs pos="0">
-                    <a:schemeClr val="bg1">
-                      <a:alpha val="0"/>
-                    </a:schemeClr>
-                  </a:gs>
-                  <a:gs pos="50000">
-                    <a:schemeClr val="tx1"/>
-                  </a:gs>
-                  <a:gs pos="100000">
-                    <a:schemeClr val="bg1">
-                      <a:alpha val="0"/>
-                    </a:schemeClr>
-                  </a:gs>
-                </a:gsLst>
-                <a:lin ang="5400000" scaled="1"/>
-              </a:gradFill>
-            </a:ln>
-            <a:effectLst>
-              <a:outerShdw blurRad="50800" dist="25400" dir="5400000" algn="t" rotWithShape="0">
-                <a:prstClr val="black">
-                  <a:alpha val="40000"/>
-                </a:prstClr>
-              </a:outerShdw>
-            </a:effectLst>
-          </p:spPr>
-          <p:style>
-            <a:lnRef idx="1">
-              <a:schemeClr val="accent1"/>
-            </a:lnRef>
-            <a:fillRef idx="0">
-              <a:schemeClr val="accent1"/>
-            </a:fillRef>
-            <a:effectRef idx="0">
-              <a:schemeClr val="accent1"/>
-            </a:effectRef>
-            <a:fontRef idx="minor">
-              <a:schemeClr val="tx1"/>
-            </a:fontRef>
-          </p:style>
-        </p:cxnSp>
-      </p:grpSp>
       <p:pic>
         <p:nvPicPr>
-          <p:cNvPr id="4" name="Picture 3">
-            <a:extLst>
-              <a:ext uri="{FF2B5EF4-FFF2-40B4-BE49-F238E27FC236}">
-                <a16:creationId xmlns:a16="http://schemas.microsoft.com/office/drawing/2014/main" id="{94D0FC3C-05ED-2944-B644-D39ED66C5C64}"/>
-              </a:ext>
-            </a:extLst>
-          </p:cNvPr>
+          <p:cNvPr id="4" name="图片 3"/>
           <p:cNvPicPr>
             <a:picLocks noChangeAspect="1"/>
           </p:cNvPicPr>
           <p:nvPr/>
         </p:nvPicPr>
         <p:blipFill>
-          <a:blip r:embed="rId2">
+          <a:blip r:embed="rId2" cstate="print">
             <a:extLst>
               <a:ext uri="{28A0092B-C50C-407E-A947-70E740481C1C}">
                 <a14:useLocalDpi xmlns:a14="http://schemas.microsoft.com/office/drawing/2010/main" val="0"/>
@@ -11066,18 +12500,351 @@
         </p:blipFill>
         <p:spPr>
           <a:xfrm>
-            <a:off x="1055440" y="2348880"/>
-            <a:ext cx="1535232" cy="1545467"/>
+            <a:off x="-44279" y="-12299"/>
+            <a:ext cx="12274379" cy="6848346"/>
           </a:xfrm>
           <a:prstGeom prst="rect">
             <a:avLst/>
           </a:prstGeom>
+          <a:solidFill>
+            <a:schemeClr val="bg1"/>
+          </a:solidFill>
         </p:spPr>
       </p:pic>
+      <p:sp>
+        <p:nvSpPr>
+          <p:cNvPr id="2" name="矩形 1"/>
+          <p:cNvSpPr/>
+          <p:nvPr/>
+        </p:nvSpPr>
+        <p:spPr>
+          <a:xfrm rot="16200000">
+            <a:off x="-2054998" y="2019370"/>
+            <a:ext cx="6880928" cy="2796331"/>
+          </a:xfrm>
+          <a:prstGeom prst="rect">
+            <a:avLst/>
+          </a:prstGeom>
+          <a:solidFill>
+            <a:srgbClr val="0553A7"/>
+          </a:solidFill>
+          <a:ln>
+            <a:noFill/>
+          </a:ln>
+        </p:spPr>
+        <p:style>
+          <a:lnRef idx="2">
+            <a:schemeClr val="accent1">
+              <a:shade val="50000"/>
+            </a:schemeClr>
+          </a:lnRef>
+          <a:fillRef idx="1">
+            <a:schemeClr val="accent1"/>
+          </a:fillRef>
+          <a:effectRef idx="0">
+            <a:schemeClr val="accent1"/>
+          </a:effectRef>
+          <a:fontRef idx="minor">
+            <a:schemeClr val="lt1"/>
+          </a:fontRef>
+        </p:style>
+        <p:txBody>
+          <a:bodyPr rtlCol="0" anchor="ctr"/>
+          <a:lstStyle/>
+          <a:p>
+            <a:pPr algn="ctr"/>
+            <a:endParaRPr lang="zh-CN" altLang="en-US"/>
+          </a:p>
+        </p:txBody>
+      </p:sp>
+      <p:sp>
+        <p:nvSpPr>
+          <p:cNvPr id="3" name="文本框 2"/>
+          <p:cNvSpPr txBox="1"/>
+          <p:nvPr/>
+        </p:nvSpPr>
+        <p:spPr>
+          <a:xfrm>
+            <a:off x="645850" y="657274"/>
+            <a:ext cx="739616" cy="5509200"/>
+          </a:xfrm>
+          <a:prstGeom prst="rect">
+            <a:avLst/>
+          </a:prstGeom>
+          <a:noFill/>
+        </p:spPr>
+        <p:txBody>
+          <a:bodyPr wrap="square" rtlCol="0">
+            <a:spAutoFit/>
+          </a:bodyPr>
+          <a:lstStyle/>
+          <a:p>
+            <a:r>
+              <a:rPr lang="zh-CN" altLang="en-US" sz="3200" b="1" dirty="0">
+                <a:solidFill>
+                  <a:schemeClr val="bg1"/>
+                </a:solidFill>
+                <a:latin typeface="微软雅黑" panose="020B0503020204020204" pitchFamily="34" charset="-122"/>
+                <a:ea typeface="微软雅黑" panose="020B0503020204020204" pitchFamily="34" charset="-122"/>
+              </a:rPr>
+              <a:t>基于日志数据的异常检测</a:t>
+            </a:r>
+            <a:endParaRPr lang="en-US" altLang="zh-CN" sz="3200" b="1" dirty="0">
+              <a:solidFill>
+                <a:schemeClr val="bg1"/>
+              </a:solidFill>
+              <a:latin typeface="微软雅黑" panose="020B0503020204020204" pitchFamily="34" charset="-122"/>
+              <a:ea typeface="微软雅黑" panose="020B0503020204020204" pitchFamily="34" charset="-122"/>
+            </a:endParaRPr>
+          </a:p>
+        </p:txBody>
+      </p:sp>
+      <p:sp>
+        <p:nvSpPr>
+          <p:cNvPr id="9" name="等腰三角形 8"/>
+          <p:cNvSpPr/>
+          <p:nvPr/>
+        </p:nvSpPr>
+        <p:spPr>
+          <a:xfrm rot="5400000">
+            <a:off x="2757585" y="1250655"/>
+            <a:ext cx="361184" cy="311367"/>
+          </a:xfrm>
+          <a:prstGeom prst="triangle">
+            <a:avLst/>
+          </a:prstGeom>
+          <a:solidFill>
+            <a:srgbClr val="0553A7"/>
+          </a:solidFill>
+          <a:ln>
+            <a:noFill/>
+          </a:ln>
+        </p:spPr>
+        <p:style>
+          <a:lnRef idx="2">
+            <a:schemeClr val="accent1">
+              <a:shade val="50000"/>
+            </a:schemeClr>
+          </a:lnRef>
+          <a:fillRef idx="1">
+            <a:schemeClr val="accent1"/>
+          </a:fillRef>
+          <a:effectRef idx="0">
+            <a:schemeClr val="accent1"/>
+          </a:effectRef>
+          <a:fontRef idx="minor">
+            <a:schemeClr val="lt1"/>
+          </a:fontRef>
+        </p:style>
+        <p:txBody>
+          <a:bodyPr rot="0" spcFirstLastPara="0" vertOverflow="overflow" horzOverflow="overflow" vert="horz" wrap="square" lIns="91440" tIns="45720" rIns="91440" bIns="45720" numCol="1" spcCol="0" rtlCol="0" fromWordArt="0" anchor="ctr" anchorCtr="0" forceAA="0" compatLnSpc="1">
+            <a:prstTxWarp prst="textNoShape">
+              <a:avLst/>
+            </a:prstTxWarp>
+            <a:noAutofit/>
+          </a:bodyPr>
+          <a:lstStyle/>
+          <a:p>
+            <a:pPr algn="ctr"/>
+            <a:endParaRPr lang="zh-CN" altLang="en-US"/>
+          </a:p>
+        </p:txBody>
+      </p:sp>
+      <p:sp>
+        <p:nvSpPr>
+          <p:cNvPr id="11" name="文本框 2">
+            <a:extLst>
+              <a:ext uri="{FF2B5EF4-FFF2-40B4-BE49-F238E27FC236}">
+                <a16:creationId xmlns:a16="http://schemas.microsoft.com/office/drawing/2014/main" id="{E93B89E1-2E7D-A14C-9C44-BC7BC8D65AE1}"/>
+              </a:ext>
+            </a:extLst>
+          </p:cNvPr>
+          <p:cNvSpPr txBox="1"/>
+          <p:nvPr/>
+        </p:nvSpPr>
+        <p:spPr>
+          <a:xfrm>
+            <a:off x="1586897" y="2521058"/>
+            <a:ext cx="739616" cy="1815882"/>
+          </a:xfrm>
+          <a:prstGeom prst="rect">
+            <a:avLst/>
+          </a:prstGeom>
+          <a:noFill/>
+        </p:spPr>
+        <p:txBody>
+          <a:bodyPr wrap="square" rtlCol="0">
+            <a:spAutoFit/>
+          </a:bodyPr>
+          <a:lstStyle/>
+          <a:p>
+            <a:r>
+              <a:rPr lang="zh-CN" altLang="en-US" sz="2800" b="1" dirty="0">
+                <a:solidFill>
+                  <a:schemeClr val="bg1"/>
+                </a:solidFill>
+                <a:latin typeface="微软雅黑" panose="020B0503020204020204" pitchFamily="34" charset="-122"/>
+                <a:ea typeface="微软雅黑" panose="020B0503020204020204" pitchFamily="34" charset="-122"/>
+              </a:rPr>
+              <a:t>特征提取</a:t>
+            </a:r>
+            <a:endParaRPr lang="en-US" altLang="zh-CN" sz="2800" b="1" dirty="0">
+              <a:solidFill>
+                <a:schemeClr val="bg1"/>
+              </a:solidFill>
+              <a:latin typeface="微软雅黑" panose="020B0503020204020204" pitchFamily="34" charset="-122"/>
+              <a:ea typeface="微软雅黑" panose="020B0503020204020204" pitchFamily="34" charset="-122"/>
+            </a:endParaRPr>
+          </a:p>
+        </p:txBody>
+      </p:sp>
+      <p:pic>
+        <p:nvPicPr>
+          <p:cNvPr id="10" name="图片 1">
+            <a:extLst>
+              <a:ext uri="{FF2B5EF4-FFF2-40B4-BE49-F238E27FC236}">
+                <a16:creationId xmlns:a16="http://schemas.microsoft.com/office/drawing/2014/main" id="{E53CC7E4-B98D-5C49-B1B4-7D458207685C}"/>
+              </a:ext>
+            </a:extLst>
+          </p:cNvPr>
+          <p:cNvPicPr/>
+          <p:nvPr/>
+        </p:nvPicPr>
+        <p:blipFill>
+          <a:blip r:embed="rId3">
+            <a:extLst>
+              <a:ext uri="{28A0092B-C50C-407E-A947-70E740481C1C}">
+                <a14:useLocalDpi xmlns:a14="http://schemas.microsoft.com/office/drawing/2010/main" val="0"/>
+              </a:ext>
+            </a:extLst>
+          </a:blip>
+          <a:srcRect/>
+          <a:stretch>
+            <a:fillRect/>
+          </a:stretch>
+        </p:blipFill>
+        <p:spPr bwMode="auto">
+          <a:xfrm>
+            <a:off x="3863752" y="2996952"/>
+            <a:ext cx="7456613" cy="3024336"/>
+          </a:xfrm>
+          <a:prstGeom prst="rect">
+            <a:avLst/>
+          </a:prstGeom>
+          <a:noFill/>
+          <a:ln>
+            <a:noFill/>
+          </a:ln>
+        </p:spPr>
+      </p:pic>
+      <p:sp>
+        <p:nvSpPr>
+          <p:cNvPr id="12" name="矩形 12">
+            <a:extLst>
+              <a:ext uri="{FF2B5EF4-FFF2-40B4-BE49-F238E27FC236}">
+                <a16:creationId xmlns:a16="http://schemas.microsoft.com/office/drawing/2014/main" id="{51F77B52-4435-914F-BAE7-7538AC6B4A56}"/>
+              </a:ext>
+            </a:extLst>
+          </p:cNvPr>
+          <p:cNvSpPr/>
+          <p:nvPr/>
+        </p:nvSpPr>
+        <p:spPr>
+          <a:xfrm>
+            <a:off x="3281698" y="671058"/>
+            <a:ext cx="8496944" cy="1245774"/>
+          </a:xfrm>
+          <a:prstGeom prst="rect">
+            <a:avLst/>
+          </a:prstGeom>
+          <a:noFill/>
+          <a:ln w="38100">
+            <a:solidFill>
+              <a:srgbClr val="0553A7"/>
+            </a:solidFill>
+          </a:ln>
+        </p:spPr>
+        <p:style>
+          <a:lnRef idx="2">
+            <a:schemeClr val="accent1">
+              <a:shade val="50000"/>
+            </a:schemeClr>
+          </a:lnRef>
+          <a:fillRef idx="1">
+            <a:schemeClr val="accent1"/>
+          </a:fillRef>
+          <a:effectRef idx="0">
+            <a:schemeClr val="accent1"/>
+          </a:effectRef>
+          <a:fontRef idx="minor">
+            <a:schemeClr val="lt1"/>
+          </a:fontRef>
+        </p:style>
+        <p:txBody>
+          <a:bodyPr rtlCol="0" anchor="ctr"/>
+          <a:lstStyle/>
+          <a:p>
+            <a:pPr algn="ctr"/>
+            <a:endParaRPr lang="zh-CN" altLang="en-US"/>
+          </a:p>
+        </p:txBody>
+      </p:sp>
+      <p:sp>
+        <p:nvSpPr>
+          <p:cNvPr id="14" name="矩形 11">
+            <a:extLst>
+              <a:ext uri="{FF2B5EF4-FFF2-40B4-BE49-F238E27FC236}">
+                <a16:creationId xmlns:a16="http://schemas.microsoft.com/office/drawing/2014/main" id="{DA0F4571-1913-3E45-A2B8-10CD7F05AA28}"/>
+              </a:ext>
+            </a:extLst>
+          </p:cNvPr>
+          <p:cNvSpPr/>
+          <p:nvPr/>
+        </p:nvSpPr>
+        <p:spPr>
+          <a:xfrm>
+            <a:off x="3281698" y="476671"/>
+            <a:ext cx="1662174" cy="504057"/>
+          </a:xfrm>
+          <a:prstGeom prst="rect">
+            <a:avLst/>
+          </a:prstGeom>
+          <a:solidFill>
+            <a:srgbClr val="0553A7"/>
+          </a:solidFill>
+          <a:ln>
+            <a:noFill/>
+          </a:ln>
+        </p:spPr>
+        <p:style>
+          <a:lnRef idx="2">
+            <a:schemeClr val="accent1">
+              <a:shade val="50000"/>
+            </a:schemeClr>
+          </a:lnRef>
+          <a:fillRef idx="1">
+            <a:schemeClr val="accent1"/>
+          </a:fillRef>
+          <a:effectRef idx="0">
+            <a:schemeClr val="accent1"/>
+          </a:effectRef>
+          <a:fontRef idx="minor">
+            <a:schemeClr val="lt1"/>
+          </a:fontRef>
+        </p:style>
+        <p:txBody>
+          <a:bodyPr rtlCol="0" anchor="ctr"/>
+          <a:lstStyle/>
+          <a:p>
+            <a:pPr algn="ctr"/>
+            <a:endParaRPr lang="zh-CN" altLang="en-US" dirty="0"/>
+          </a:p>
+        </p:txBody>
+      </p:sp>
     </p:spTree>
     <p:extLst>
       <p:ext uri="{BB962C8B-B14F-4D97-AF65-F5344CB8AC3E}">
-        <p14:creationId xmlns:p14="http://schemas.microsoft.com/office/powerpoint/2010/main" val="945380019"/>
+        <p14:creationId xmlns:p14="http://schemas.microsoft.com/office/powerpoint/2010/main" val="1773249688"/>
       </p:ext>
     </p:extLst>
   </p:cSld>

--- a/dabian/毕设.pptx
+++ b/dabian/毕设.pptx
@@ -5,7 +5,7 @@
     <p:sldMasterId id="2147483648" r:id="rId1"/>
   </p:sldMasterIdLst>
   <p:notesMasterIdLst>
-    <p:notesMasterId r:id="rId23"/>
+    <p:notesMasterId r:id="rId25"/>
   </p:notesMasterIdLst>
   <p:sldIdLst>
     <p:sldId id="260" r:id="rId2"/>
@@ -27,8 +27,10 @@
     <p:sldId id="280" r:id="rId18"/>
     <p:sldId id="281" r:id="rId19"/>
     <p:sldId id="272" r:id="rId20"/>
-    <p:sldId id="285" r:id="rId21"/>
-    <p:sldId id="282" r:id="rId22"/>
+    <p:sldId id="286" r:id="rId21"/>
+    <p:sldId id="285" r:id="rId22"/>
+    <p:sldId id="287" r:id="rId23"/>
+    <p:sldId id="282" r:id="rId24"/>
   </p:sldIdLst>
   <p:sldSz cx="12192000" cy="6858000"/>
   <p:notesSz cx="6858000" cy="9144000"/>
@@ -727,7 +729,175 @@
     </p:spTree>
     <p:extLst>
       <p:ext uri="{BB962C8B-B14F-4D97-AF65-F5344CB8AC3E}">
+        <p14:creationId xmlns:p14="http://schemas.microsoft.com/office/powerpoint/2010/main" val="413059413"/>
+      </p:ext>
+    </p:extLst>
+  </p:cSld>
+  <p:clrMapOvr>
+    <a:masterClrMapping/>
+  </p:clrMapOvr>
+</p:notes>
+</file>
+
+<file path=ppt/notesSlides/notesSlide4.xml><?xml version="1.0" encoding="utf-8"?>
+<p:notes xmlns:a="http://schemas.openxmlformats.org/drawingml/2006/main" xmlns:r="http://schemas.openxmlformats.org/officeDocument/2006/relationships" xmlns:p="http://schemas.openxmlformats.org/presentationml/2006/main">
+  <p:cSld>
+    <p:spTree>
+      <p:nvGrpSpPr>
+        <p:cNvPr id="1" name=""/>
+        <p:cNvGrpSpPr/>
+        <p:nvPr/>
+      </p:nvGrpSpPr>
+      <p:grpSpPr>
+        <a:xfrm>
+          <a:off x="0" y="0"/>
+          <a:ext cx="0" cy="0"/>
+          <a:chOff x="0" y="0"/>
+          <a:chExt cx="0" cy="0"/>
+        </a:xfrm>
+      </p:grpSpPr>
+      <p:sp>
+        <p:nvSpPr>
+          <p:cNvPr id="2" name="Slide Image Placeholder 1"/>
+          <p:cNvSpPr>
+            <a:spLocks noGrp="1" noRot="1" noChangeAspect="1"/>
+          </p:cNvSpPr>
+          <p:nvPr>
+            <p:ph type="sldImg"/>
+          </p:nvPr>
+        </p:nvSpPr>
+        <p:spPr/>
+      </p:sp>
+      <p:sp>
+        <p:nvSpPr>
+          <p:cNvPr id="3" name="Notes Placeholder 2"/>
+          <p:cNvSpPr>
+            <a:spLocks noGrp="1"/>
+          </p:cNvSpPr>
+          <p:nvPr>
+            <p:ph type="body" idx="1"/>
+          </p:nvPr>
+        </p:nvSpPr>
+        <p:spPr/>
+        <p:txBody>
+          <a:bodyPr/>
+          <a:lstStyle/>
+          <a:p>
+            <a:endParaRPr lang="en-CN" dirty="0"/>
+          </a:p>
+        </p:txBody>
+      </p:sp>
+      <p:sp>
+        <p:nvSpPr>
+          <p:cNvPr id="4" name="Slide Number Placeholder 3"/>
+          <p:cNvSpPr>
+            <a:spLocks noGrp="1"/>
+          </p:cNvSpPr>
+          <p:nvPr>
+            <p:ph type="sldNum" sz="quarter" idx="5"/>
+          </p:nvPr>
+        </p:nvSpPr>
+        <p:spPr/>
+        <p:txBody>
+          <a:bodyPr/>
+          <a:lstStyle/>
+          <a:p>
+            <a:fld id="{B769FE19-4753-8E47-8892-9C6013E6AD7A}" type="slidenum">
+              <a:rPr lang="en-CN" smtClean="0"/>
+              <a:t>21</a:t>
+            </a:fld>
+            <a:endParaRPr lang="en-CN"/>
+          </a:p>
+        </p:txBody>
+      </p:sp>
+    </p:spTree>
+    <p:extLst>
+      <p:ext uri="{BB962C8B-B14F-4D97-AF65-F5344CB8AC3E}">
         <p14:creationId xmlns:p14="http://schemas.microsoft.com/office/powerpoint/2010/main" val="2232358169"/>
+      </p:ext>
+    </p:extLst>
+  </p:cSld>
+  <p:clrMapOvr>
+    <a:masterClrMapping/>
+  </p:clrMapOvr>
+</p:notes>
+</file>
+
+<file path=ppt/notesSlides/notesSlide5.xml><?xml version="1.0" encoding="utf-8"?>
+<p:notes xmlns:a="http://schemas.openxmlformats.org/drawingml/2006/main" xmlns:r="http://schemas.openxmlformats.org/officeDocument/2006/relationships" xmlns:p="http://schemas.openxmlformats.org/presentationml/2006/main">
+  <p:cSld>
+    <p:spTree>
+      <p:nvGrpSpPr>
+        <p:cNvPr id="1" name=""/>
+        <p:cNvGrpSpPr/>
+        <p:nvPr/>
+      </p:nvGrpSpPr>
+      <p:grpSpPr>
+        <a:xfrm>
+          <a:off x="0" y="0"/>
+          <a:ext cx="0" cy="0"/>
+          <a:chOff x="0" y="0"/>
+          <a:chExt cx="0" cy="0"/>
+        </a:xfrm>
+      </p:grpSpPr>
+      <p:sp>
+        <p:nvSpPr>
+          <p:cNvPr id="2" name="Slide Image Placeholder 1"/>
+          <p:cNvSpPr>
+            <a:spLocks noGrp="1" noRot="1" noChangeAspect="1"/>
+          </p:cNvSpPr>
+          <p:nvPr>
+            <p:ph type="sldImg"/>
+          </p:nvPr>
+        </p:nvSpPr>
+        <p:spPr/>
+      </p:sp>
+      <p:sp>
+        <p:nvSpPr>
+          <p:cNvPr id="3" name="Notes Placeholder 2"/>
+          <p:cNvSpPr>
+            <a:spLocks noGrp="1"/>
+          </p:cNvSpPr>
+          <p:nvPr>
+            <p:ph type="body" idx="1"/>
+          </p:nvPr>
+        </p:nvSpPr>
+        <p:spPr/>
+        <p:txBody>
+          <a:bodyPr/>
+          <a:lstStyle/>
+          <a:p>
+            <a:endParaRPr lang="en-CN" dirty="0"/>
+          </a:p>
+        </p:txBody>
+      </p:sp>
+      <p:sp>
+        <p:nvSpPr>
+          <p:cNvPr id="4" name="Slide Number Placeholder 3"/>
+          <p:cNvSpPr>
+            <a:spLocks noGrp="1"/>
+          </p:cNvSpPr>
+          <p:nvPr>
+            <p:ph type="sldNum" sz="quarter" idx="5"/>
+          </p:nvPr>
+        </p:nvSpPr>
+        <p:spPr/>
+        <p:txBody>
+          <a:bodyPr/>
+          <a:lstStyle/>
+          <a:p>
+            <a:fld id="{B769FE19-4753-8E47-8892-9C6013E6AD7A}" type="slidenum">
+              <a:rPr lang="en-CN" smtClean="0"/>
+              <a:t>22</a:t>
+            </a:fld>
+            <a:endParaRPr lang="en-CN"/>
+          </a:p>
+        </p:txBody>
+      </p:sp>
+    </p:spTree>
+    <p:extLst>
+      <p:ext uri="{BB962C8B-B14F-4D97-AF65-F5344CB8AC3E}">
+        <p14:creationId xmlns:p14="http://schemas.microsoft.com/office/powerpoint/2010/main" val="46533994"/>
       </p:ext>
     </p:extLst>
   </p:cSld>
@@ -4845,45 +5015,6 @@
           </a:p>
         </p:txBody>
       </p:sp>
-      <p:pic>
-        <p:nvPicPr>
-          <p:cNvPr id="10" name="图片 95">
-            <a:extLst>
-              <a:ext uri="{FF2B5EF4-FFF2-40B4-BE49-F238E27FC236}">
-                <a16:creationId xmlns:a16="http://schemas.microsoft.com/office/drawing/2014/main" id="{F200AB03-0693-1049-9DCE-8B5442B7BF0C}"/>
-              </a:ext>
-            </a:extLst>
-          </p:cNvPr>
-          <p:cNvPicPr/>
-          <p:nvPr/>
-        </p:nvPicPr>
-        <p:blipFill>
-          <a:blip r:embed="rId3">
-            <a:extLst>
-              <a:ext uri="{28A0092B-C50C-407E-A947-70E740481C1C}">
-                <a14:useLocalDpi xmlns:a14="http://schemas.microsoft.com/office/drawing/2010/main" val="0"/>
-              </a:ext>
-            </a:extLst>
-          </a:blip>
-          <a:srcRect/>
-          <a:stretch>
-            <a:fillRect/>
-          </a:stretch>
-        </p:blipFill>
-        <p:spPr bwMode="auto">
-          <a:xfrm>
-            <a:off x="4583832" y="2485603"/>
-            <a:ext cx="5910138" cy="3702674"/>
-          </a:xfrm>
-          <a:prstGeom prst="rect">
-            <a:avLst/>
-          </a:prstGeom>
-          <a:noFill/>
-          <a:ln>
-            <a:noFill/>
-          </a:ln>
-        </p:spPr>
-      </p:pic>
       <p:sp>
         <p:nvSpPr>
           <p:cNvPr id="12" name="矩形 12">
@@ -4988,6 +5119,36 @@
           </a:p>
         </p:txBody>
       </p:sp>
+      <p:pic>
+        <p:nvPicPr>
+          <p:cNvPr id="6" name="Picture 5">
+            <a:extLst>
+              <a:ext uri="{FF2B5EF4-FFF2-40B4-BE49-F238E27FC236}">
+                <a16:creationId xmlns:a16="http://schemas.microsoft.com/office/drawing/2014/main" id="{8230A47C-BCB4-E447-9FA9-A277D5C156BA}"/>
+              </a:ext>
+            </a:extLst>
+          </p:cNvPr>
+          <p:cNvPicPr>
+            <a:picLocks noChangeAspect="1"/>
+          </p:cNvPicPr>
+          <p:nvPr/>
+        </p:nvPicPr>
+        <p:blipFill>
+          <a:blip r:embed="rId3"/>
+          <a:stretch>
+            <a:fillRect/>
+          </a:stretch>
+        </p:blipFill>
+        <p:spPr>
+          <a:xfrm>
+            <a:off x="4852910" y="2285425"/>
+            <a:ext cx="5354520" cy="4257811"/>
+          </a:xfrm>
+          <a:prstGeom prst="rect">
+            <a:avLst/>
+          </a:prstGeom>
+        </p:spPr>
+      </p:pic>
     </p:spTree>
     <p:extLst>
       <p:ext uri="{BB962C8B-B14F-4D97-AF65-F5344CB8AC3E}">
@@ -5460,7 +5621,19 @@
           <a:lstStyle/>
           <a:p>
             <a:pPr algn="ctr"/>
-            <a:endParaRPr lang="zh-CN" altLang="en-US"/>
+            <a:r>
+              <a:rPr lang="zh-CN" altLang="en-US" dirty="0">
+                <a:solidFill>
+                  <a:schemeClr val="tx1"/>
+                </a:solidFill>
+              </a:rPr>
+              <a:t>事件日志为对系统内发生的事件或计算机系统上的应用程序跟踪记录的文本</a:t>
+            </a:r>
+            <a:endParaRPr lang="en-CN" dirty="0">
+              <a:solidFill>
+                <a:schemeClr val="tx1"/>
+              </a:solidFill>
+            </a:endParaRPr>
           </a:p>
         </p:txBody>
       </p:sp>
@@ -5602,42 +5775,6 @@
           </a:p>
         </p:txBody>
       </p:sp>
-      <p:sp>
-        <p:nvSpPr>
-          <p:cNvPr id="20" name="TextBox 19">
-            <a:extLst>
-              <a:ext uri="{FF2B5EF4-FFF2-40B4-BE49-F238E27FC236}">
-                <a16:creationId xmlns:a16="http://schemas.microsoft.com/office/drawing/2014/main" id="{9B82A170-5460-8241-875F-FB44D24A68C7}"/>
-              </a:ext>
-            </a:extLst>
-          </p:cNvPr>
-          <p:cNvSpPr txBox="1"/>
-          <p:nvPr/>
-        </p:nvSpPr>
-        <p:spPr>
-          <a:xfrm>
-            <a:off x="2044871" y="2352824"/>
-            <a:ext cx="7802136" cy="369332"/>
-          </a:xfrm>
-          <a:prstGeom prst="rect">
-            <a:avLst/>
-          </a:prstGeom>
-          <a:noFill/>
-        </p:spPr>
-        <p:txBody>
-          <a:bodyPr wrap="none" rtlCol="0">
-            <a:spAutoFit/>
-          </a:bodyPr>
-          <a:lstStyle/>
-          <a:p>
-            <a:r>
-              <a:rPr lang="zh-CN" altLang="en-US" dirty="0"/>
-              <a:t>事件日志为对系统内发生的事件或计算机系统上的应用程序跟踪记录的文本</a:t>
-            </a:r>
-            <a:endParaRPr lang="en-CN" dirty="0"/>
-          </a:p>
-        </p:txBody>
-      </p:sp>
       <p:pic>
         <p:nvPicPr>
           <p:cNvPr id="21" name="Picture 20">
@@ -6024,7 +6161,7 @@
           <a:graphicData uri="http://schemas.openxmlformats.org/presentationml/2006/ole">
             <mc:AlternateContent xmlns:mc="http://schemas.openxmlformats.org/markup-compatibility/2006">
               <mc:Choice xmlns:v="urn:schemas-microsoft-com:vml" Requires="v">
-                <p:oleObj spid="_x0000_s2083" r:id="rId6" imgW="107670600" imgH="5854700" progId="Equation.DSMT4">
+                <p:oleObj spid="_x0000_s2101" r:id="rId6" imgW="107670600" imgH="5854700" progId="Equation.DSMT4">
                   <p:embed/>
                 </p:oleObj>
               </mc:Choice>
@@ -6209,7 +6346,7 @@
           <a:graphicData uri="http://schemas.openxmlformats.org/presentationml/2006/ole">
             <mc:AlternateContent xmlns:mc="http://schemas.openxmlformats.org/markup-compatibility/2006">
               <mc:Choice xmlns:v="urn:schemas-microsoft-com:vml" Requires="v">
-                <p:oleObj spid="_x0000_s2084" r:id="rId8" imgW="56756300" imgH="20485100" progId="Equation.DSMT4">
+                <p:oleObj spid="_x0000_s2102" r:id="rId8" imgW="56756300" imgH="20485100" progId="Equation.DSMT4">
                   <p:embed/>
                 </p:oleObj>
               </mc:Choice>
@@ -6388,7 +6525,7 @@
           <a:graphicData uri="http://schemas.openxmlformats.org/presentationml/2006/ole">
             <mc:AlternateContent xmlns:mc="http://schemas.openxmlformats.org/markup-compatibility/2006">
               <mc:Choice xmlns:v="urn:schemas-microsoft-com:vml" Requires="v">
-                <p:oleObj spid="_x0000_s2085" r:id="rId10" imgW="39789100" imgH="4686300" progId="Equation.DSMT4">
+                <p:oleObj spid="_x0000_s2103" r:id="rId10" imgW="39789100" imgH="4686300" progId="Equation.DSMT4">
                   <p:embed/>
                 </p:oleObj>
               </mc:Choice>
@@ -9926,7 +10063,7 @@
                 <a:latin typeface="微软雅黑" panose="020B0503020204020204" pitchFamily="34" charset="-122"/>
                 <a:ea typeface="微软雅黑" panose="020B0503020204020204" pitchFamily="34" charset="-122"/>
               </a:rPr>
-              <a:t>基于日志数据的异常检测</a:t>
+              <a:t>基于序列相似性的异常检测</a:t>
             </a:r>
           </a:p>
         </p:txBody>
@@ -9982,38 +10119,6 @@
           </a:p>
         </p:txBody>
       </p:sp>
-      <p:pic>
-        <p:nvPicPr>
-          <p:cNvPr id="18" name="图片 17"/>
-          <p:cNvPicPr>
-            <a:picLocks noChangeAspect="1"/>
-          </p:cNvPicPr>
-          <p:nvPr/>
-        </p:nvPicPr>
-        <p:blipFill>
-          <a:blip r:embed="rId4"/>
-          <a:stretch>
-            <a:fillRect/>
-          </a:stretch>
-        </p:blipFill>
-        <p:spPr>
-          <a:xfrm>
-            <a:off x="-11100312" y="636177"/>
-            <a:ext cx="10382250" cy="5762625"/>
-          </a:xfrm>
-          <a:prstGeom prst="rect">
-            <a:avLst/>
-          </a:prstGeom>
-          <a:ln>
-            <a:solidFill>
-              <a:schemeClr val="tx1">
-                <a:lumMod val="85000"/>
-                <a:lumOff val="15000"/>
-              </a:schemeClr>
-            </a:solidFill>
-          </a:ln>
-        </p:spPr>
-      </p:pic>
       <p:sp>
         <p:nvSpPr>
           <p:cNvPr id="11" name="Rectangle 6">
@@ -10334,6 +10439,195 @@
       </p:sp>
       <p:pic>
         <p:nvPicPr>
+          <p:cNvPr id="12" name="图片 95">
+            <a:extLst>
+              <a:ext uri="{FF2B5EF4-FFF2-40B4-BE49-F238E27FC236}">
+                <a16:creationId xmlns:a16="http://schemas.microsoft.com/office/drawing/2014/main" id="{6C970834-CFCD-134E-805F-41CA5848E19F}"/>
+              </a:ext>
+            </a:extLst>
+          </p:cNvPr>
+          <p:cNvPicPr/>
+          <p:nvPr/>
+        </p:nvPicPr>
+        <p:blipFill>
+          <a:blip r:embed="rId4">
+            <a:extLst>
+              <a:ext uri="{28A0092B-C50C-407E-A947-70E740481C1C}">
+                <a14:useLocalDpi xmlns:a14="http://schemas.microsoft.com/office/drawing/2010/main" val="0"/>
+              </a:ext>
+            </a:extLst>
+          </a:blip>
+          <a:srcRect/>
+          <a:stretch>
+            <a:fillRect/>
+          </a:stretch>
+        </p:blipFill>
+        <p:spPr bwMode="auto">
+          <a:xfrm>
+            <a:off x="643079" y="1950702"/>
+            <a:ext cx="5910138" cy="3702674"/>
+          </a:xfrm>
+          <a:prstGeom prst="rect">
+            <a:avLst/>
+          </a:prstGeom>
+          <a:noFill/>
+          <a:ln>
+            <a:noFill/>
+          </a:ln>
+        </p:spPr>
+      </p:pic>
+      <p:sp>
+        <p:nvSpPr>
+          <p:cNvPr id="14" name="矩形 12">
+            <a:extLst>
+              <a:ext uri="{FF2B5EF4-FFF2-40B4-BE49-F238E27FC236}">
+                <a16:creationId xmlns:a16="http://schemas.microsoft.com/office/drawing/2014/main" id="{E424B414-106F-3546-9815-ED0E769EA924}"/>
+              </a:ext>
+            </a:extLst>
+          </p:cNvPr>
+          <p:cNvSpPr/>
+          <p:nvPr/>
+        </p:nvSpPr>
+        <p:spPr>
+          <a:xfrm>
+            <a:off x="6456040" y="1925381"/>
+            <a:ext cx="4765116" cy="4167915"/>
+          </a:xfrm>
+          <a:prstGeom prst="rect">
+            <a:avLst/>
+          </a:prstGeom>
+          <a:noFill/>
+          <a:ln w="38100">
+            <a:solidFill>
+              <a:srgbClr val="0553A7"/>
+            </a:solidFill>
+          </a:ln>
+        </p:spPr>
+        <p:style>
+          <a:lnRef idx="2">
+            <a:schemeClr val="accent1">
+              <a:shade val="50000"/>
+            </a:schemeClr>
+          </a:lnRef>
+          <a:fillRef idx="1">
+            <a:schemeClr val="accent1"/>
+          </a:fillRef>
+          <a:effectRef idx="0">
+            <a:schemeClr val="accent1"/>
+          </a:effectRef>
+          <a:fontRef idx="minor">
+            <a:schemeClr val="lt1"/>
+          </a:fontRef>
+        </p:style>
+        <p:txBody>
+          <a:bodyPr rtlCol="0" anchor="ctr"/>
+          <a:lstStyle/>
+          <a:p>
+            <a:pPr algn="just"/>
+            <a:r>
+              <a:rPr lang="zh-CN" altLang="en-US" dirty="0">
+                <a:solidFill>
+                  <a:schemeClr val="tx1"/>
+                </a:solidFill>
+              </a:rPr>
+              <a:t>       算法的主要思想是对给定时间序列中每一点，计算由该点向前展开的子序列在滑动窗口中的异常性。一般来说，异常数据的异常性相较于正常数据会明显增大，算法利用某一特定的统计分布来拟合时间序列中各点向前展开的时间子序列在整条时间序列中的异常性，当异常性偏离该分布中心较大时，该点被视为异常点．</a:t>
+            </a:r>
+          </a:p>
+          <a:p>
+            <a:pPr algn="ctr"/>
+            <a:endParaRPr lang="zh-CN" altLang="en-US" dirty="0"/>
+          </a:p>
+        </p:txBody>
+      </p:sp>
+      <p:sp>
+        <p:nvSpPr>
+          <p:cNvPr id="13" name="矩形 11">
+            <a:extLst>
+              <a:ext uri="{FF2B5EF4-FFF2-40B4-BE49-F238E27FC236}">
+                <a16:creationId xmlns:a16="http://schemas.microsoft.com/office/drawing/2014/main" id="{69FF3066-F852-6144-9C84-ABB0F457BB15}"/>
+              </a:ext>
+            </a:extLst>
+          </p:cNvPr>
+          <p:cNvSpPr/>
+          <p:nvPr/>
+        </p:nvSpPr>
+        <p:spPr>
+          <a:xfrm>
+            <a:off x="6441722" y="1665985"/>
+            <a:ext cx="1316101" cy="518792"/>
+          </a:xfrm>
+          <a:prstGeom prst="rect">
+            <a:avLst/>
+          </a:prstGeom>
+          <a:solidFill>
+            <a:srgbClr val="0553A7"/>
+          </a:solidFill>
+          <a:ln>
+            <a:noFill/>
+          </a:ln>
+        </p:spPr>
+        <p:style>
+          <a:lnRef idx="2">
+            <a:schemeClr val="accent1">
+              <a:shade val="50000"/>
+            </a:schemeClr>
+          </a:lnRef>
+          <a:fillRef idx="1">
+            <a:schemeClr val="accent1"/>
+          </a:fillRef>
+          <a:effectRef idx="0">
+            <a:schemeClr val="accent1"/>
+          </a:effectRef>
+          <a:fontRef idx="minor">
+            <a:schemeClr val="lt1"/>
+          </a:fontRef>
+        </p:style>
+        <p:txBody>
+          <a:bodyPr rtlCol="0" anchor="ctr"/>
+          <a:lstStyle/>
+          <a:p>
+            <a:pPr algn="ctr"/>
+            <a:r>
+              <a:rPr lang="zh-CN" altLang="en-US" dirty="0"/>
+              <a:t>算法思想</a:t>
+            </a:r>
+          </a:p>
+        </p:txBody>
+      </p:sp>
+      <p:pic>
+        <p:nvPicPr>
+          <p:cNvPr id="18" name="图片 17"/>
+          <p:cNvPicPr>
+            <a:picLocks noChangeAspect="1"/>
+          </p:cNvPicPr>
+          <p:nvPr/>
+        </p:nvPicPr>
+        <p:blipFill>
+          <a:blip r:embed="rId5"/>
+          <a:stretch>
+            <a:fillRect/>
+          </a:stretch>
+        </p:blipFill>
+        <p:spPr>
+          <a:xfrm>
+            <a:off x="-11100312" y="636177"/>
+            <a:ext cx="10382250" cy="5762625"/>
+          </a:xfrm>
+          <a:prstGeom prst="rect">
+            <a:avLst/>
+          </a:prstGeom>
+          <a:ln>
+            <a:solidFill>
+              <a:schemeClr val="tx1">
+                <a:lumMod val="85000"/>
+                <a:lumOff val="15000"/>
+              </a:schemeClr>
+            </a:solidFill>
+          </a:ln>
+        </p:spPr>
+      </p:pic>
+      <p:pic>
+        <p:nvPicPr>
           <p:cNvPr id="2050" name="Picture 2">
             <a:extLst>
               <a:ext uri="{FF2B5EF4-FFF2-40B4-BE49-F238E27FC236}">
@@ -10347,7 +10641,7 @@
           <p:nvPr/>
         </p:nvPicPr>
         <p:blipFill>
-          <a:blip r:embed="rId5">
+          <a:blip r:embed="rId6">
             <a:extLst>
               <a:ext uri="{28A0092B-C50C-407E-A947-70E740481C1C}">
                 <a14:useLocalDpi xmlns:a14="http://schemas.microsoft.com/office/drawing/2010/main" val="0"/>
@@ -10395,6 +10689,908 @@
     </p:spTree>
     <p:extLst>
       <p:ext uri="{BB962C8B-B14F-4D97-AF65-F5344CB8AC3E}">
+        <p14:creationId xmlns:p14="http://schemas.microsoft.com/office/powerpoint/2010/main" val="356592471"/>
+      </p:ext>
+    </p:extLst>
+  </p:cSld>
+  <p:clrMapOvr>
+    <a:masterClrMapping/>
+  </p:clrMapOvr>
+</p:sld>
+</file>
+
+<file path=ppt/slides/slide21.xml><?xml version="1.0" encoding="utf-8"?>
+<p:sld xmlns:a="http://schemas.openxmlformats.org/drawingml/2006/main" xmlns:r="http://schemas.openxmlformats.org/officeDocument/2006/relationships" xmlns:p="http://schemas.openxmlformats.org/presentationml/2006/main">
+  <p:cSld>
+    <p:spTree>
+      <p:nvGrpSpPr>
+        <p:cNvPr id="1" name=""/>
+        <p:cNvGrpSpPr/>
+        <p:nvPr/>
+      </p:nvGrpSpPr>
+      <p:grpSpPr>
+        <a:xfrm>
+          <a:off x="0" y="0"/>
+          <a:ext cx="0" cy="0"/>
+          <a:chOff x="0" y="0"/>
+          <a:chExt cx="0" cy="0"/>
+        </a:xfrm>
+      </p:grpSpPr>
+      <p:pic>
+        <p:nvPicPr>
+          <p:cNvPr id="3" name="图片 2"/>
+          <p:cNvPicPr>
+            <a:picLocks noChangeAspect="1"/>
+          </p:cNvPicPr>
+          <p:nvPr/>
+        </p:nvPicPr>
+        <p:blipFill>
+          <a:blip r:embed="rId4" cstate="print">
+            <a:extLst>
+              <a:ext uri="{28A0092B-C50C-407E-A947-70E740481C1C}">
+                <a14:useLocalDpi xmlns:a14="http://schemas.microsoft.com/office/drawing/2010/main" val="0"/>
+              </a:ext>
+            </a:extLst>
+          </a:blip>
+          <a:stretch>
+            <a:fillRect/>
+          </a:stretch>
+        </p:blipFill>
+        <p:spPr>
+          <a:xfrm>
+            <a:off x="-44279" y="-12299"/>
+            <a:ext cx="12274379" cy="6848346"/>
+          </a:xfrm>
+          <a:prstGeom prst="rect">
+            <a:avLst/>
+          </a:prstGeom>
+          <a:solidFill>
+            <a:schemeClr val="bg1"/>
+          </a:solidFill>
+        </p:spPr>
+      </p:pic>
+      <p:sp>
+        <p:nvSpPr>
+          <p:cNvPr id="2" name="矩形 1"/>
+          <p:cNvSpPr/>
+          <p:nvPr/>
+        </p:nvSpPr>
+        <p:spPr>
+          <a:xfrm>
+            <a:off x="-58058" y="1"/>
+            <a:ext cx="12308115" cy="1175656"/>
+          </a:xfrm>
+          <a:prstGeom prst="rect">
+            <a:avLst/>
+          </a:prstGeom>
+          <a:solidFill>
+            <a:srgbClr val="0553A7"/>
+          </a:solidFill>
+          <a:ln>
+            <a:noFill/>
+          </a:ln>
+        </p:spPr>
+        <p:style>
+          <a:lnRef idx="2">
+            <a:schemeClr val="accent1">
+              <a:shade val="50000"/>
+            </a:schemeClr>
+          </a:lnRef>
+          <a:fillRef idx="1">
+            <a:schemeClr val="accent1"/>
+          </a:fillRef>
+          <a:effectRef idx="0">
+            <a:schemeClr val="accent1"/>
+          </a:effectRef>
+          <a:fontRef idx="minor">
+            <a:schemeClr val="lt1"/>
+          </a:fontRef>
+        </p:style>
+        <p:txBody>
+          <a:bodyPr rtlCol="0" anchor="ctr"/>
+          <a:lstStyle/>
+          <a:p>
+            <a:pPr algn="ctr"/>
+            <a:endParaRPr lang="zh-CN" altLang="en-US" sz="1400"/>
+          </a:p>
+        </p:txBody>
+      </p:sp>
+      <p:sp>
+        <p:nvSpPr>
+          <p:cNvPr id="4" name="文本框 3"/>
+          <p:cNvSpPr txBox="1"/>
+          <p:nvPr/>
+        </p:nvSpPr>
+        <p:spPr>
+          <a:xfrm>
+            <a:off x="612103" y="256254"/>
+            <a:ext cx="6780041" cy="584775"/>
+          </a:xfrm>
+          <a:prstGeom prst="rect">
+            <a:avLst/>
+          </a:prstGeom>
+          <a:noFill/>
+        </p:spPr>
+        <p:txBody>
+          <a:bodyPr wrap="square" rtlCol="0">
+            <a:spAutoFit/>
+          </a:bodyPr>
+          <a:lstStyle/>
+          <a:p>
+            <a:r>
+              <a:rPr lang="zh-CN" altLang="en-US" sz="3200" b="1" dirty="0">
+                <a:solidFill>
+                  <a:schemeClr val="bg1"/>
+                </a:solidFill>
+                <a:latin typeface="微软雅黑" panose="020B0503020204020204" pitchFamily="34" charset="-122"/>
+                <a:ea typeface="微软雅黑" panose="020B0503020204020204" pitchFamily="34" charset="-122"/>
+              </a:rPr>
+              <a:t>基于序列相似性的异常检测</a:t>
+            </a:r>
+          </a:p>
+        </p:txBody>
+      </p:sp>
+      <p:sp>
+        <p:nvSpPr>
+          <p:cNvPr id="9" name="等腰三角形 8"/>
+          <p:cNvSpPr/>
+          <p:nvPr/>
+        </p:nvSpPr>
+        <p:spPr>
+          <a:xfrm rot="10800000">
+            <a:off x="1030384" y="1118820"/>
+            <a:ext cx="290416" cy="178103"/>
+          </a:xfrm>
+          <a:prstGeom prst="triangle">
+            <a:avLst/>
+          </a:prstGeom>
+          <a:solidFill>
+            <a:srgbClr val="0553A7"/>
+          </a:solidFill>
+          <a:ln>
+            <a:noFill/>
+          </a:ln>
+        </p:spPr>
+        <p:style>
+          <a:lnRef idx="2">
+            <a:schemeClr val="accent1">
+              <a:shade val="50000"/>
+            </a:schemeClr>
+          </a:lnRef>
+          <a:fillRef idx="1">
+            <a:schemeClr val="accent1"/>
+          </a:fillRef>
+          <a:effectRef idx="0">
+            <a:schemeClr val="accent1"/>
+          </a:effectRef>
+          <a:fontRef idx="minor">
+            <a:schemeClr val="lt1"/>
+          </a:fontRef>
+        </p:style>
+        <p:txBody>
+          <a:bodyPr rot="0" spcFirstLastPara="0" vertOverflow="overflow" horzOverflow="overflow" vert="horz" wrap="square" lIns="91440" tIns="45720" rIns="91440" bIns="45720" numCol="1" spcCol="0" rtlCol="0" fromWordArt="0" anchor="ctr" anchorCtr="0" forceAA="0" compatLnSpc="1">
+            <a:prstTxWarp prst="textNoShape">
+              <a:avLst/>
+            </a:prstTxWarp>
+            <a:noAutofit/>
+          </a:bodyPr>
+          <a:lstStyle/>
+          <a:p>
+            <a:pPr algn="ctr"/>
+            <a:endParaRPr lang="zh-CN" altLang="en-US" sz="1400"/>
+          </a:p>
+        </p:txBody>
+      </p:sp>
+      <p:pic>
+        <p:nvPicPr>
+          <p:cNvPr id="18" name="图片 17"/>
+          <p:cNvPicPr>
+            <a:picLocks noChangeAspect="1"/>
+          </p:cNvPicPr>
+          <p:nvPr/>
+        </p:nvPicPr>
+        <p:blipFill>
+          <a:blip r:embed="rId5"/>
+          <a:stretch>
+            <a:fillRect/>
+          </a:stretch>
+        </p:blipFill>
+        <p:spPr>
+          <a:xfrm>
+            <a:off x="-11100312" y="636177"/>
+            <a:ext cx="10382250" cy="5762625"/>
+          </a:xfrm>
+          <a:prstGeom prst="rect">
+            <a:avLst/>
+          </a:prstGeom>
+          <a:ln>
+            <a:solidFill>
+              <a:schemeClr val="tx1">
+                <a:lumMod val="85000"/>
+                <a:lumOff val="15000"/>
+              </a:schemeClr>
+            </a:solidFill>
+          </a:ln>
+        </p:spPr>
+      </p:pic>
+      <p:sp>
+        <p:nvSpPr>
+          <p:cNvPr id="11" name="Rectangle 6">
+            <a:extLst>
+              <a:ext uri="{FF2B5EF4-FFF2-40B4-BE49-F238E27FC236}">
+                <a16:creationId xmlns:a16="http://schemas.microsoft.com/office/drawing/2014/main" id="{0EDEE9BA-C535-3843-9F3C-77328D4A10C5}"/>
+              </a:ext>
+            </a:extLst>
+          </p:cNvPr>
+          <p:cNvSpPr>
+            <a:spLocks noChangeArrowheads="1"/>
+          </p:cNvSpPr>
+          <p:nvPr/>
+        </p:nvSpPr>
+        <p:spPr bwMode="auto">
+          <a:xfrm>
+            <a:off x="807508" y="-2683873"/>
+            <a:ext cx="12192000" cy="0"/>
+          </a:xfrm>
+          <a:prstGeom prst="rect">
+            <a:avLst/>
+          </a:prstGeom>
+          <a:noFill/>
+          <a:ln>
+            <a:noFill/>
+          </a:ln>
+          <a:effectLst/>
+          <a:extLst>
+            <a:ext uri="{909E8E84-426E-40DD-AFC4-6F175D3DCCD1}">
+              <a14:hiddenFill xmlns:a14="http://schemas.microsoft.com/office/drawing/2010/main">
+                <a:solidFill>
+                  <a:schemeClr val="accent1"/>
+                </a:solidFill>
+              </a14:hiddenFill>
+            </a:ext>
+            <a:ext uri="{91240B29-F687-4F45-9708-019B960494DF}">
+              <a14:hiddenLine xmlns:a14="http://schemas.microsoft.com/office/drawing/2010/main" w="9525">
+                <a:solidFill>
+                  <a:schemeClr val="tx1"/>
+                </a:solidFill>
+                <a:miter lim="800000"/>
+                <a:headEnd/>
+                <a:tailEnd/>
+              </a14:hiddenLine>
+            </a:ext>
+            <a:ext uri="{AF507438-7753-43E0-B8FC-AC1667EBCBE1}">
+              <a14:hiddenEffects xmlns:a14="http://schemas.microsoft.com/office/drawing/2010/main">
+                <a:effectLst>
+                  <a:outerShdw dist="35921" dir="2700000" algn="ctr" rotWithShape="0">
+                    <a:schemeClr val="bg2"/>
+                  </a:outerShdw>
+                </a:effectLst>
+              </a14:hiddenEffects>
+            </a:ext>
+          </a:extLst>
+        </p:spPr>
+        <p:txBody>
+          <a:bodyPr vert="horz" wrap="none" lIns="91440" tIns="45720" rIns="91440" bIns="45720" numCol="1" anchor="ctr" anchorCtr="0" compatLnSpc="1">
+            <a:prstTxWarp prst="textNoShape">
+              <a:avLst/>
+            </a:prstTxWarp>
+            <a:spAutoFit/>
+          </a:bodyPr>
+          <a:lstStyle/>
+          <a:p>
+            <a:pPr marL="0" marR="0" lvl="0" indent="0" algn="l" defTabSz="914400" rtl="0" eaLnBrk="0" fontAlgn="base" latinLnBrk="0" hangingPunct="0">
+              <a:lnSpc>
+                <a:spcPct val="100000"/>
+              </a:lnSpc>
+              <a:spcBef>
+                <a:spcPct val="0"/>
+              </a:spcBef>
+              <a:spcAft>
+                <a:spcPct val="0"/>
+              </a:spcAft>
+              <a:buClrTx/>
+              <a:buSzTx/>
+              <a:buFontTx/>
+              <a:buNone/>
+              <a:tabLst/>
+            </a:pPr>
+            <a:br>
+              <a:rPr kumimoji="0" lang="en-CN" altLang="en-CN" sz="1800" b="0" i="0" u="none" strike="noStrike" cap="none" normalizeH="0" baseline="0">
+                <a:ln>
+                  <a:noFill/>
+                </a:ln>
+                <a:solidFill>
+                  <a:schemeClr val="tx1"/>
+                </a:solidFill>
+                <a:effectLst/>
+                <a:latin typeface="Arial" panose="020B0604020202020204" pitchFamily="34" charset="0"/>
+              </a:rPr>
+            </a:br>
+            <a:endParaRPr kumimoji="0" lang="en-CN" altLang="en-CN" sz="1800" b="0" i="0" u="none" strike="noStrike" cap="none" normalizeH="0" baseline="0">
+              <a:ln>
+                <a:noFill/>
+              </a:ln>
+              <a:solidFill>
+                <a:schemeClr val="tx1"/>
+              </a:solidFill>
+              <a:effectLst/>
+              <a:latin typeface="Arial" panose="020B0604020202020204" pitchFamily="34" charset="0"/>
+            </a:endParaRPr>
+          </a:p>
+        </p:txBody>
+      </p:sp>
+      <p:sp>
+        <p:nvSpPr>
+          <p:cNvPr id="8" name="Rectangle 5">
+            <a:extLst>
+              <a:ext uri="{FF2B5EF4-FFF2-40B4-BE49-F238E27FC236}">
+                <a16:creationId xmlns:a16="http://schemas.microsoft.com/office/drawing/2014/main" id="{195B864E-34AA-0E4E-86D8-B703411C18AB}"/>
+              </a:ext>
+            </a:extLst>
+          </p:cNvPr>
+          <p:cNvSpPr>
+            <a:spLocks noChangeArrowheads="1"/>
+          </p:cNvSpPr>
+          <p:nvPr/>
+        </p:nvSpPr>
+        <p:spPr bwMode="auto">
+          <a:xfrm>
+            <a:off x="937692" y="-2856276"/>
+            <a:ext cx="12192000" cy="0"/>
+          </a:xfrm>
+          <a:prstGeom prst="rect">
+            <a:avLst/>
+          </a:prstGeom>
+          <a:noFill/>
+          <a:ln>
+            <a:noFill/>
+          </a:ln>
+          <a:effectLst/>
+          <a:extLst>
+            <a:ext uri="{909E8E84-426E-40DD-AFC4-6F175D3DCCD1}">
+              <a14:hiddenFill xmlns:a14="http://schemas.microsoft.com/office/drawing/2010/main">
+                <a:solidFill>
+                  <a:schemeClr val="accent1"/>
+                </a:solidFill>
+              </a14:hiddenFill>
+            </a:ext>
+            <a:ext uri="{91240B29-F687-4F45-9708-019B960494DF}">
+              <a14:hiddenLine xmlns:a14="http://schemas.microsoft.com/office/drawing/2010/main" w="9525">
+                <a:solidFill>
+                  <a:schemeClr val="tx1"/>
+                </a:solidFill>
+                <a:miter lim="800000"/>
+                <a:headEnd/>
+                <a:tailEnd/>
+              </a14:hiddenLine>
+            </a:ext>
+            <a:ext uri="{AF507438-7753-43E0-B8FC-AC1667EBCBE1}">
+              <a14:hiddenEffects xmlns:a14="http://schemas.microsoft.com/office/drawing/2010/main">
+                <a:effectLst>
+                  <a:outerShdw dist="35921" dir="2700000" algn="ctr" rotWithShape="0">
+                    <a:schemeClr val="bg2"/>
+                  </a:outerShdw>
+                </a:effectLst>
+              </a14:hiddenEffects>
+            </a:ext>
+          </a:extLst>
+        </p:spPr>
+        <p:txBody>
+          <a:bodyPr vert="horz" wrap="none" lIns="91440" tIns="45720" rIns="91440" bIns="45720" numCol="1" anchor="ctr" anchorCtr="0" compatLnSpc="1">
+            <a:prstTxWarp prst="textNoShape">
+              <a:avLst/>
+            </a:prstTxWarp>
+            <a:spAutoFit/>
+          </a:bodyPr>
+          <a:lstStyle/>
+          <a:p>
+            <a:pPr marL="0" marR="0" lvl="0" indent="0" algn="l" defTabSz="914400" rtl="0" eaLnBrk="0" fontAlgn="base" latinLnBrk="0" hangingPunct="0">
+              <a:lnSpc>
+                <a:spcPct val="100000"/>
+              </a:lnSpc>
+              <a:spcBef>
+                <a:spcPct val="0"/>
+              </a:spcBef>
+              <a:spcAft>
+                <a:spcPct val="0"/>
+              </a:spcAft>
+              <a:buClrTx/>
+              <a:buSzTx/>
+              <a:buFontTx/>
+              <a:buNone/>
+              <a:tabLst/>
+            </a:pPr>
+            <a:br>
+              <a:rPr kumimoji="0" lang="en-CN" altLang="en-CN" sz="1800" b="0" i="0" u="none" strike="noStrike" cap="none" normalizeH="0" baseline="0">
+                <a:ln>
+                  <a:noFill/>
+                </a:ln>
+                <a:solidFill>
+                  <a:schemeClr val="tx1"/>
+                </a:solidFill>
+                <a:effectLst/>
+                <a:latin typeface="Arial" panose="020B0604020202020204" pitchFamily="34" charset="0"/>
+              </a:rPr>
+            </a:br>
+            <a:endParaRPr kumimoji="0" lang="en-CN" altLang="en-CN" sz="1800" b="0" i="0" u="none" strike="noStrike" cap="none" normalizeH="0" baseline="0">
+              <a:ln>
+                <a:noFill/>
+              </a:ln>
+              <a:solidFill>
+                <a:schemeClr val="tx1"/>
+              </a:solidFill>
+              <a:effectLst/>
+              <a:latin typeface="Arial" panose="020B0604020202020204" pitchFamily="34" charset="0"/>
+            </a:endParaRPr>
+          </a:p>
+        </p:txBody>
+      </p:sp>
+      <p:sp>
+        <p:nvSpPr>
+          <p:cNvPr id="15" name="Rectangle 7">
+            <a:extLst>
+              <a:ext uri="{FF2B5EF4-FFF2-40B4-BE49-F238E27FC236}">
+                <a16:creationId xmlns:a16="http://schemas.microsoft.com/office/drawing/2014/main" id="{7CE3A375-7F40-9C40-87B3-CD05E6551791}"/>
+              </a:ext>
+            </a:extLst>
+          </p:cNvPr>
+          <p:cNvSpPr>
+            <a:spLocks noChangeArrowheads="1"/>
+          </p:cNvSpPr>
+          <p:nvPr/>
+        </p:nvSpPr>
+        <p:spPr bwMode="auto">
+          <a:xfrm>
+            <a:off x="0" y="0"/>
+            <a:ext cx="12192000" cy="0"/>
+          </a:xfrm>
+          <a:prstGeom prst="rect">
+            <a:avLst/>
+          </a:prstGeom>
+          <a:noFill/>
+          <a:ln>
+            <a:noFill/>
+          </a:ln>
+          <a:effectLst/>
+          <a:extLst>
+            <a:ext uri="{909E8E84-426E-40DD-AFC4-6F175D3DCCD1}">
+              <a14:hiddenFill xmlns:a14="http://schemas.microsoft.com/office/drawing/2010/main">
+                <a:solidFill>
+                  <a:schemeClr val="accent1"/>
+                </a:solidFill>
+              </a14:hiddenFill>
+            </a:ext>
+            <a:ext uri="{91240B29-F687-4F45-9708-019B960494DF}">
+              <a14:hiddenLine xmlns:a14="http://schemas.microsoft.com/office/drawing/2010/main" w="9525">
+                <a:solidFill>
+                  <a:schemeClr val="tx1"/>
+                </a:solidFill>
+                <a:miter lim="800000"/>
+                <a:headEnd/>
+                <a:tailEnd/>
+              </a14:hiddenLine>
+            </a:ext>
+            <a:ext uri="{AF507438-7753-43E0-B8FC-AC1667EBCBE1}">
+              <a14:hiddenEffects xmlns:a14="http://schemas.microsoft.com/office/drawing/2010/main">
+                <a:effectLst>
+                  <a:outerShdw dist="35921" dir="2700000" algn="ctr" rotWithShape="0">
+                    <a:schemeClr val="bg2"/>
+                  </a:outerShdw>
+                </a:effectLst>
+              </a14:hiddenEffects>
+            </a:ext>
+          </a:extLst>
+        </p:spPr>
+        <p:txBody>
+          <a:bodyPr vert="horz" wrap="none" lIns="91440" tIns="45720" rIns="91440" bIns="45720" numCol="1" anchor="ctr" anchorCtr="0" compatLnSpc="1">
+            <a:prstTxWarp prst="textNoShape">
+              <a:avLst/>
+            </a:prstTxWarp>
+            <a:spAutoFit/>
+          </a:bodyPr>
+          <a:lstStyle/>
+          <a:p>
+            <a:pPr marL="0" marR="0" lvl="0" indent="0" algn="l" defTabSz="914400" rtl="0" eaLnBrk="0" fontAlgn="base" latinLnBrk="0" hangingPunct="0">
+              <a:lnSpc>
+                <a:spcPct val="100000"/>
+              </a:lnSpc>
+              <a:spcBef>
+                <a:spcPct val="0"/>
+              </a:spcBef>
+              <a:spcAft>
+                <a:spcPct val="0"/>
+              </a:spcAft>
+              <a:buClrTx/>
+              <a:buSzTx/>
+              <a:buFontTx/>
+              <a:buNone/>
+              <a:tabLst/>
+            </a:pPr>
+            <a:br>
+              <a:rPr kumimoji="0" lang="en-CN" altLang="en-CN" sz="1800" b="0" i="0" u="none" strike="noStrike" cap="none" normalizeH="0" baseline="0">
+                <a:ln>
+                  <a:noFill/>
+                </a:ln>
+                <a:solidFill>
+                  <a:schemeClr val="tx1"/>
+                </a:solidFill>
+                <a:effectLst/>
+                <a:latin typeface="Arial" panose="020B0604020202020204" pitchFamily="34" charset="0"/>
+              </a:rPr>
+            </a:br>
+            <a:endParaRPr kumimoji="0" lang="en-CN" altLang="en-CN" sz="1800" b="0" i="0" u="none" strike="noStrike" cap="none" normalizeH="0" baseline="0">
+              <a:ln>
+                <a:noFill/>
+              </a:ln>
+              <a:solidFill>
+                <a:schemeClr val="tx1"/>
+              </a:solidFill>
+              <a:effectLst/>
+              <a:latin typeface="Arial" panose="020B0604020202020204" pitchFamily="34" charset="0"/>
+            </a:endParaRPr>
+          </a:p>
+        </p:txBody>
+      </p:sp>
+      <p:pic>
+        <p:nvPicPr>
+          <p:cNvPr id="2050" name="Picture 2">
+            <a:extLst>
+              <a:ext uri="{FF2B5EF4-FFF2-40B4-BE49-F238E27FC236}">
+                <a16:creationId xmlns:a16="http://schemas.microsoft.com/office/drawing/2014/main" id="{895449C0-F7EF-0847-8286-3EF30B798258}"/>
+              </a:ext>
+            </a:extLst>
+          </p:cNvPr>
+          <p:cNvPicPr>
+            <a:picLocks noChangeAspect="1" noChangeArrowheads="1"/>
+          </p:cNvPicPr>
+          <p:nvPr/>
+        </p:nvPicPr>
+        <p:blipFill>
+          <a:blip r:embed="rId6">
+            <a:extLst>
+              <a:ext uri="{28A0092B-C50C-407E-A947-70E740481C1C}">
+                <a14:useLocalDpi xmlns:a14="http://schemas.microsoft.com/office/drawing/2010/main" val="0"/>
+              </a:ext>
+            </a:extLst>
+          </a:blip>
+          <a:srcRect/>
+          <a:stretch>
+            <a:fillRect/>
+          </a:stretch>
+        </p:blipFill>
+        <p:spPr bwMode="auto">
+          <a:xfrm>
+            <a:off x="1485900" y="7489825"/>
+            <a:ext cx="2347913" cy="847725"/>
+          </a:xfrm>
+          <a:prstGeom prst="rect">
+            <a:avLst/>
+          </a:prstGeom>
+          <a:noFill/>
+          <a:ln>
+            <a:noFill/>
+          </a:ln>
+          <a:extLst>
+            <a:ext uri="{909E8E84-426E-40DD-AFC4-6F175D3DCCD1}">
+              <a14:hiddenFill xmlns:a14="http://schemas.microsoft.com/office/drawing/2010/main">
+                <a:solidFill>
+                  <a:srgbClr val="FFFFFF"/>
+                </a:solidFill>
+              </a14:hiddenFill>
+            </a:ext>
+            <a:ext uri="{91240B29-F687-4F45-9708-019B960494DF}">
+              <a14:hiddenLine xmlns:a14="http://schemas.microsoft.com/office/drawing/2010/main" w="9525">
+                <a:solidFill>
+                  <a:srgbClr val="000000"/>
+                </a:solidFill>
+                <a:miter lim="800000"/>
+                <a:headEnd/>
+                <a:tailEnd/>
+              </a14:hiddenLine>
+            </a:ext>
+          </a:extLst>
+        </p:spPr>
+      </p:pic>
+      <p:pic>
+        <p:nvPicPr>
+          <p:cNvPr id="3075" name="Picture 3" descr="page8image33370032">
+            <a:extLst>
+              <a:ext uri="{FF2B5EF4-FFF2-40B4-BE49-F238E27FC236}">
+                <a16:creationId xmlns:a16="http://schemas.microsoft.com/office/drawing/2014/main" id="{0FF9C867-4F45-7B47-8591-D4E448FFDE01}"/>
+              </a:ext>
+            </a:extLst>
+          </p:cNvPr>
+          <p:cNvPicPr>
+            <a:picLocks noChangeAspect="1" noChangeArrowheads="1"/>
+          </p:cNvPicPr>
+          <p:nvPr/>
+        </p:nvPicPr>
+        <p:blipFill>
+          <a:blip r:embed="rId7">
+            <a:extLst>
+              <a:ext uri="{28A0092B-C50C-407E-A947-70E740481C1C}">
+                <a14:useLocalDpi xmlns:a14="http://schemas.microsoft.com/office/drawing/2010/main" val="0"/>
+              </a:ext>
+            </a:extLst>
+          </a:blip>
+          <a:srcRect/>
+          <a:stretch>
+            <a:fillRect/>
+          </a:stretch>
+        </p:blipFill>
+        <p:spPr bwMode="auto">
+          <a:xfrm>
+            <a:off x="807508" y="3075653"/>
+            <a:ext cx="5377968" cy="3450604"/>
+          </a:xfrm>
+          <a:prstGeom prst="rect">
+            <a:avLst/>
+          </a:prstGeom>
+          <a:noFill/>
+          <a:extLst>
+            <a:ext uri="{909E8E84-426E-40DD-AFC4-6F175D3DCCD1}">
+              <a14:hiddenFill xmlns:a14="http://schemas.microsoft.com/office/drawing/2010/main">
+                <a:solidFill>
+                  <a:srgbClr val="FFFFFF"/>
+                </a:solidFill>
+              </a14:hiddenFill>
+            </a:ext>
+          </a:extLst>
+        </p:spPr>
+      </p:pic>
+      <p:graphicFrame>
+        <p:nvGraphicFramePr>
+          <p:cNvPr id="7" name="Object 6">
+            <a:extLst>
+              <a:ext uri="{FF2B5EF4-FFF2-40B4-BE49-F238E27FC236}">
+                <a16:creationId xmlns:a16="http://schemas.microsoft.com/office/drawing/2014/main" id="{5F80556D-0371-FB46-8DB9-3F3868DE8DA0}"/>
+              </a:ext>
+            </a:extLst>
+          </p:cNvPr>
+          <p:cNvGraphicFramePr>
+            <a:graphicFrameLocks noChangeAspect="1"/>
+          </p:cNvGraphicFramePr>
+          <p:nvPr>
+            <p:extLst>
+              <p:ext uri="{D42A27DB-BD31-4B8C-83A1-F6EECF244321}">
+                <p14:modId xmlns:p14="http://schemas.microsoft.com/office/powerpoint/2010/main" val="1998668384"/>
+              </p:ext>
+            </p:extLst>
+          </p:nvPr>
+        </p:nvGraphicFramePr>
+        <p:xfrm>
+          <a:off x="6384032" y="2785230"/>
+          <a:ext cx="5413982" cy="802921"/>
+        </p:xfrm>
+        <a:graphic>
+          <a:graphicData uri="http://schemas.openxmlformats.org/presentationml/2006/ole">
+            <mc:AlternateContent xmlns:mc="http://schemas.openxmlformats.org/markup-compatibility/2006">
+              <mc:Choice xmlns:v="urn:schemas-microsoft-com:vml" Requires="v">
+                <p:oleObj spid="_x0000_s3084" r:id="rId8" imgW="106502200" imgH="16090900" progId="Equation.DSMT4">
+                  <p:embed/>
+                </p:oleObj>
+              </mc:Choice>
+              <mc:Fallback>
+                <p:oleObj r:id="rId8" imgW="106502200" imgH="16090900" progId="Equation.DSMT4">
+                  <p:embed/>
+                  <p:pic>
+                    <p:nvPicPr>
+                      <p:cNvPr id="0" name="对象 135"/>
+                      <p:cNvPicPr>
+                        <a:picLocks noChangeAspect="1" noChangeArrowheads="1"/>
+                      </p:cNvPicPr>
+                      <p:nvPr/>
+                    </p:nvPicPr>
+                    <p:blipFill>
+                      <a:blip r:embed="rId9">
+                        <a:extLst>
+                          <a:ext uri="{28A0092B-C50C-407E-A947-70E740481C1C}">
+                            <a14:useLocalDpi xmlns:a14="http://schemas.microsoft.com/office/drawing/2010/main" val="0"/>
+                          </a:ext>
+                        </a:extLst>
+                      </a:blip>
+                      <a:srcRect/>
+                      <a:stretch>
+                        <a:fillRect/>
+                      </a:stretch>
+                    </p:blipFill>
+                    <p:spPr bwMode="auto">
+                      <a:xfrm>
+                        <a:off x="6384032" y="2785230"/>
+                        <a:ext cx="5413982" cy="802921"/>
+                      </a:xfrm>
+                      <a:prstGeom prst="rect">
+                        <a:avLst/>
+                      </a:prstGeom>
+                      <a:noFill/>
+                    </p:spPr>
+                  </p:pic>
+                </p:oleObj>
+              </mc:Fallback>
+            </mc:AlternateContent>
+          </a:graphicData>
+        </a:graphic>
+      </p:graphicFrame>
+      <p:graphicFrame>
+        <p:nvGraphicFramePr>
+          <p:cNvPr id="10" name="Object 9">
+            <a:extLst>
+              <a:ext uri="{FF2B5EF4-FFF2-40B4-BE49-F238E27FC236}">
+                <a16:creationId xmlns:a16="http://schemas.microsoft.com/office/drawing/2014/main" id="{87E842A9-9A4B-0449-8357-AA2DAA1D8450}"/>
+              </a:ext>
+            </a:extLst>
+          </p:cNvPr>
+          <p:cNvGraphicFramePr>
+            <a:graphicFrameLocks noChangeAspect="1"/>
+          </p:cNvGraphicFramePr>
+          <p:nvPr>
+            <p:extLst>
+              <p:ext uri="{D42A27DB-BD31-4B8C-83A1-F6EECF244321}">
+                <p14:modId xmlns:p14="http://schemas.microsoft.com/office/powerpoint/2010/main" val="711508975"/>
+              </p:ext>
+            </p:extLst>
+          </p:nvPr>
+        </p:nvGraphicFramePr>
+        <p:xfrm>
+          <a:off x="6384032" y="3784980"/>
+          <a:ext cx="5459863" cy="2592288"/>
+        </p:xfrm>
+        <a:graphic>
+          <a:graphicData uri="http://schemas.openxmlformats.org/presentationml/2006/ole">
+            <mc:AlternateContent xmlns:mc="http://schemas.openxmlformats.org/markup-compatibility/2006">
+              <mc:Choice xmlns:v="urn:schemas-microsoft-com:vml" Requires="v">
+                <p:oleObj spid="_x0000_s3085" r:id="rId10" imgW="114401600" imgH="53835300" progId="Equation.DSMT4">
+                  <p:embed/>
+                </p:oleObj>
+              </mc:Choice>
+              <mc:Fallback>
+                <p:oleObj r:id="rId10" imgW="114401600" imgH="53835300" progId="Equation.DSMT4">
+                  <p:embed/>
+                  <p:pic>
+                    <p:nvPicPr>
+                      <p:cNvPr id="0" name="对象 97"/>
+                      <p:cNvPicPr>
+                        <a:picLocks noChangeAspect="1" noChangeArrowheads="1"/>
+                      </p:cNvPicPr>
+                      <p:nvPr/>
+                    </p:nvPicPr>
+                    <p:blipFill>
+                      <a:blip r:embed="rId11">
+                        <a:extLst>
+                          <a:ext uri="{28A0092B-C50C-407E-A947-70E740481C1C}">
+                            <a14:useLocalDpi xmlns:a14="http://schemas.microsoft.com/office/drawing/2010/main" val="0"/>
+                          </a:ext>
+                        </a:extLst>
+                      </a:blip>
+                      <a:srcRect/>
+                      <a:stretch>
+                        <a:fillRect/>
+                      </a:stretch>
+                    </p:blipFill>
+                    <p:spPr bwMode="auto">
+                      <a:xfrm>
+                        <a:off x="6384032" y="3784980"/>
+                        <a:ext cx="5459863" cy="2592288"/>
+                      </a:xfrm>
+                      <a:prstGeom prst="rect">
+                        <a:avLst/>
+                      </a:prstGeom>
+                      <a:noFill/>
+                    </p:spPr>
+                  </p:pic>
+                </p:oleObj>
+              </mc:Fallback>
+            </mc:AlternateContent>
+          </a:graphicData>
+        </a:graphic>
+      </p:graphicFrame>
+      <p:sp>
+        <p:nvSpPr>
+          <p:cNvPr id="20" name="矩形 11">
+            <a:extLst>
+              <a:ext uri="{FF2B5EF4-FFF2-40B4-BE49-F238E27FC236}">
+                <a16:creationId xmlns:a16="http://schemas.microsoft.com/office/drawing/2014/main" id="{C8E4DE0B-CCDF-2848-A02A-6493EB3EA5E3}"/>
+              </a:ext>
+            </a:extLst>
+          </p:cNvPr>
+          <p:cNvSpPr/>
+          <p:nvPr/>
+        </p:nvSpPr>
+        <p:spPr>
+          <a:xfrm>
+            <a:off x="866637" y="1494807"/>
+            <a:ext cx="1690830" cy="334628"/>
+          </a:xfrm>
+          <a:prstGeom prst="rect">
+            <a:avLst/>
+          </a:prstGeom>
+          <a:solidFill>
+            <a:srgbClr val="0553A7"/>
+          </a:solidFill>
+          <a:ln>
+            <a:noFill/>
+          </a:ln>
+        </p:spPr>
+        <p:style>
+          <a:lnRef idx="2">
+            <a:schemeClr val="accent1">
+              <a:shade val="50000"/>
+            </a:schemeClr>
+          </a:lnRef>
+          <a:fillRef idx="1">
+            <a:schemeClr val="accent1"/>
+          </a:fillRef>
+          <a:effectRef idx="0">
+            <a:schemeClr val="accent1"/>
+          </a:effectRef>
+          <a:fontRef idx="minor">
+            <a:schemeClr val="lt1"/>
+          </a:fontRef>
+        </p:style>
+        <p:txBody>
+          <a:bodyPr rtlCol="0" anchor="ctr"/>
+          <a:lstStyle/>
+          <a:p>
+            <a:pPr algn="ctr"/>
+            <a:endParaRPr lang="zh-CN" altLang="en-US"/>
+          </a:p>
+        </p:txBody>
+      </p:sp>
+      <p:sp>
+        <p:nvSpPr>
+          <p:cNvPr id="21" name="矩形 12">
+            <a:extLst>
+              <a:ext uri="{FF2B5EF4-FFF2-40B4-BE49-F238E27FC236}">
+                <a16:creationId xmlns:a16="http://schemas.microsoft.com/office/drawing/2014/main" id="{478D3D21-5DD2-6F48-A08B-5F7B2DE30721}"/>
+              </a:ext>
+            </a:extLst>
+          </p:cNvPr>
+          <p:cNvSpPr/>
+          <p:nvPr/>
+        </p:nvSpPr>
+        <p:spPr>
+          <a:xfrm>
+            <a:off x="886594" y="1715188"/>
+            <a:ext cx="10597764" cy="840482"/>
+          </a:xfrm>
+          <a:prstGeom prst="rect">
+            <a:avLst/>
+          </a:prstGeom>
+          <a:noFill/>
+          <a:ln w="38100">
+            <a:solidFill>
+              <a:srgbClr val="0553A7"/>
+            </a:solidFill>
+          </a:ln>
+        </p:spPr>
+        <p:style>
+          <a:lnRef idx="2">
+            <a:schemeClr val="accent1">
+              <a:shade val="50000"/>
+            </a:schemeClr>
+          </a:lnRef>
+          <a:fillRef idx="1">
+            <a:schemeClr val="accent1"/>
+          </a:fillRef>
+          <a:effectRef idx="0">
+            <a:schemeClr val="accent1"/>
+          </a:effectRef>
+          <a:fontRef idx="minor">
+            <a:schemeClr val="lt1"/>
+          </a:fontRef>
+        </p:style>
+        <p:txBody>
+          <a:bodyPr rtlCol="0" anchor="ctr"/>
+          <a:lstStyle/>
+          <a:p>
+            <a:pPr algn="ctr"/>
+            <a:endParaRPr lang="zh-CN" altLang="en-US"/>
+          </a:p>
+        </p:txBody>
+      </p:sp>
+    </p:spTree>
+    <p:extLst>
+      <p:ext uri="{BB962C8B-B14F-4D97-AF65-F5344CB8AC3E}">
         <p14:creationId xmlns:p14="http://schemas.microsoft.com/office/powerpoint/2010/main" val="678498820"/>
       </p:ext>
     </p:extLst>
@@ -10405,7 +11601,612 @@
 </p:sld>
 </file>
 
-<file path=ppt/slides/slide21.xml><?xml version="1.0" encoding="utf-8"?>
+<file path=ppt/slides/slide22.xml><?xml version="1.0" encoding="utf-8"?>
+<p:sld xmlns:a="http://schemas.openxmlformats.org/drawingml/2006/main" xmlns:r="http://schemas.openxmlformats.org/officeDocument/2006/relationships" xmlns:p="http://schemas.openxmlformats.org/presentationml/2006/main">
+  <p:cSld>
+    <p:spTree>
+      <p:nvGrpSpPr>
+        <p:cNvPr id="1" name=""/>
+        <p:cNvGrpSpPr/>
+        <p:nvPr/>
+      </p:nvGrpSpPr>
+      <p:grpSpPr>
+        <a:xfrm>
+          <a:off x="0" y="0"/>
+          <a:ext cx="0" cy="0"/>
+          <a:chOff x="0" y="0"/>
+          <a:chExt cx="0" cy="0"/>
+        </a:xfrm>
+      </p:grpSpPr>
+      <p:pic>
+        <p:nvPicPr>
+          <p:cNvPr id="3" name="图片 2"/>
+          <p:cNvPicPr>
+            <a:picLocks noChangeAspect="1"/>
+          </p:cNvPicPr>
+          <p:nvPr/>
+        </p:nvPicPr>
+        <p:blipFill>
+          <a:blip r:embed="rId3" cstate="print">
+            <a:extLst>
+              <a:ext uri="{28A0092B-C50C-407E-A947-70E740481C1C}">
+                <a14:useLocalDpi xmlns:a14="http://schemas.microsoft.com/office/drawing/2010/main" val="0"/>
+              </a:ext>
+            </a:extLst>
+          </a:blip>
+          <a:stretch>
+            <a:fillRect/>
+          </a:stretch>
+        </p:blipFill>
+        <p:spPr>
+          <a:xfrm>
+            <a:off x="-44279" y="-12299"/>
+            <a:ext cx="12274379" cy="6848346"/>
+          </a:xfrm>
+          <a:prstGeom prst="rect">
+            <a:avLst/>
+          </a:prstGeom>
+          <a:solidFill>
+            <a:schemeClr val="bg1"/>
+          </a:solidFill>
+        </p:spPr>
+      </p:pic>
+      <p:sp>
+        <p:nvSpPr>
+          <p:cNvPr id="2" name="矩形 1"/>
+          <p:cNvSpPr/>
+          <p:nvPr/>
+        </p:nvSpPr>
+        <p:spPr>
+          <a:xfrm>
+            <a:off x="-58058" y="1"/>
+            <a:ext cx="12308115" cy="1175656"/>
+          </a:xfrm>
+          <a:prstGeom prst="rect">
+            <a:avLst/>
+          </a:prstGeom>
+          <a:solidFill>
+            <a:srgbClr val="0553A7"/>
+          </a:solidFill>
+          <a:ln>
+            <a:noFill/>
+          </a:ln>
+        </p:spPr>
+        <p:style>
+          <a:lnRef idx="2">
+            <a:schemeClr val="accent1">
+              <a:shade val="50000"/>
+            </a:schemeClr>
+          </a:lnRef>
+          <a:fillRef idx="1">
+            <a:schemeClr val="accent1"/>
+          </a:fillRef>
+          <a:effectRef idx="0">
+            <a:schemeClr val="accent1"/>
+          </a:effectRef>
+          <a:fontRef idx="minor">
+            <a:schemeClr val="lt1"/>
+          </a:fontRef>
+        </p:style>
+        <p:txBody>
+          <a:bodyPr rtlCol="0" anchor="ctr"/>
+          <a:lstStyle/>
+          <a:p>
+            <a:pPr algn="ctr"/>
+            <a:endParaRPr lang="zh-CN" altLang="en-US" sz="1400"/>
+          </a:p>
+        </p:txBody>
+      </p:sp>
+      <p:sp>
+        <p:nvSpPr>
+          <p:cNvPr id="4" name="文本框 3"/>
+          <p:cNvSpPr txBox="1"/>
+          <p:nvPr/>
+        </p:nvSpPr>
+        <p:spPr>
+          <a:xfrm>
+            <a:off x="612103" y="256254"/>
+            <a:ext cx="6780041" cy="584775"/>
+          </a:xfrm>
+          <a:prstGeom prst="rect">
+            <a:avLst/>
+          </a:prstGeom>
+          <a:noFill/>
+        </p:spPr>
+        <p:txBody>
+          <a:bodyPr wrap="square" rtlCol="0">
+            <a:spAutoFit/>
+          </a:bodyPr>
+          <a:lstStyle/>
+          <a:p>
+            <a:r>
+              <a:rPr lang="zh-CN" altLang="en-US" sz="3200" b="1" dirty="0">
+                <a:solidFill>
+                  <a:schemeClr val="bg1"/>
+                </a:solidFill>
+                <a:latin typeface="微软雅黑" panose="020B0503020204020204" pitchFamily="34" charset="-122"/>
+                <a:ea typeface="微软雅黑" panose="020B0503020204020204" pitchFamily="34" charset="-122"/>
+              </a:rPr>
+              <a:t>基于序列相似性的异常检测</a:t>
+            </a:r>
+          </a:p>
+        </p:txBody>
+      </p:sp>
+      <p:sp>
+        <p:nvSpPr>
+          <p:cNvPr id="9" name="等腰三角形 8"/>
+          <p:cNvSpPr/>
+          <p:nvPr/>
+        </p:nvSpPr>
+        <p:spPr>
+          <a:xfrm rot="10800000">
+            <a:off x="1030384" y="1118820"/>
+            <a:ext cx="290416" cy="178103"/>
+          </a:xfrm>
+          <a:prstGeom prst="triangle">
+            <a:avLst/>
+          </a:prstGeom>
+          <a:solidFill>
+            <a:srgbClr val="0553A7"/>
+          </a:solidFill>
+          <a:ln>
+            <a:noFill/>
+          </a:ln>
+        </p:spPr>
+        <p:style>
+          <a:lnRef idx="2">
+            <a:schemeClr val="accent1">
+              <a:shade val="50000"/>
+            </a:schemeClr>
+          </a:lnRef>
+          <a:fillRef idx="1">
+            <a:schemeClr val="accent1"/>
+          </a:fillRef>
+          <a:effectRef idx="0">
+            <a:schemeClr val="accent1"/>
+          </a:effectRef>
+          <a:fontRef idx="minor">
+            <a:schemeClr val="lt1"/>
+          </a:fontRef>
+        </p:style>
+        <p:txBody>
+          <a:bodyPr rot="0" spcFirstLastPara="0" vertOverflow="overflow" horzOverflow="overflow" vert="horz" wrap="square" lIns="91440" tIns="45720" rIns="91440" bIns="45720" numCol="1" spcCol="0" rtlCol="0" fromWordArt="0" anchor="ctr" anchorCtr="0" forceAA="0" compatLnSpc="1">
+            <a:prstTxWarp prst="textNoShape">
+              <a:avLst/>
+            </a:prstTxWarp>
+            <a:noAutofit/>
+          </a:bodyPr>
+          <a:lstStyle/>
+          <a:p>
+            <a:pPr algn="ctr"/>
+            <a:endParaRPr lang="zh-CN" altLang="en-US" sz="1400"/>
+          </a:p>
+        </p:txBody>
+      </p:sp>
+      <p:pic>
+        <p:nvPicPr>
+          <p:cNvPr id="18" name="图片 17"/>
+          <p:cNvPicPr>
+            <a:picLocks noChangeAspect="1"/>
+          </p:cNvPicPr>
+          <p:nvPr/>
+        </p:nvPicPr>
+        <p:blipFill>
+          <a:blip r:embed="rId4"/>
+          <a:stretch>
+            <a:fillRect/>
+          </a:stretch>
+        </p:blipFill>
+        <p:spPr>
+          <a:xfrm>
+            <a:off x="-11100312" y="636177"/>
+            <a:ext cx="10382250" cy="5762625"/>
+          </a:xfrm>
+          <a:prstGeom prst="rect">
+            <a:avLst/>
+          </a:prstGeom>
+          <a:ln>
+            <a:solidFill>
+              <a:schemeClr val="tx1">
+                <a:lumMod val="85000"/>
+                <a:lumOff val="15000"/>
+              </a:schemeClr>
+            </a:solidFill>
+          </a:ln>
+        </p:spPr>
+      </p:pic>
+      <p:sp>
+        <p:nvSpPr>
+          <p:cNvPr id="11" name="Rectangle 6">
+            <a:extLst>
+              <a:ext uri="{FF2B5EF4-FFF2-40B4-BE49-F238E27FC236}">
+                <a16:creationId xmlns:a16="http://schemas.microsoft.com/office/drawing/2014/main" id="{0EDEE9BA-C535-3843-9F3C-77328D4A10C5}"/>
+              </a:ext>
+            </a:extLst>
+          </p:cNvPr>
+          <p:cNvSpPr>
+            <a:spLocks noChangeArrowheads="1"/>
+          </p:cNvSpPr>
+          <p:nvPr/>
+        </p:nvSpPr>
+        <p:spPr bwMode="auto">
+          <a:xfrm>
+            <a:off x="807508" y="-2683873"/>
+            <a:ext cx="12192000" cy="0"/>
+          </a:xfrm>
+          <a:prstGeom prst="rect">
+            <a:avLst/>
+          </a:prstGeom>
+          <a:noFill/>
+          <a:ln>
+            <a:noFill/>
+          </a:ln>
+          <a:effectLst/>
+          <a:extLst>
+            <a:ext uri="{909E8E84-426E-40DD-AFC4-6F175D3DCCD1}">
+              <a14:hiddenFill xmlns:a14="http://schemas.microsoft.com/office/drawing/2010/main">
+                <a:solidFill>
+                  <a:schemeClr val="accent1"/>
+                </a:solidFill>
+              </a14:hiddenFill>
+            </a:ext>
+            <a:ext uri="{91240B29-F687-4F45-9708-019B960494DF}">
+              <a14:hiddenLine xmlns:a14="http://schemas.microsoft.com/office/drawing/2010/main" w="9525">
+                <a:solidFill>
+                  <a:schemeClr val="tx1"/>
+                </a:solidFill>
+                <a:miter lim="800000"/>
+                <a:headEnd/>
+                <a:tailEnd/>
+              </a14:hiddenLine>
+            </a:ext>
+            <a:ext uri="{AF507438-7753-43E0-B8FC-AC1667EBCBE1}">
+              <a14:hiddenEffects xmlns:a14="http://schemas.microsoft.com/office/drawing/2010/main">
+                <a:effectLst>
+                  <a:outerShdw dist="35921" dir="2700000" algn="ctr" rotWithShape="0">
+                    <a:schemeClr val="bg2"/>
+                  </a:outerShdw>
+                </a:effectLst>
+              </a14:hiddenEffects>
+            </a:ext>
+          </a:extLst>
+        </p:spPr>
+        <p:txBody>
+          <a:bodyPr vert="horz" wrap="none" lIns="91440" tIns="45720" rIns="91440" bIns="45720" numCol="1" anchor="ctr" anchorCtr="0" compatLnSpc="1">
+            <a:prstTxWarp prst="textNoShape">
+              <a:avLst/>
+            </a:prstTxWarp>
+            <a:spAutoFit/>
+          </a:bodyPr>
+          <a:lstStyle/>
+          <a:p>
+            <a:pPr marL="0" marR="0" lvl="0" indent="0" algn="l" defTabSz="914400" rtl="0" eaLnBrk="0" fontAlgn="base" latinLnBrk="0" hangingPunct="0">
+              <a:lnSpc>
+                <a:spcPct val="100000"/>
+              </a:lnSpc>
+              <a:spcBef>
+                <a:spcPct val="0"/>
+              </a:spcBef>
+              <a:spcAft>
+                <a:spcPct val="0"/>
+              </a:spcAft>
+              <a:buClrTx/>
+              <a:buSzTx/>
+              <a:buFontTx/>
+              <a:buNone/>
+              <a:tabLst/>
+            </a:pPr>
+            <a:br>
+              <a:rPr kumimoji="0" lang="en-CN" altLang="en-CN" sz="1800" b="0" i="0" u="none" strike="noStrike" cap="none" normalizeH="0" baseline="0">
+                <a:ln>
+                  <a:noFill/>
+                </a:ln>
+                <a:solidFill>
+                  <a:schemeClr val="tx1"/>
+                </a:solidFill>
+                <a:effectLst/>
+                <a:latin typeface="Arial" panose="020B0604020202020204" pitchFamily="34" charset="0"/>
+              </a:rPr>
+            </a:br>
+            <a:endParaRPr kumimoji="0" lang="en-CN" altLang="en-CN" sz="1800" b="0" i="0" u="none" strike="noStrike" cap="none" normalizeH="0" baseline="0">
+              <a:ln>
+                <a:noFill/>
+              </a:ln>
+              <a:solidFill>
+                <a:schemeClr val="tx1"/>
+              </a:solidFill>
+              <a:effectLst/>
+              <a:latin typeface="Arial" panose="020B0604020202020204" pitchFamily="34" charset="0"/>
+            </a:endParaRPr>
+          </a:p>
+        </p:txBody>
+      </p:sp>
+      <p:sp>
+        <p:nvSpPr>
+          <p:cNvPr id="8" name="Rectangle 5">
+            <a:extLst>
+              <a:ext uri="{FF2B5EF4-FFF2-40B4-BE49-F238E27FC236}">
+                <a16:creationId xmlns:a16="http://schemas.microsoft.com/office/drawing/2014/main" id="{195B864E-34AA-0E4E-86D8-B703411C18AB}"/>
+              </a:ext>
+            </a:extLst>
+          </p:cNvPr>
+          <p:cNvSpPr>
+            <a:spLocks noChangeArrowheads="1"/>
+          </p:cNvSpPr>
+          <p:nvPr/>
+        </p:nvSpPr>
+        <p:spPr bwMode="auto">
+          <a:xfrm>
+            <a:off x="937692" y="-2856276"/>
+            <a:ext cx="12192000" cy="0"/>
+          </a:xfrm>
+          <a:prstGeom prst="rect">
+            <a:avLst/>
+          </a:prstGeom>
+          <a:noFill/>
+          <a:ln>
+            <a:noFill/>
+          </a:ln>
+          <a:effectLst/>
+          <a:extLst>
+            <a:ext uri="{909E8E84-426E-40DD-AFC4-6F175D3DCCD1}">
+              <a14:hiddenFill xmlns:a14="http://schemas.microsoft.com/office/drawing/2010/main">
+                <a:solidFill>
+                  <a:schemeClr val="accent1"/>
+                </a:solidFill>
+              </a14:hiddenFill>
+            </a:ext>
+            <a:ext uri="{91240B29-F687-4F45-9708-019B960494DF}">
+              <a14:hiddenLine xmlns:a14="http://schemas.microsoft.com/office/drawing/2010/main" w="9525">
+                <a:solidFill>
+                  <a:schemeClr val="tx1"/>
+                </a:solidFill>
+                <a:miter lim="800000"/>
+                <a:headEnd/>
+                <a:tailEnd/>
+              </a14:hiddenLine>
+            </a:ext>
+            <a:ext uri="{AF507438-7753-43E0-B8FC-AC1667EBCBE1}">
+              <a14:hiddenEffects xmlns:a14="http://schemas.microsoft.com/office/drawing/2010/main">
+                <a:effectLst>
+                  <a:outerShdw dist="35921" dir="2700000" algn="ctr" rotWithShape="0">
+                    <a:schemeClr val="bg2"/>
+                  </a:outerShdw>
+                </a:effectLst>
+              </a14:hiddenEffects>
+            </a:ext>
+          </a:extLst>
+        </p:spPr>
+        <p:txBody>
+          <a:bodyPr vert="horz" wrap="none" lIns="91440" tIns="45720" rIns="91440" bIns="45720" numCol="1" anchor="ctr" anchorCtr="0" compatLnSpc="1">
+            <a:prstTxWarp prst="textNoShape">
+              <a:avLst/>
+            </a:prstTxWarp>
+            <a:spAutoFit/>
+          </a:bodyPr>
+          <a:lstStyle/>
+          <a:p>
+            <a:pPr marL="0" marR="0" lvl="0" indent="0" algn="l" defTabSz="914400" rtl="0" eaLnBrk="0" fontAlgn="base" latinLnBrk="0" hangingPunct="0">
+              <a:lnSpc>
+                <a:spcPct val="100000"/>
+              </a:lnSpc>
+              <a:spcBef>
+                <a:spcPct val="0"/>
+              </a:spcBef>
+              <a:spcAft>
+                <a:spcPct val="0"/>
+              </a:spcAft>
+              <a:buClrTx/>
+              <a:buSzTx/>
+              <a:buFontTx/>
+              <a:buNone/>
+              <a:tabLst/>
+            </a:pPr>
+            <a:br>
+              <a:rPr kumimoji="0" lang="en-CN" altLang="en-CN" sz="1800" b="0" i="0" u="none" strike="noStrike" cap="none" normalizeH="0" baseline="0">
+                <a:ln>
+                  <a:noFill/>
+                </a:ln>
+                <a:solidFill>
+                  <a:schemeClr val="tx1"/>
+                </a:solidFill>
+                <a:effectLst/>
+                <a:latin typeface="Arial" panose="020B0604020202020204" pitchFamily="34" charset="0"/>
+              </a:rPr>
+            </a:br>
+            <a:endParaRPr kumimoji="0" lang="en-CN" altLang="en-CN" sz="1800" b="0" i="0" u="none" strike="noStrike" cap="none" normalizeH="0" baseline="0">
+              <a:ln>
+                <a:noFill/>
+              </a:ln>
+              <a:solidFill>
+                <a:schemeClr val="tx1"/>
+              </a:solidFill>
+              <a:effectLst/>
+              <a:latin typeface="Arial" panose="020B0604020202020204" pitchFamily="34" charset="0"/>
+            </a:endParaRPr>
+          </a:p>
+        </p:txBody>
+      </p:sp>
+      <p:sp>
+        <p:nvSpPr>
+          <p:cNvPr id="15" name="Rectangle 7">
+            <a:extLst>
+              <a:ext uri="{FF2B5EF4-FFF2-40B4-BE49-F238E27FC236}">
+                <a16:creationId xmlns:a16="http://schemas.microsoft.com/office/drawing/2014/main" id="{7CE3A375-7F40-9C40-87B3-CD05E6551791}"/>
+              </a:ext>
+            </a:extLst>
+          </p:cNvPr>
+          <p:cNvSpPr>
+            <a:spLocks noChangeArrowheads="1"/>
+          </p:cNvSpPr>
+          <p:nvPr/>
+        </p:nvSpPr>
+        <p:spPr bwMode="auto">
+          <a:xfrm>
+            <a:off x="0" y="0"/>
+            <a:ext cx="12192000" cy="0"/>
+          </a:xfrm>
+          <a:prstGeom prst="rect">
+            <a:avLst/>
+          </a:prstGeom>
+          <a:noFill/>
+          <a:ln>
+            <a:noFill/>
+          </a:ln>
+          <a:effectLst/>
+          <a:extLst>
+            <a:ext uri="{909E8E84-426E-40DD-AFC4-6F175D3DCCD1}">
+              <a14:hiddenFill xmlns:a14="http://schemas.microsoft.com/office/drawing/2010/main">
+                <a:solidFill>
+                  <a:schemeClr val="accent1"/>
+                </a:solidFill>
+              </a14:hiddenFill>
+            </a:ext>
+            <a:ext uri="{91240B29-F687-4F45-9708-019B960494DF}">
+              <a14:hiddenLine xmlns:a14="http://schemas.microsoft.com/office/drawing/2010/main" w="9525">
+                <a:solidFill>
+                  <a:schemeClr val="tx1"/>
+                </a:solidFill>
+                <a:miter lim="800000"/>
+                <a:headEnd/>
+                <a:tailEnd/>
+              </a14:hiddenLine>
+            </a:ext>
+            <a:ext uri="{AF507438-7753-43E0-B8FC-AC1667EBCBE1}">
+              <a14:hiddenEffects xmlns:a14="http://schemas.microsoft.com/office/drawing/2010/main">
+                <a:effectLst>
+                  <a:outerShdw dist="35921" dir="2700000" algn="ctr" rotWithShape="0">
+                    <a:schemeClr val="bg2"/>
+                  </a:outerShdw>
+                </a:effectLst>
+              </a14:hiddenEffects>
+            </a:ext>
+          </a:extLst>
+        </p:spPr>
+        <p:txBody>
+          <a:bodyPr vert="horz" wrap="none" lIns="91440" tIns="45720" rIns="91440" bIns="45720" numCol="1" anchor="ctr" anchorCtr="0" compatLnSpc="1">
+            <a:prstTxWarp prst="textNoShape">
+              <a:avLst/>
+            </a:prstTxWarp>
+            <a:spAutoFit/>
+          </a:bodyPr>
+          <a:lstStyle/>
+          <a:p>
+            <a:pPr marL="0" marR="0" lvl="0" indent="0" algn="l" defTabSz="914400" rtl="0" eaLnBrk="0" fontAlgn="base" latinLnBrk="0" hangingPunct="0">
+              <a:lnSpc>
+                <a:spcPct val="100000"/>
+              </a:lnSpc>
+              <a:spcBef>
+                <a:spcPct val="0"/>
+              </a:spcBef>
+              <a:spcAft>
+                <a:spcPct val="0"/>
+              </a:spcAft>
+              <a:buClrTx/>
+              <a:buSzTx/>
+              <a:buFontTx/>
+              <a:buNone/>
+              <a:tabLst/>
+            </a:pPr>
+            <a:br>
+              <a:rPr kumimoji="0" lang="en-CN" altLang="en-CN" sz="1800" b="0" i="0" u="none" strike="noStrike" cap="none" normalizeH="0" baseline="0">
+                <a:ln>
+                  <a:noFill/>
+                </a:ln>
+                <a:solidFill>
+                  <a:schemeClr val="tx1"/>
+                </a:solidFill>
+                <a:effectLst/>
+                <a:latin typeface="Arial" panose="020B0604020202020204" pitchFamily="34" charset="0"/>
+              </a:rPr>
+            </a:br>
+            <a:endParaRPr kumimoji="0" lang="en-CN" altLang="en-CN" sz="1800" b="0" i="0" u="none" strike="noStrike" cap="none" normalizeH="0" baseline="0">
+              <a:ln>
+                <a:noFill/>
+              </a:ln>
+              <a:solidFill>
+                <a:schemeClr val="tx1"/>
+              </a:solidFill>
+              <a:effectLst/>
+              <a:latin typeface="Arial" panose="020B0604020202020204" pitchFamily="34" charset="0"/>
+            </a:endParaRPr>
+          </a:p>
+        </p:txBody>
+      </p:sp>
+      <p:pic>
+        <p:nvPicPr>
+          <p:cNvPr id="2050" name="Picture 2">
+            <a:extLst>
+              <a:ext uri="{FF2B5EF4-FFF2-40B4-BE49-F238E27FC236}">
+                <a16:creationId xmlns:a16="http://schemas.microsoft.com/office/drawing/2014/main" id="{895449C0-F7EF-0847-8286-3EF30B798258}"/>
+              </a:ext>
+            </a:extLst>
+          </p:cNvPr>
+          <p:cNvPicPr>
+            <a:picLocks noChangeAspect="1" noChangeArrowheads="1"/>
+          </p:cNvPicPr>
+          <p:nvPr/>
+        </p:nvPicPr>
+        <p:blipFill>
+          <a:blip r:embed="rId5">
+            <a:extLst>
+              <a:ext uri="{28A0092B-C50C-407E-A947-70E740481C1C}">
+                <a14:useLocalDpi xmlns:a14="http://schemas.microsoft.com/office/drawing/2010/main" val="0"/>
+              </a:ext>
+            </a:extLst>
+          </a:blip>
+          <a:srcRect/>
+          <a:stretch>
+            <a:fillRect/>
+          </a:stretch>
+        </p:blipFill>
+        <p:spPr bwMode="auto">
+          <a:xfrm>
+            <a:off x="1485900" y="7489825"/>
+            <a:ext cx="2347913" cy="847725"/>
+          </a:xfrm>
+          <a:prstGeom prst="rect">
+            <a:avLst/>
+          </a:prstGeom>
+          <a:noFill/>
+          <a:ln>
+            <a:noFill/>
+          </a:ln>
+          <a:extLst>
+            <a:ext uri="{909E8E84-426E-40DD-AFC4-6F175D3DCCD1}">
+              <a14:hiddenFill xmlns:a14="http://schemas.microsoft.com/office/drawing/2010/main">
+                <a:solidFill>
+                  <a:srgbClr val="FFFFFF"/>
+                </a:solidFill>
+              </a14:hiddenFill>
+            </a:ext>
+            <a:ext uri="{91240B29-F687-4F45-9708-019B960494DF}">
+              <a14:hiddenLine xmlns:a14="http://schemas.microsoft.com/office/drawing/2010/main" w="9525">
+                <a:solidFill>
+                  <a:srgbClr val="000000"/>
+                </a:solidFill>
+                <a:miter lim="800000"/>
+                <a:headEnd/>
+                <a:tailEnd/>
+              </a14:hiddenLine>
+            </a:ext>
+          </a:extLst>
+        </p:spPr>
+      </p:pic>
+    </p:spTree>
+    <p:extLst>
+      <p:ext uri="{BB962C8B-B14F-4D97-AF65-F5344CB8AC3E}">
+        <p14:creationId xmlns:p14="http://schemas.microsoft.com/office/powerpoint/2010/main" val="3489618674"/>
+      </p:ext>
+    </p:extLst>
+  </p:cSld>
+  <p:clrMapOvr>
+    <a:masterClrMapping/>
+  </p:clrMapOvr>
+</p:sld>
+</file>
+
+<file path=ppt/slides/slide23.xml><?xml version="1.0" encoding="utf-8"?>
 <p:sld xmlns:a="http://schemas.openxmlformats.org/drawingml/2006/main" xmlns:r="http://schemas.openxmlformats.org/officeDocument/2006/relationships" xmlns:p="http://schemas.openxmlformats.org/presentationml/2006/main">
   <p:cSld>
     <p:spTree>
@@ -11028,7 +12829,14 @@
           <a:lstStyle/>
           <a:p>
             <a:pPr algn="ctr"/>
-            <a:endParaRPr lang="zh-CN" altLang="en-US"/>
+            <a:r>
+              <a:rPr lang="zh-CN" altLang="en-US" dirty="0">
+                <a:solidFill>
+                  <a:schemeClr val="tx1"/>
+                </a:solidFill>
+              </a:rPr>
+              <a:t>系统日志是记录现代系统中硬件、软件和系统问题的信息，同时还可以监视系统中发生的事件</a:t>
+            </a:r>
           </a:p>
         </p:txBody>
       </p:sp>
@@ -11103,45 +12911,6 @@
           </a:ln>
         </p:spPr>
       </p:pic>
-      <p:sp>
-        <p:nvSpPr>
-          <p:cNvPr id="10" name="TextBox 9">
-            <a:extLst>
-              <a:ext uri="{FF2B5EF4-FFF2-40B4-BE49-F238E27FC236}">
-                <a16:creationId xmlns:a16="http://schemas.microsoft.com/office/drawing/2014/main" id="{AB3CED70-C0B8-A842-8757-FDF2DA91EEC7}"/>
-              </a:ext>
-            </a:extLst>
-          </p:cNvPr>
-          <p:cNvSpPr txBox="1"/>
-          <p:nvPr/>
-        </p:nvSpPr>
-        <p:spPr>
-          <a:xfrm>
-            <a:off x="1114221" y="5029588"/>
-            <a:ext cx="9593528" cy="830997"/>
-          </a:xfrm>
-          <a:prstGeom prst="rect">
-            <a:avLst/>
-          </a:prstGeom>
-          <a:noFill/>
-        </p:spPr>
-        <p:txBody>
-          <a:bodyPr wrap="square" rtlCol="0">
-            <a:spAutoFit/>
-          </a:bodyPr>
-          <a:lstStyle/>
-          <a:p>
-            <a:r>
-              <a:rPr lang="zh-CN" altLang="en-US" sz="2400" dirty="0"/>
-              <a:t>       系统日志是记录现代系统中硬件、软件和系统问题的信息，同时还可以监视系统中发生的事件。</a:t>
-            </a:r>
-            <a:r>
-              <a:rPr lang="en-CN" sz="2400" dirty="0"/>
-              <a:t> </a:t>
-            </a:r>
-          </a:p>
-        </p:txBody>
-      </p:sp>
     </p:spTree>
     <p:extLst>
       <p:ext uri="{BB962C8B-B14F-4D97-AF65-F5344CB8AC3E}">
@@ -11915,7 +13684,43 @@
           <a:lstStyle/>
           <a:p>
             <a:pPr algn="ctr"/>
-            <a:endParaRPr lang="zh-CN" altLang="en-US"/>
+            <a:r>
+              <a:rPr lang="zh-CN" altLang="en-CN" dirty="0">
+                <a:solidFill>
+                  <a:schemeClr val="tx1"/>
+                </a:solidFill>
+              </a:rPr>
+              <a:t>日志</a:t>
+            </a:r>
+            <a:r>
+              <a:rPr lang="zh-CN" altLang="en-US" dirty="0">
+                <a:solidFill>
+                  <a:schemeClr val="tx1"/>
+                </a:solidFill>
+              </a:rPr>
+              <a:t>搜集系统采用</a:t>
+            </a:r>
+            <a:r>
+              <a:rPr lang="en-US" altLang="zh-CN" dirty="0">
+                <a:solidFill>
+                  <a:schemeClr val="tx1"/>
+                </a:solidFill>
+              </a:rPr>
+              <a:t>ELK</a:t>
+            </a:r>
+            <a:r>
+              <a:rPr lang="zh-CN" altLang="en-US" dirty="0">
+                <a:solidFill>
+                  <a:schemeClr val="tx1"/>
+                </a:solidFill>
+              </a:rPr>
+              <a:t>日志管理系统</a:t>
+            </a:r>
+            <a:endParaRPr lang="en-CN" dirty="0">
+              <a:solidFill>
+                <a:schemeClr val="tx1"/>
+              </a:solidFill>
+            </a:endParaRPr>
           </a:p>
         </p:txBody>
       </p:sp>
@@ -12007,54 +13812,6 @@
           </a:prstGeom>
         </p:spPr>
       </p:pic>
-      <p:sp>
-        <p:nvSpPr>
-          <p:cNvPr id="16" name="TextBox 15">
-            <a:extLst>
-              <a:ext uri="{FF2B5EF4-FFF2-40B4-BE49-F238E27FC236}">
-                <a16:creationId xmlns:a16="http://schemas.microsoft.com/office/drawing/2014/main" id="{2BE7BEB6-33AE-1B44-A42A-D4BBEB920FFD}"/>
-              </a:ext>
-            </a:extLst>
-          </p:cNvPr>
-          <p:cNvSpPr txBox="1"/>
-          <p:nvPr/>
-        </p:nvSpPr>
-        <p:spPr>
-          <a:xfrm>
-            <a:off x="5469213" y="917263"/>
-            <a:ext cx="3767378" cy="369332"/>
-          </a:xfrm>
-          <a:prstGeom prst="rect">
-            <a:avLst/>
-          </a:prstGeom>
-          <a:noFill/>
-        </p:spPr>
-        <p:txBody>
-          <a:bodyPr wrap="none" rtlCol="0">
-            <a:spAutoFit/>
-          </a:bodyPr>
-          <a:lstStyle/>
-          <a:p>
-            <a:r>
-              <a:rPr lang="zh-CN" altLang="en-CN" dirty="0"/>
-              <a:t>日志</a:t>
-            </a:r>
-            <a:r>
-              <a:rPr lang="zh-CN" altLang="en-US" dirty="0"/>
-              <a:t>搜集系统采用</a:t>
-            </a:r>
-            <a:r>
-              <a:rPr lang="en-US" altLang="zh-CN" dirty="0"/>
-              <a:t>ELK</a:t>
-            </a:r>
-            <a:r>
-              <a:rPr lang="zh-CN" altLang="en-US" dirty="0"/>
-              <a:t>日志管理系统</a:t>
-            </a:r>
-            <a:endParaRPr lang="en-CN" dirty="0"/>
-          </a:p>
-        </p:txBody>
-      </p:sp>
     </p:spTree>
     <p:extLst>
       <p:ext uri="{BB962C8B-B14F-4D97-AF65-F5344CB8AC3E}">
